--- a/PPT FWD TNSDC 2025 (2).pptx
+++ b/PPT FWD TNSDC 2025 (2).pptx
@@ -1,31 +1,32 @@
 
 <file path=ppt/presentation.xml><?xml version="1.0" encoding="utf-8"?>
-<p:presentation xmlns:p="http://schemas.openxmlformats.org/presentationml/2006/main" xmlns:r="http://schemas.openxmlformats.org/officeDocument/2006/relationships" xmlns:a="http://schemas.openxmlformats.org/drawingml/2006/main">
+<p:presentation xmlns:a="http://schemas.openxmlformats.org/drawingml/2006/main" xmlns:r="http://schemas.openxmlformats.org/officeDocument/2006/relationships" xmlns:p="http://schemas.openxmlformats.org/presentationml/2006/main">
   <p:sldMasterIdLst>
     <p:sldMasterId id="2147483648" r:id="rId1"/>
   </p:sldMasterIdLst>
   <p:notesMasterIdLst>
-    <p:notesMasterId r:id="rId2"/>
+    <p:notesMasterId r:id="rId13"/>
   </p:notesMasterIdLst>
   <p:sldIdLst>
+    <p:sldId id="256" r:id="rId2"/>
     <p:sldId id="257" r:id="rId3"/>
     <p:sldId id="258" r:id="rId4"/>
     <p:sldId id="259" r:id="rId5"/>
     <p:sldId id="260" r:id="rId6"/>
     <p:sldId id="261" r:id="rId7"/>
     <p:sldId id="262" r:id="rId8"/>
-    <p:sldId id="263" r:id="rId9"/>
-    <p:sldId id="264" r:id="rId10"/>
-    <p:sldId id="265" r:id="rId11"/>
-    <p:sldId id="266" r:id="rId12"/>
+    <p:sldId id="264" r:id="rId9"/>
+    <p:sldId id="269" r:id="rId10"/>
+    <p:sldId id="263" r:id="rId11"/>
+    <p:sldId id="265" r:id="rId12"/>
   </p:sldIdLst>
-  <p:sldSz type="screen16x9" cy="6858000" cx="12192000"/>
+  <p:sldSz cx="12192000" cy="6858000"/>
   <p:notesSz cx="12192000" cy="6858000"/>
   <p:defaultTextStyle>
     <a:defPPr>
       <a:defRPr lang="en-US"/>
     </a:defPPr>
-    <a:lvl1pPr algn="l" defTabSz="914400" eaLnBrk="1" hangingPunct="1" latinLnBrk="0" marL="0" rtl="0">
+    <a:lvl1pPr marL="0" algn="l" defTabSz="914400" rtl="0" eaLnBrk="1" latinLnBrk="0" hangingPunct="1">
       <a:defRPr sz="1800" kern="1200">
         <a:solidFill>
           <a:schemeClr val="tx1"/>
@@ -35,7 +36,7 @@
         <a:cs typeface="+mn-cs"/>
       </a:defRPr>
     </a:lvl1pPr>
-    <a:lvl2pPr algn="l" defTabSz="914400" eaLnBrk="1" hangingPunct="1" latinLnBrk="0" marL="457200" rtl="0">
+    <a:lvl2pPr marL="457200" algn="l" defTabSz="914400" rtl="0" eaLnBrk="1" latinLnBrk="0" hangingPunct="1">
       <a:defRPr sz="1800" kern="1200">
         <a:solidFill>
           <a:schemeClr val="tx1"/>
@@ -45,7 +46,7 @@
         <a:cs typeface="+mn-cs"/>
       </a:defRPr>
     </a:lvl2pPr>
-    <a:lvl3pPr algn="l" defTabSz="914400" eaLnBrk="1" hangingPunct="1" latinLnBrk="0" marL="914400" rtl="0">
+    <a:lvl3pPr marL="914400" algn="l" defTabSz="914400" rtl="0" eaLnBrk="1" latinLnBrk="0" hangingPunct="1">
       <a:defRPr sz="1800" kern="1200">
         <a:solidFill>
           <a:schemeClr val="tx1"/>
@@ -55,7 +56,7 @@
         <a:cs typeface="+mn-cs"/>
       </a:defRPr>
     </a:lvl3pPr>
-    <a:lvl4pPr algn="l" defTabSz="914400" eaLnBrk="1" hangingPunct="1" latinLnBrk="0" marL="1371600" rtl="0">
+    <a:lvl4pPr marL="1371600" algn="l" defTabSz="914400" rtl="0" eaLnBrk="1" latinLnBrk="0" hangingPunct="1">
       <a:defRPr sz="1800" kern="1200">
         <a:solidFill>
           <a:schemeClr val="tx1"/>
@@ -65,7 +66,7 @@
         <a:cs typeface="+mn-cs"/>
       </a:defRPr>
     </a:lvl4pPr>
-    <a:lvl5pPr algn="l" defTabSz="914400" eaLnBrk="1" hangingPunct="1" latinLnBrk="0" marL="1828800" rtl="0">
+    <a:lvl5pPr marL="1828800" algn="l" defTabSz="914400" rtl="0" eaLnBrk="1" latinLnBrk="0" hangingPunct="1">
       <a:defRPr sz="1800" kern="1200">
         <a:solidFill>
           <a:schemeClr val="tx1"/>
@@ -75,7 +76,7 @@
         <a:cs typeface="+mn-cs"/>
       </a:defRPr>
     </a:lvl5pPr>
-    <a:lvl6pPr algn="l" defTabSz="914400" eaLnBrk="1" hangingPunct="1" latinLnBrk="0" marL="2286000" rtl="0">
+    <a:lvl6pPr marL="2286000" algn="l" defTabSz="914400" rtl="0" eaLnBrk="1" latinLnBrk="0" hangingPunct="1">
       <a:defRPr sz="1800" kern="1200">
         <a:solidFill>
           <a:schemeClr val="tx1"/>
@@ -85,7 +86,7 @@
         <a:cs typeface="+mn-cs"/>
       </a:defRPr>
     </a:lvl6pPr>
-    <a:lvl7pPr algn="l" defTabSz="914400" eaLnBrk="1" hangingPunct="1" latinLnBrk="0" marL="2743200" rtl="0">
+    <a:lvl7pPr marL="2743200" algn="l" defTabSz="914400" rtl="0" eaLnBrk="1" latinLnBrk="0" hangingPunct="1">
       <a:defRPr sz="1800" kern="1200">
         <a:solidFill>
           <a:schemeClr val="tx1"/>
@@ -95,7 +96,7 @@
         <a:cs typeface="+mn-cs"/>
       </a:defRPr>
     </a:lvl7pPr>
-    <a:lvl8pPr algn="l" defTabSz="914400" eaLnBrk="1" hangingPunct="1" latinLnBrk="0" marL="3200400" rtl="0">
+    <a:lvl8pPr marL="3200400" algn="l" defTabSz="914400" rtl="0" eaLnBrk="1" latinLnBrk="0" hangingPunct="1">
       <a:defRPr sz="1800" kern="1200">
         <a:solidFill>
           <a:schemeClr val="tx1"/>
@@ -105,7 +106,7 @@
         <a:cs typeface="+mn-cs"/>
       </a:defRPr>
     </a:lvl8pPr>
-    <a:lvl9pPr algn="l" defTabSz="914400" eaLnBrk="1" hangingPunct="1" latinLnBrk="0" marL="3657600" rtl="0">
+    <a:lvl9pPr marL="3657600" algn="l" defTabSz="914400" rtl="0" eaLnBrk="1" latinLnBrk="0" hangingPunct="1">
       <a:defRPr sz="1800" kern="1200">
         <a:solidFill>
           <a:schemeClr val="tx1"/>
@@ -116,7 +117,31 @@
       </a:defRPr>
     </a:lvl9pPr>
   </p:defaultTextStyle>
+  <p:extLst>
+    <p:ext uri="{EFAFB233-063F-42B5-8137-9DF3F51BA10A}">
+      <p15:sldGuideLst xmlns:p15="http://schemas.microsoft.com/office/powerpoint/2012/main">
+        <p15:guide id="1" orient="horz" pos="2880">
+          <p15:clr>
+            <a:srgbClr val="A4A3A4"/>
+          </p15:clr>
+        </p15:guide>
+        <p15:guide id="2" pos="2160">
+          <p15:clr>
+            <a:srgbClr val="A4A3A4"/>
+          </p15:clr>
+        </p15:guide>
+      </p15:sldGuideLst>
+    </p:ext>
+  </p:extLst>
 </p:presentation>
+</file>
+
+<file path=ppt/revisionInfo.xml><?xml version="1.0" encoding="utf-8"?>
+<p1510:revInfo xmlns:a="http://schemas.openxmlformats.org/drawingml/2006/main" xmlns:r="http://schemas.openxmlformats.org/officeDocument/2006/relationships" xmlns:p1510="http://schemas.microsoft.com/office/powerpoint/2015/10/main">
+  <p1510:revLst>
+    <p1510:client id="{D5830CC7-8040-4162-8342-BB180D82127D}" v="17" dt="2024-08-20T06:41:39.573"/>
+  </p1510:revLst>
+</p1510:revInfo>
 </file>
 
 <file path=ppt/notesMasters/notesMaster1.xml><?xml version="1.0" encoding="utf-8"?>
@@ -129,7 +154,7 @@
     </p:bg>
     <p:spTree>
       <p:nvGrpSpPr>
-        <p:cNvPr id="41" name=""/>
+        <p:cNvPr id="1" name=""/>
         <p:cNvGrpSpPr/>
         <p:nvPr/>
       </p:nvGrpSpPr>
@@ -143,7 +168,7 @@
       </p:grpSpPr>
       <p:sp>
         <p:nvSpPr>
-          <p:cNvPr id="1048702" name="Header Placeholder 1"/>
+          <p:cNvPr id="2" name="Header Placeholder 1"/>
           <p:cNvSpPr>
             <a:spLocks noGrp="1"/>
           </p:cNvSpPr>
@@ -156,10 +181,12 @@
             <a:off x="0" y="0"/>
             <a:ext cx="5283200" cy="344488"/>
           </a:xfrm>
-          <a:prstGeom prst="rect"/>
-        </p:spPr>
-        <p:txBody>
-          <a:bodyPr bIns="45720" lIns="91440" rIns="91440" rtlCol="0" tIns="45720" vert="horz"/>
+          <a:prstGeom prst="rect">
+            <a:avLst/>
+          </a:prstGeom>
+        </p:spPr>
+        <p:txBody>
+          <a:bodyPr vert="horz" lIns="91440" tIns="45720" rIns="91440" bIns="45720" rtlCol="0"/>
           <a:lstStyle>
             <a:lvl1pPr algn="l">
               <a:defRPr sz="1200"/>
@@ -172,7 +199,7 @@
       </p:sp>
       <p:sp>
         <p:nvSpPr>
-          <p:cNvPr id="1048703" name="Date Placeholder 2"/>
+          <p:cNvPr id="3" name="Date Placeholder 2"/>
           <p:cNvSpPr>
             <a:spLocks noGrp="1"/>
           </p:cNvSpPr>
@@ -185,10 +212,12 @@
             <a:off x="6905625" y="0"/>
             <a:ext cx="5283200" cy="344488"/>
           </a:xfrm>
-          <a:prstGeom prst="rect"/>
-        </p:spPr>
-        <p:txBody>
-          <a:bodyPr bIns="45720" lIns="91440" rIns="91440" rtlCol="0" tIns="45720" vert="horz"/>
+          <a:prstGeom prst="rect">
+            <a:avLst/>
+          </a:prstGeom>
+        </p:spPr>
+        <p:txBody>
+          <a:bodyPr vert="horz" lIns="91440" tIns="45720" rIns="91440" bIns="45720" rtlCol="0"/>
           <a:lstStyle>
             <a:lvl1pPr algn="r">
               <a:defRPr sz="1200"/>
@@ -205,9 +234,9 @@
       </p:sp>
       <p:sp>
         <p:nvSpPr>
-          <p:cNvPr id="1048704" name="Slide Image Placeholder 3"/>
+          <p:cNvPr id="4" name="Slide Image Placeholder 3"/>
           <p:cNvSpPr>
-            <a:spLocks noChangeAspect="1" noRot="1" noGrp="1"/>
+            <a:spLocks noGrp="1" noRot="1" noChangeAspect="1"/>
           </p:cNvSpPr>
           <p:nvPr>
             <p:ph type="sldImg" idx="2"/>
@@ -218,7 +247,9 @@
             <a:off x="4038600" y="857250"/>
             <a:ext cx="4114800" cy="2314575"/>
           </a:xfrm>
-          <a:prstGeom prst="rect"/>
+          <a:prstGeom prst="rect">
+            <a:avLst/>
+          </a:prstGeom>
           <a:noFill/>
           <a:ln w="12700">
             <a:solidFill>
@@ -227,7 +258,8 @@
           </a:ln>
         </p:spPr>
         <p:txBody>
-          <a:bodyPr anchor="ctr" bIns="45720" lIns="91440" rIns="91440" rtlCol="0" tIns="45720" vert="horz"/>
+          <a:bodyPr vert="horz" lIns="91440" tIns="45720" rIns="91440" bIns="45720" rtlCol="0" anchor="ctr"/>
+          <a:lstStyle/>
           <a:p>
             <a:endParaRPr lang="en-IN"/>
           </a:p>
@@ -235,7 +267,7 @@
       </p:sp>
       <p:sp>
         <p:nvSpPr>
-          <p:cNvPr id="1048705" name="Notes Placeholder 4"/>
+          <p:cNvPr id="5" name="Notes Placeholder 4"/>
           <p:cNvSpPr>
             <a:spLocks noGrp="1"/>
           </p:cNvSpPr>
@@ -248,10 +280,13 @@
             <a:off x="1219200" y="3300413"/>
             <a:ext cx="9753600" cy="2700337"/>
           </a:xfrm>
-          <a:prstGeom prst="rect"/>
-        </p:spPr>
-        <p:txBody>
-          <a:bodyPr bIns="45720" lIns="91440" rIns="91440" rtlCol="0" tIns="45720" vert="horz"/>
+          <a:prstGeom prst="rect">
+            <a:avLst/>
+          </a:prstGeom>
+        </p:spPr>
+        <p:txBody>
+          <a:bodyPr vert="horz" lIns="91440" tIns="45720" rIns="91440" bIns="45720" rtlCol="0"/>
+          <a:lstStyle/>
           <a:p>
             <a:pPr lvl="0"/>
             <a:r>
@@ -292,7 +327,7 @@
       </p:sp>
       <p:sp>
         <p:nvSpPr>
-          <p:cNvPr id="1048706" name="Footer Placeholder 5"/>
+          <p:cNvPr id="6" name="Footer Placeholder 5"/>
           <p:cNvSpPr>
             <a:spLocks noGrp="1"/>
           </p:cNvSpPr>
@@ -305,10 +340,12 @@
             <a:off x="0" y="6513513"/>
             <a:ext cx="5283200" cy="344487"/>
           </a:xfrm>
-          <a:prstGeom prst="rect"/>
-        </p:spPr>
-        <p:txBody>
-          <a:bodyPr anchor="b" bIns="45720" lIns="91440" rIns="91440" rtlCol="0" tIns="45720" vert="horz"/>
+          <a:prstGeom prst="rect">
+            <a:avLst/>
+          </a:prstGeom>
+        </p:spPr>
+        <p:txBody>
+          <a:bodyPr vert="horz" lIns="91440" tIns="45720" rIns="91440" bIns="45720" rtlCol="0" anchor="b"/>
           <a:lstStyle>
             <a:lvl1pPr algn="l">
               <a:defRPr sz="1200"/>
@@ -321,7 +358,7 @@
       </p:sp>
       <p:sp>
         <p:nvSpPr>
-          <p:cNvPr id="1048707" name="Slide Number Placeholder 6"/>
+          <p:cNvPr id="7" name="Slide Number Placeholder 6"/>
           <p:cNvSpPr>
             <a:spLocks noGrp="1"/>
           </p:cNvSpPr>
@@ -334,10 +371,12 @@
             <a:off x="6905625" y="6513513"/>
             <a:ext cx="5283200" cy="344487"/>
           </a:xfrm>
-          <a:prstGeom prst="rect"/>
-        </p:spPr>
-        <p:txBody>
-          <a:bodyPr anchor="b" bIns="45720" lIns="91440" rIns="91440" rtlCol="0" tIns="45720" vert="horz"/>
+          <a:prstGeom prst="rect">
+            <a:avLst/>
+          </a:prstGeom>
+        </p:spPr>
+        <p:txBody>
+          <a:bodyPr vert="horz" lIns="91440" tIns="45720" rIns="91440" bIns="45720" rtlCol="0" anchor="b"/>
           <a:lstStyle>
             <a:lvl1pPr algn="r">
               <a:defRPr sz="1200"/>
@@ -353,10 +392,15 @@
         </p:txBody>
       </p:sp>
     </p:spTree>
+    <p:extLst>
+      <p:ext uri="{BB962C8B-B14F-4D97-AF65-F5344CB8AC3E}">
+        <p14:creationId xmlns:p14="http://schemas.microsoft.com/office/powerpoint/2010/main" val="2918557904"/>
+      </p:ext>
+    </p:extLst>
   </p:cSld>
-  <p:clrMap accent1="accent1" accent2="accent2" accent3="accent3" accent4="accent4" accent5="accent5" accent6="accent6" bg1="lt1" bg2="lt2" tx1="dk1" tx2="dk2" hlink="hlink" folHlink="folHlink"/>
+  <p:clrMap bg1="lt1" tx1="dk1" bg2="lt2" tx2="dk2" accent1="accent1" accent2="accent2" accent3="accent3" accent4="accent4" accent5="accent5" accent6="accent6" hlink="hlink" folHlink="folHlink"/>
   <p:notesStyle>
-    <a:lvl1pPr algn="l" defTabSz="914400" eaLnBrk="1" hangingPunct="1" latinLnBrk="0" marL="0" rtl="0">
+    <a:lvl1pPr marL="0" algn="l" defTabSz="914400" rtl="0" eaLnBrk="1" latinLnBrk="0" hangingPunct="1">
       <a:defRPr sz="1200" kern="1200">
         <a:solidFill>
           <a:schemeClr val="tx1"/>
@@ -366,7 +410,7 @@
         <a:cs typeface="+mn-cs"/>
       </a:defRPr>
     </a:lvl1pPr>
-    <a:lvl2pPr algn="l" defTabSz="914400" eaLnBrk="1" hangingPunct="1" latinLnBrk="0" marL="457200" rtl="0">
+    <a:lvl2pPr marL="457200" algn="l" defTabSz="914400" rtl="0" eaLnBrk="1" latinLnBrk="0" hangingPunct="1">
       <a:defRPr sz="1200" kern="1200">
         <a:solidFill>
           <a:schemeClr val="tx1"/>
@@ -376,7 +420,7 @@
         <a:cs typeface="+mn-cs"/>
       </a:defRPr>
     </a:lvl2pPr>
-    <a:lvl3pPr algn="l" defTabSz="914400" eaLnBrk="1" hangingPunct="1" latinLnBrk="0" marL="914400" rtl="0">
+    <a:lvl3pPr marL="914400" algn="l" defTabSz="914400" rtl="0" eaLnBrk="1" latinLnBrk="0" hangingPunct="1">
       <a:defRPr sz="1200" kern="1200">
         <a:solidFill>
           <a:schemeClr val="tx1"/>
@@ -386,7 +430,7 @@
         <a:cs typeface="+mn-cs"/>
       </a:defRPr>
     </a:lvl3pPr>
-    <a:lvl4pPr algn="l" defTabSz="914400" eaLnBrk="1" hangingPunct="1" latinLnBrk="0" marL="1371600" rtl="0">
+    <a:lvl4pPr marL="1371600" algn="l" defTabSz="914400" rtl="0" eaLnBrk="1" latinLnBrk="0" hangingPunct="1">
       <a:defRPr sz="1200" kern="1200">
         <a:solidFill>
           <a:schemeClr val="tx1"/>
@@ -396,7 +440,7 @@
         <a:cs typeface="+mn-cs"/>
       </a:defRPr>
     </a:lvl4pPr>
-    <a:lvl5pPr algn="l" defTabSz="914400" eaLnBrk="1" hangingPunct="1" latinLnBrk="0" marL="1828800" rtl="0">
+    <a:lvl5pPr marL="1828800" algn="l" defTabSz="914400" rtl="0" eaLnBrk="1" latinLnBrk="0" hangingPunct="1">
       <a:defRPr sz="1200" kern="1200">
         <a:solidFill>
           <a:schemeClr val="tx1"/>
@@ -406,7 +450,7 @@
         <a:cs typeface="+mn-cs"/>
       </a:defRPr>
     </a:lvl5pPr>
-    <a:lvl6pPr algn="l" defTabSz="914400" eaLnBrk="1" hangingPunct="1" latinLnBrk="0" marL="2286000" rtl="0">
+    <a:lvl6pPr marL="2286000" algn="l" defTabSz="914400" rtl="0" eaLnBrk="1" latinLnBrk="0" hangingPunct="1">
       <a:defRPr sz="1200" kern="1200">
         <a:solidFill>
           <a:schemeClr val="tx1"/>
@@ -416,7 +460,7 @@
         <a:cs typeface="+mn-cs"/>
       </a:defRPr>
     </a:lvl6pPr>
-    <a:lvl7pPr algn="l" defTabSz="914400" eaLnBrk="1" hangingPunct="1" latinLnBrk="0" marL="2743200" rtl="0">
+    <a:lvl7pPr marL="2743200" algn="l" defTabSz="914400" rtl="0" eaLnBrk="1" latinLnBrk="0" hangingPunct="1">
       <a:defRPr sz="1200" kern="1200">
         <a:solidFill>
           <a:schemeClr val="tx1"/>
@@ -426,7 +470,7 @@
         <a:cs typeface="+mn-cs"/>
       </a:defRPr>
     </a:lvl7pPr>
-    <a:lvl8pPr algn="l" defTabSz="914400" eaLnBrk="1" hangingPunct="1" latinLnBrk="0" marL="3200400" rtl="0">
+    <a:lvl8pPr marL="3200400" algn="l" defTabSz="914400" rtl="0" eaLnBrk="1" latinLnBrk="0" hangingPunct="1">
       <a:defRPr sz="1200" kern="1200">
         <a:solidFill>
           <a:schemeClr val="tx1"/>
@@ -436,7 +480,7 @@
         <a:cs typeface="+mn-cs"/>
       </a:defRPr>
     </a:lvl8pPr>
-    <a:lvl9pPr algn="l" defTabSz="914400" eaLnBrk="1" hangingPunct="1" latinLnBrk="0" marL="3657600" rtl="0">
+    <a:lvl9pPr marL="3657600" algn="l" defTabSz="914400" rtl="0" eaLnBrk="1" latinLnBrk="0" hangingPunct="1">
       <a:defRPr sz="1200" kern="1200">
         <a:solidFill>
           <a:schemeClr val="tx1"/>
@@ -455,7 +499,7 @@
   <p:cSld>
     <p:spTree>
       <p:nvGrpSpPr>
-        <p:cNvPr id="28" name=""/>
+        <p:cNvPr id="1" name=""/>
         <p:cNvGrpSpPr/>
         <p:nvPr/>
       </p:nvGrpSpPr>
@@ -469,9 +513,9 @@
       </p:grpSpPr>
       <p:sp>
         <p:nvSpPr>
-          <p:cNvPr id="1048640" name="Slide Image Placeholder 1"/>
+          <p:cNvPr id="2" name="Slide Image Placeholder 1"/>
           <p:cNvSpPr>
-            <a:spLocks noChangeAspect="1" noRot="1" noGrp="1"/>
+            <a:spLocks noGrp="1" noRot="1" noChangeAspect="1"/>
           </p:cNvSpPr>
           <p:nvPr>
             <p:ph type="sldImg"/>
@@ -481,7 +525,7 @@
       </p:sp>
       <p:sp>
         <p:nvSpPr>
-          <p:cNvPr id="1048641" name="Notes Placeholder 2"/>
+          <p:cNvPr id="3" name="Notes Placeholder 2"/>
           <p:cNvSpPr>
             <a:spLocks noGrp="1"/>
           </p:cNvSpPr>
@@ -492,14 +536,15 @@
         <p:spPr/>
         <p:txBody>
           <a:bodyPr/>
-          <a:p>
-            <a:endParaRPr dirty="0" lang="en-IN"/>
-          </a:p>
-        </p:txBody>
-      </p:sp>
-      <p:sp>
-        <p:nvSpPr>
-          <p:cNvPr id="1048642" name="Slide Number Placeholder 3"/>
+          <a:lstStyle/>
+          <a:p>
+            <a:endParaRPr lang="en-IN" dirty="0"/>
+          </a:p>
+        </p:txBody>
+      </p:sp>
+      <p:sp>
+        <p:nvSpPr>
+          <p:cNvPr id="4" name="Slide Number Placeholder 3"/>
           <p:cNvSpPr>
             <a:spLocks noGrp="1"/>
           </p:cNvSpPr>
@@ -510,6 +555,7 @@
         <p:spPr/>
         <p:txBody>
           <a:bodyPr/>
+          <a:lstStyle/>
           <a:p>
             <a:fld id="{F7F439ED-1E90-4106-847A-8EF19031FE2F}" type="slidenum">
               <a:rPr lang="en-IN" smtClean="0"/>
@@ -520,6 +566,11 @@
         </p:txBody>
       </p:sp>
     </p:spTree>
+    <p:extLst>
+      <p:ext uri="{BB962C8B-B14F-4D97-AF65-F5344CB8AC3E}">
+        <p14:creationId xmlns:p14="http://schemas.microsoft.com/office/powerpoint/2010/main" val="404353501"/>
+      </p:ext>
+    </p:extLst>
   </p:cSld>
   <p:clrMapOvr>
     <a:masterClrMapping/>
@@ -528,11 +579,11 @@
 </file>
 
 <file path=ppt/slideLayouts/slideLayout1.xml><?xml version="1.0" encoding="utf-8"?>
-<p:sldLayout xmlns:a="http://schemas.openxmlformats.org/drawingml/2006/main" xmlns:r="http://schemas.openxmlformats.org/officeDocument/2006/relationships" xmlns:p="http://schemas.openxmlformats.org/presentationml/2006/main" preserve="1" type="obj">
+<p:sldLayout xmlns:a="http://schemas.openxmlformats.org/drawingml/2006/main" xmlns:r="http://schemas.openxmlformats.org/officeDocument/2006/relationships" xmlns:p="http://schemas.openxmlformats.org/presentationml/2006/main" type="obj" preserve="1">
   <p:cSld name="Title Slide">
     <p:spTree>
       <p:nvGrpSpPr>
-        <p:cNvPr id="22" name=""/>
+        <p:cNvPr id="1" name=""/>
         <p:cNvGrpSpPr/>
         <p:nvPr/>
       </p:nvGrpSpPr>
@@ -546,7 +597,7 @@
       </p:grpSpPr>
       <p:sp>
         <p:nvSpPr>
-          <p:cNvPr id="1048616" name="Holder 2"/>
+          <p:cNvPr id="2" name="Holder 2"/>
           <p:cNvSpPr>
             <a:spLocks noGrp="1"/>
           </p:cNvSpPr>
@@ -557,17 +608,19 @@
         <p:spPr>
           <a:xfrm>
             <a:off x="3195574" y="2067305"/>
-            <a:ext cx="5800851" cy="457200"/>
-          </a:xfrm>
-          <a:prstGeom prst="rect"/>
-        </p:spPr>
-        <p:txBody>
-          <a:bodyPr bIns="0" lIns="0" rIns="0" tIns="0" wrap="square">
+            <a:ext cx="5800851" cy="518160"/>
+          </a:xfrm>
+          <a:prstGeom prst="rect">
+            <a:avLst/>
+          </a:prstGeom>
+        </p:spPr>
+        <p:txBody>
+          <a:bodyPr wrap="square" lIns="0" tIns="0" rIns="0" bIns="0">
             <a:spAutoFit/>
           </a:bodyPr>
           <a:lstStyle>
             <a:lvl1pPr>
-              <a:defRPr b="0" sz="3200" i="0">
+              <a:defRPr sz="3200" b="0" i="0">
                 <a:solidFill>
                   <a:schemeClr val="tx1"/>
                 </a:solidFill>
@@ -576,12 +629,14 @@
               </a:defRPr>
             </a:lvl1pPr>
           </a:lstStyle>
-          <a:p/>
-        </p:txBody>
-      </p:sp>
-      <p:sp>
-        <p:nvSpPr>
-          <p:cNvPr id="1048617" name="Holder 3"/>
+          <a:p>
+            <a:endParaRPr/>
+          </a:p>
+        </p:txBody>
+      </p:sp>
+      <p:sp>
+        <p:nvSpPr>
+          <p:cNvPr id="3" name="Holder 3"/>
           <p:cNvSpPr>
             <a:spLocks noGrp="1"/>
           </p:cNvSpPr>
@@ -592,20 +647,29 @@
         <p:spPr>
           <a:xfrm>
             <a:off x="1828800" y="3840480"/>
-            <a:ext cx="8534400" cy="254000"/>
-          </a:xfrm>
-          <a:prstGeom prst="rect"/>
-        </p:spPr>
-        <p:txBody>
-          <a:bodyPr bIns="0" lIns="0" rIns="0" tIns="0" wrap="square">
+            <a:ext cx="8534400" cy="1714500"/>
+          </a:xfrm>
+          <a:prstGeom prst="rect">
+            <a:avLst/>
+          </a:prstGeom>
+        </p:spPr>
+        <p:txBody>
+          <a:bodyPr wrap="square" lIns="0" tIns="0" rIns="0" bIns="0">
             <a:spAutoFit/>
           </a:bodyPr>
-          <a:p/>
-        </p:txBody>
-      </p:sp>
-      <p:sp>
-        <p:nvSpPr>
-          <p:cNvPr id="1048618" name="Holder 4"/>
+          <a:lstStyle>
+            <a:lvl1pPr>
+              <a:defRPr/>
+            </a:lvl1pPr>
+          </a:lstStyle>
+          <a:p>
+            <a:endParaRPr/>
+          </a:p>
+        </p:txBody>
+      </p:sp>
+      <p:sp>
+        <p:nvSpPr>
+          <p:cNvPr id="4" name="Holder 4"/>
           <p:cNvSpPr>
             <a:spLocks noGrp="1"/>
           </p:cNvSpPr>
@@ -615,7 +679,7 @@
         </p:nvSpPr>
         <p:spPr/>
         <p:txBody>
-          <a:bodyPr bIns="0" lIns="0" rIns="0" tIns="0"/>
+          <a:bodyPr lIns="0" tIns="0" rIns="0" bIns="0"/>
           <a:lstStyle>
             <a:lvl1pPr algn="ctr">
               <a:defRPr>
@@ -627,12 +691,14 @@
               </a:defRPr>
             </a:lvl1pPr>
           </a:lstStyle>
-          <a:p/>
-        </p:txBody>
-      </p:sp>
-      <p:sp>
-        <p:nvSpPr>
-          <p:cNvPr id="1048619" name="Holder 5"/>
+          <a:p>
+            <a:endParaRPr/>
+          </a:p>
+        </p:txBody>
+      </p:sp>
+      <p:sp>
+        <p:nvSpPr>
+          <p:cNvPr id="5" name="Holder 5"/>
           <p:cNvSpPr>
             <a:spLocks noGrp="1"/>
           </p:cNvSpPr>
@@ -642,7 +708,7 @@
         </p:nvSpPr>
         <p:spPr/>
         <p:txBody>
-          <a:bodyPr bIns="0" lIns="0" rIns="0" tIns="0"/>
+          <a:bodyPr lIns="0" tIns="0" rIns="0" bIns="0"/>
           <a:lstStyle>
             <a:lvl1pPr algn="l">
               <a:defRPr>
@@ -665,7 +731,7 @@
       </p:sp>
       <p:sp>
         <p:nvSpPr>
-          <p:cNvPr id="1048620" name="Holder 6"/>
+          <p:cNvPr id="6" name="Holder 6"/>
           <p:cNvSpPr>
             <a:spLocks noGrp="1"/>
           </p:cNvSpPr>
@@ -675,10 +741,10 @@
         </p:nvSpPr>
         <p:spPr/>
         <p:txBody>
-          <a:bodyPr bIns="0" lIns="0" rIns="0" tIns="0"/>
+          <a:bodyPr lIns="0" tIns="0" rIns="0" bIns="0"/>
           <a:lstStyle>
             <a:lvl1pPr>
-              <a:defRPr b="0" sz="1100" i="0">
+              <a:defRPr sz="1100" b="0" i="0">
                 <a:solidFill>
                   <a:srgbClr val="2D936B"/>
                 </a:solidFill>
@@ -697,10 +763,10 @@
               </a:spcBef>
             </a:pPr>
             <a:fld id="{81D60167-4931-47E6-BA6A-407CBD079E47}" type="slidenum">
-              <a:rPr dirty="0" spc="10"/>
+              <a:rPr spc="10" dirty="0"/>
               <a:t>‹#›</a:t>
             </a:fld>
-            <a:endParaRPr dirty="0" spc="10"/>
+            <a:endParaRPr spc="10" dirty="0"/>
           </a:p>
         </p:txBody>
       </p:sp>
@@ -713,11 +779,11 @@
 </file>
 
 <file path=ppt/slideLayouts/slideLayout2.xml><?xml version="1.0" encoding="utf-8"?>
-<p:sldLayout xmlns:a="http://schemas.openxmlformats.org/drawingml/2006/main" xmlns:r="http://schemas.openxmlformats.org/officeDocument/2006/relationships" xmlns:p="http://schemas.openxmlformats.org/presentationml/2006/main" preserve="1" type="obj">
+<p:sldLayout xmlns:a="http://schemas.openxmlformats.org/drawingml/2006/main" xmlns:r="http://schemas.openxmlformats.org/officeDocument/2006/relationships" xmlns:p="http://schemas.openxmlformats.org/presentationml/2006/main" type="obj" preserve="1">
   <p:cSld name="Title and Content">
     <p:spTree>
       <p:nvGrpSpPr>
-        <p:cNvPr id="38" name=""/>
+        <p:cNvPr id="1" name=""/>
         <p:cNvGrpSpPr/>
         <p:nvPr/>
       </p:nvGrpSpPr>
@@ -731,7 +797,7 @@
       </p:grpSpPr>
       <p:sp>
         <p:nvSpPr>
-          <p:cNvPr id="1048688" name="Holder 2"/>
+          <p:cNvPr id="2" name="Holder 2"/>
           <p:cNvSpPr>
             <a:spLocks noGrp="1"/>
           </p:cNvSpPr>
@@ -739,17 +805,12 @@
             <p:ph type="title"/>
           </p:nvPr>
         </p:nvSpPr>
-        <p:spPr>
-          <a:xfrm>
-            <a:off x="755332" y="385444"/>
-            <a:ext cx="10681335" cy="673101"/>
-          </a:xfrm>
-        </p:spPr>
-        <p:txBody>
-          <a:bodyPr bIns="0" lIns="0" rIns="0" tIns="0"/>
+        <p:spPr/>
+        <p:txBody>
+          <a:bodyPr lIns="0" tIns="0" rIns="0" bIns="0"/>
           <a:lstStyle>
             <a:lvl1pPr>
-              <a:defRPr b="1" sz="4800" i="0">
+              <a:defRPr sz="4800" b="1" i="0">
                 <a:solidFill>
                   <a:schemeClr val="tx1"/>
                 </a:solidFill>
@@ -758,12 +819,14 @@
               </a:defRPr>
             </a:lvl1pPr>
           </a:lstStyle>
-          <a:p/>
-        </p:txBody>
-      </p:sp>
-      <p:sp>
-        <p:nvSpPr>
-          <p:cNvPr id="1048689" name="Holder 3"/>
+          <a:p>
+            <a:endParaRPr/>
+          </a:p>
+        </p:txBody>
+      </p:sp>
+      <p:sp>
+        <p:nvSpPr>
+          <p:cNvPr id="3" name="Holder 3"/>
           <p:cNvSpPr>
             <a:spLocks noGrp="1"/>
           </p:cNvSpPr>
@@ -771,20 +834,22 @@
             <p:ph type="body" idx="1"/>
           </p:nvPr>
         </p:nvSpPr>
-        <p:spPr>
-          <a:xfrm>
-            <a:off x="609600" y="1577340"/>
-            <a:ext cx="10972800" cy="254000"/>
-          </a:xfrm>
-        </p:spPr>
-        <p:txBody>
-          <a:bodyPr bIns="0" lIns="0" rIns="0" tIns="0"/>
-          <a:p/>
-        </p:txBody>
-      </p:sp>
-      <p:sp>
-        <p:nvSpPr>
-          <p:cNvPr id="1048690" name="Holder 4"/>
+        <p:spPr/>
+        <p:txBody>
+          <a:bodyPr lIns="0" tIns="0" rIns="0" bIns="0"/>
+          <a:lstStyle>
+            <a:lvl1pPr>
+              <a:defRPr/>
+            </a:lvl1pPr>
+          </a:lstStyle>
+          <a:p>
+            <a:endParaRPr/>
+          </a:p>
+        </p:txBody>
+      </p:sp>
+      <p:sp>
+        <p:nvSpPr>
+          <p:cNvPr id="4" name="Holder 4"/>
           <p:cNvSpPr>
             <a:spLocks noGrp="1"/>
           </p:cNvSpPr>
@@ -794,7 +859,7 @@
         </p:nvSpPr>
         <p:spPr/>
         <p:txBody>
-          <a:bodyPr bIns="0" lIns="0" rIns="0" tIns="0"/>
+          <a:bodyPr lIns="0" tIns="0" rIns="0" bIns="0"/>
           <a:lstStyle>
             <a:lvl1pPr algn="ctr">
               <a:defRPr>
@@ -806,12 +871,14 @@
               </a:defRPr>
             </a:lvl1pPr>
           </a:lstStyle>
-          <a:p/>
-        </p:txBody>
-      </p:sp>
-      <p:sp>
-        <p:nvSpPr>
-          <p:cNvPr id="1048691" name="Holder 5"/>
+          <a:p>
+            <a:endParaRPr/>
+          </a:p>
+        </p:txBody>
+      </p:sp>
+      <p:sp>
+        <p:nvSpPr>
+          <p:cNvPr id="5" name="Holder 5"/>
           <p:cNvSpPr>
             <a:spLocks noGrp="1"/>
           </p:cNvSpPr>
@@ -821,7 +888,7 @@
         </p:nvSpPr>
         <p:spPr/>
         <p:txBody>
-          <a:bodyPr bIns="0" lIns="0" rIns="0" tIns="0"/>
+          <a:bodyPr lIns="0" tIns="0" rIns="0" bIns="0"/>
           <a:lstStyle>
             <a:lvl1pPr algn="l">
               <a:defRPr>
@@ -844,7 +911,7 @@
       </p:sp>
       <p:sp>
         <p:nvSpPr>
-          <p:cNvPr id="1048692" name="Holder 6"/>
+          <p:cNvPr id="6" name="Holder 6"/>
           <p:cNvSpPr>
             <a:spLocks noGrp="1"/>
           </p:cNvSpPr>
@@ -854,10 +921,10 @@
         </p:nvSpPr>
         <p:spPr/>
         <p:txBody>
-          <a:bodyPr bIns="0" lIns="0" rIns="0" tIns="0"/>
+          <a:bodyPr lIns="0" tIns="0" rIns="0" bIns="0"/>
           <a:lstStyle>
             <a:lvl1pPr>
-              <a:defRPr b="0" sz="1100" i="0">
+              <a:defRPr sz="1100" b="0" i="0">
                 <a:solidFill>
                   <a:srgbClr val="2D936B"/>
                 </a:solidFill>
@@ -876,10 +943,10 @@
               </a:spcBef>
             </a:pPr>
             <a:fld id="{81D60167-4931-47E6-BA6A-407CBD079E47}" type="slidenum">
-              <a:rPr dirty="0" spc="10"/>
+              <a:rPr spc="10" dirty="0"/>
               <a:t>‹#›</a:t>
             </a:fld>
-            <a:endParaRPr dirty="0" spc="10"/>
+            <a:endParaRPr spc="10" dirty="0"/>
           </a:p>
         </p:txBody>
       </p:sp>
@@ -892,11 +959,11 @@
 </file>
 
 <file path=ppt/slideLayouts/slideLayout3.xml><?xml version="1.0" encoding="utf-8"?>
-<p:sldLayout xmlns:a="http://schemas.openxmlformats.org/drawingml/2006/main" xmlns:r="http://schemas.openxmlformats.org/officeDocument/2006/relationships" xmlns:p="http://schemas.openxmlformats.org/presentationml/2006/main" preserve="1" type="obj">
+<p:sldLayout xmlns:a="http://schemas.openxmlformats.org/drawingml/2006/main" xmlns:r="http://schemas.openxmlformats.org/officeDocument/2006/relationships" xmlns:p="http://schemas.openxmlformats.org/presentationml/2006/main" type="obj" preserve="1">
   <p:cSld name="Two Content">
     <p:spTree>
       <p:nvGrpSpPr>
-        <p:cNvPr id="39" name=""/>
+        <p:cNvPr id="1" name=""/>
         <p:cNvGrpSpPr/>
         <p:nvPr/>
       </p:nvGrpSpPr>
@@ -910,7 +977,7 @@
       </p:grpSpPr>
       <p:sp>
         <p:nvSpPr>
-          <p:cNvPr id="1048693" name="Holder 2"/>
+          <p:cNvPr id="2" name="Holder 2"/>
           <p:cNvSpPr>
             <a:spLocks noGrp="1"/>
           </p:cNvSpPr>
@@ -918,17 +985,12 @@
             <p:ph type="title"/>
           </p:nvPr>
         </p:nvSpPr>
-        <p:spPr>
-          <a:xfrm>
-            <a:off x="755332" y="385444"/>
-            <a:ext cx="10681335" cy="673101"/>
-          </a:xfrm>
-        </p:spPr>
-        <p:txBody>
-          <a:bodyPr bIns="0" lIns="0" rIns="0" tIns="0"/>
+        <p:spPr/>
+        <p:txBody>
+          <a:bodyPr lIns="0" tIns="0" rIns="0" bIns="0"/>
           <a:lstStyle>
             <a:lvl1pPr>
-              <a:defRPr b="1" sz="4800" i="0">
+              <a:defRPr sz="4800" b="1" i="0">
                 <a:solidFill>
                   <a:schemeClr val="tx1"/>
                 </a:solidFill>
@@ -937,12 +999,14 @@
               </a:defRPr>
             </a:lvl1pPr>
           </a:lstStyle>
-          <a:p/>
-        </p:txBody>
-      </p:sp>
-      <p:sp>
-        <p:nvSpPr>
-          <p:cNvPr id="1048694" name="Holder 3"/>
+          <a:p>
+            <a:endParaRPr/>
+          </a:p>
+        </p:txBody>
+      </p:sp>
+      <p:sp>
+        <p:nvSpPr>
+          <p:cNvPr id="3" name="Holder 3"/>
           <p:cNvSpPr>
             <a:spLocks noGrp="1"/>
           </p:cNvSpPr>
@@ -953,20 +1017,29 @@
         <p:spPr>
           <a:xfrm>
             <a:off x="609600" y="1577340"/>
-            <a:ext cx="5303520" cy="254000"/>
-          </a:xfrm>
-          <a:prstGeom prst="rect"/>
-        </p:spPr>
-        <p:txBody>
-          <a:bodyPr bIns="0" lIns="0" rIns="0" tIns="0" wrap="square">
+            <a:ext cx="5303520" cy="4526280"/>
+          </a:xfrm>
+          <a:prstGeom prst="rect">
+            <a:avLst/>
+          </a:prstGeom>
+        </p:spPr>
+        <p:txBody>
+          <a:bodyPr wrap="square" lIns="0" tIns="0" rIns="0" bIns="0">
             <a:spAutoFit/>
           </a:bodyPr>
-          <a:p/>
-        </p:txBody>
-      </p:sp>
-      <p:sp>
-        <p:nvSpPr>
-          <p:cNvPr id="1048695" name="Holder 4"/>
+          <a:lstStyle>
+            <a:lvl1pPr>
+              <a:defRPr/>
+            </a:lvl1pPr>
+          </a:lstStyle>
+          <a:p>
+            <a:endParaRPr/>
+          </a:p>
+        </p:txBody>
+      </p:sp>
+      <p:sp>
+        <p:nvSpPr>
+          <p:cNvPr id="4" name="Holder 4"/>
           <p:cNvSpPr>
             <a:spLocks noGrp="1"/>
           </p:cNvSpPr>
@@ -977,20 +1050,29 @@
         <p:spPr>
           <a:xfrm>
             <a:off x="6278880" y="1577340"/>
-            <a:ext cx="5303520" cy="254000"/>
-          </a:xfrm>
-          <a:prstGeom prst="rect"/>
-        </p:spPr>
-        <p:txBody>
-          <a:bodyPr bIns="0" lIns="0" rIns="0" tIns="0" wrap="square">
+            <a:ext cx="5303520" cy="4526280"/>
+          </a:xfrm>
+          <a:prstGeom prst="rect">
+            <a:avLst/>
+          </a:prstGeom>
+        </p:spPr>
+        <p:txBody>
+          <a:bodyPr wrap="square" lIns="0" tIns="0" rIns="0" bIns="0">
             <a:spAutoFit/>
           </a:bodyPr>
-          <a:p/>
-        </p:txBody>
-      </p:sp>
-      <p:sp>
-        <p:nvSpPr>
-          <p:cNvPr id="1048696" name="Holder 5"/>
+          <a:lstStyle>
+            <a:lvl1pPr>
+              <a:defRPr/>
+            </a:lvl1pPr>
+          </a:lstStyle>
+          <a:p>
+            <a:endParaRPr/>
+          </a:p>
+        </p:txBody>
+      </p:sp>
+      <p:sp>
+        <p:nvSpPr>
+          <p:cNvPr id="5" name="Holder 5"/>
           <p:cNvSpPr>
             <a:spLocks noGrp="1"/>
           </p:cNvSpPr>
@@ -1000,7 +1082,7 @@
         </p:nvSpPr>
         <p:spPr/>
         <p:txBody>
-          <a:bodyPr bIns="0" lIns="0" rIns="0" tIns="0"/>
+          <a:bodyPr lIns="0" tIns="0" rIns="0" bIns="0"/>
           <a:lstStyle>
             <a:lvl1pPr algn="ctr">
               <a:defRPr>
@@ -1012,12 +1094,14 @@
               </a:defRPr>
             </a:lvl1pPr>
           </a:lstStyle>
-          <a:p/>
-        </p:txBody>
-      </p:sp>
-      <p:sp>
-        <p:nvSpPr>
-          <p:cNvPr id="1048697" name="Holder 6"/>
+          <a:p>
+            <a:endParaRPr/>
+          </a:p>
+        </p:txBody>
+      </p:sp>
+      <p:sp>
+        <p:nvSpPr>
+          <p:cNvPr id="6" name="Holder 6"/>
           <p:cNvSpPr>
             <a:spLocks noGrp="1"/>
           </p:cNvSpPr>
@@ -1027,7 +1111,7 @@
         </p:nvSpPr>
         <p:spPr/>
         <p:txBody>
-          <a:bodyPr bIns="0" lIns="0" rIns="0" tIns="0"/>
+          <a:bodyPr lIns="0" tIns="0" rIns="0" bIns="0"/>
           <a:lstStyle>
             <a:lvl1pPr algn="l">
               <a:defRPr>
@@ -1050,7 +1134,7 @@
       </p:sp>
       <p:sp>
         <p:nvSpPr>
-          <p:cNvPr id="1048698" name="Holder 7"/>
+          <p:cNvPr id="7" name="Holder 7"/>
           <p:cNvSpPr>
             <a:spLocks noGrp="1"/>
           </p:cNvSpPr>
@@ -1060,10 +1144,10 @@
         </p:nvSpPr>
         <p:spPr/>
         <p:txBody>
-          <a:bodyPr bIns="0" lIns="0" rIns="0" tIns="0"/>
+          <a:bodyPr lIns="0" tIns="0" rIns="0" bIns="0"/>
           <a:lstStyle>
             <a:lvl1pPr>
-              <a:defRPr b="0" sz="1100" i="0">
+              <a:defRPr sz="1100" b="0" i="0">
                 <a:solidFill>
                   <a:srgbClr val="2D936B"/>
                 </a:solidFill>
@@ -1082,10 +1166,10 @@
               </a:spcBef>
             </a:pPr>
             <a:fld id="{81D60167-4931-47E6-BA6A-407CBD079E47}" type="slidenum">
-              <a:rPr dirty="0" spc="10"/>
+              <a:rPr spc="10" dirty="0"/>
               <a:t>‹#›</a:t>
             </a:fld>
-            <a:endParaRPr dirty="0" spc="10"/>
+            <a:endParaRPr spc="10" dirty="0"/>
           </a:p>
         </p:txBody>
       </p:sp>
@@ -1098,11 +1182,11 @@
 </file>
 
 <file path=ppt/slideLayouts/slideLayout4.xml><?xml version="1.0" encoding="utf-8"?>
-<p:sldLayout xmlns:a="http://schemas.openxmlformats.org/drawingml/2006/main" xmlns:r="http://schemas.openxmlformats.org/officeDocument/2006/relationships" xmlns:p="http://schemas.openxmlformats.org/presentationml/2006/main" preserve="1" type="obj">
+<p:sldLayout xmlns:a="http://schemas.openxmlformats.org/drawingml/2006/main" xmlns:r="http://schemas.openxmlformats.org/officeDocument/2006/relationships" xmlns:p="http://schemas.openxmlformats.org/presentationml/2006/main" type="obj" preserve="1">
   <p:cSld name="Title Only">
     <p:spTree>
       <p:nvGrpSpPr>
-        <p:cNvPr id="18" name=""/>
+        <p:cNvPr id="1" name=""/>
         <p:cNvGrpSpPr/>
         <p:nvPr/>
       </p:nvGrpSpPr>
@@ -1116,7 +1200,7 @@
       </p:grpSpPr>
       <p:sp>
         <p:nvSpPr>
-          <p:cNvPr id="1048591" name="Holder 2"/>
+          <p:cNvPr id="2" name="Holder 2"/>
           <p:cNvSpPr>
             <a:spLocks noGrp="1"/>
           </p:cNvSpPr>
@@ -1124,17 +1208,12 @@
             <p:ph type="title"/>
           </p:nvPr>
         </p:nvSpPr>
-        <p:spPr>
-          <a:xfrm>
-            <a:off x="755332" y="385444"/>
-            <a:ext cx="10681335" cy="673101"/>
-          </a:xfrm>
-        </p:spPr>
-        <p:txBody>
-          <a:bodyPr bIns="0" lIns="0" rIns="0" tIns="0"/>
+        <p:spPr/>
+        <p:txBody>
+          <a:bodyPr lIns="0" tIns="0" rIns="0" bIns="0"/>
           <a:lstStyle>
             <a:lvl1pPr>
-              <a:defRPr b="1" sz="4800" i="0">
+              <a:defRPr sz="4800" b="1" i="0">
                 <a:solidFill>
                   <a:schemeClr val="tx1"/>
                 </a:solidFill>
@@ -1143,12 +1222,14 @@
               </a:defRPr>
             </a:lvl1pPr>
           </a:lstStyle>
-          <a:p/>
-        </p:txBody>
-      </p:sp>
-      <p:sp>
-        <p:nvSpPr>
-          <p:cNvPr id="1048592" name="Holder 3"/>
+          <a:p>
+            <a:endParaRPr/>
+          </a:p>
+        </p:txBody>
+      </p:sp>
+      <p:sp>
+        <p:nvSpPr>
+          <p:cNvPr id="3" name="Holder 3"/>
           <p:cNvSpPr>
             <a:spLocks noGrp="1"/>
           </p:cNvSpPr>
@@ -1158,7 +1239,7 @@
         </p:nvSpPr>
         <p:spPr/>
         <p:txBody>
-          <a:bodyPr bIns="0" lIns="0" rIns="0" tIns="0"/>
+          <a:bodyPr lIns="0" tIns="0" rIns="0" bIns="0"/>
           <a:lstStyle>
             <a:lvl1pPr algn="ctr">
               <a:defRPr>
@@ -1170,12 +1251,14 @@
               </a:defRPr>
             </a:lvl1pPr>
           </a:lstStyle>
-          <a:p/>
-        </p:txBody>
-      </p:sp>
-      <p:sp>
-        <p:nvSpPr>
-          <p:cNvPr id="1048593" name="Holder 4"/>
+          <a:p>
+            <a:endParaRPr/>
+          </a:p>
+        </p:txBody>
+      </p:sp>
+      <p:sp>
+        <p:nvSpPr>
+          <p:cNvPr id="4" name="Holder 4"/>
           <p:cNvSpPr>
             <a:spLocks noGrp="1"/>
           </p:cNvSpPr>
@@ -1185,7 +1268,7 @@
         </p:nvSpPr>
         <p:spPr/>
         <p:txBody>
-          <a:bodyPr bIns="0" lIns="0" rIns="0" tIns="0"/>
+          <a:bodyPr lIns="0" tIns="0" rIns="0" bIns="0"/>
           <a:lstStyle>
             <a:lvl1pPr algn="l">
               <a:defRPr>
@@ -1208,7 +1291,7 @@
       </p:sp>
       <p:sp>
         <p:nvSpPr>
-          <p:cNvPr id="1048594" name="Holder 5"/>
+          <p:cNvPr id="5" name="Holder 5"/>
           <p:cNvSpPr>
             <a:spLocks noGrp="1"/>
           </p:cNvSpPr>
@@ -1218,10 +1301,10 @@
         </p:nvSpPr>
         <p:spPr/>
         <p:txBody>
-          <a:bodyPr bIns="0" lIns="0" rIns="0" tIns="0"/>
+          <a:bodyPr lIns="0" tIns="0" rIns="0" bIns="0"/>
           <a:lstStyle>
             <a:lvl1pPr>
-              <a:defRPr b="0" sz="1100" i="0">
+              <a:defRPr sz="1100" b="0" i="0">
                 <a:solidFill>
                   <a:srgbClr val="2D936B"/>
                 </a:solidFill>
@@ -1240,10 +1323,10 @@
               </a:spcBef>
             </a:pPr>
             <a:fld id="{81D60167-4931-47E6-BA6A-407CBD079E47}" type="slidenum">
-              <a:rPr dirty="0" spc="10"/>
+              <a:rPr spc="10" dirty="0"/>
               <a:t>‹#›</a:t>
             </a:fld>
-            <a:endParaRPr dirty="0" spc="10"/>
+            <a:endParaRPr spc="10" dirty="0"/>
           </a:p>
         </p:txBody>
       </p:sp>
@@ -1256,11 +1339,11 @@
 </file>
 
 <file path=ppt/slideLayouts/slideLayout5.xml><?xml version="1.0" encoding="utf-8"?>
-<p:sldLayout xmlns:a="http://schemas.openxmlformats.org/drawingml/2006/main" xmlns:r="http://schemas.openxmlformats.org/officeDocument/2006/relationships" xmlns:p="http://schemas.openxmlformats.org/presentationml/2006/main" preserve="1" type="obj">
+<p:sldLayout xmlns:a="http://schemas.openxmlformats.org/drawingml/2006/main" xmlns:r="http://schemas.openxmlformats.org/officeDocument/2006/relationships" xmlns:p="http://schemas.openxmlformats.org/presentationml/2006/main" type="obj" preserve="1">
   <p:cSld name="Blank">
     <p:spTree>
       <p:nvGrpSpPr>
-        <p:cNvPr id="40" name=""/>
+        <p:cNvPr id="1" name=""/>
         <p:cNvGrpSpPr/>
         <p:nvPr/>
       </p:nvGrpSpPr>
@@ -1274,7 +1357,7 @@
       </p:grpSpPr>
       <p:sp>
         <p:nvSpPr>
-          <p:cNvPr id="1048699" name="Holder 2"/>
+          <p:cNvPr id="2" name="Holder 2"/>
           <p:cNvSpPr>
             <a:spLocks noGrp="1"/>
           </p:cNvSpPr>
@@ -1284,7 +1367,7 @@
         </p:nvSpPr>
         <p:spPr/>
         <p:txBody>
-          <a:bodyPr bIns="0" lIns="0" rIns="0" tIns="0"/>
+          <a:bodyPr lIns="0" tIns="0" rIns="0" bIns="0"/>
           <a:lstStyle>
             <a:lvl1pPr algn="ctr">
               <a:defRPr>
@@ -1296,12 +1379,14 @@
               </a:defRPr>
             </a:lvl1pPr>
           </a:lstStyle>
-          <a:p/>
-        </p:txBody>
-      </p:sp>
-      <p:sp>
-        <p:nvSpPr>
-          <p:cNvPr id="1048700" name="Holder 3"/>
+          <a:p>
+            <a:endParaRPr/>
+          </a:p>
+        </p:txBody>
+      </p:sp>
+      <p:sp>
+        <p:nvSpPr>
+          <p:cNvPr id="3" name="Holder 3"/>
           <p:cNvSpPr>
             <a:spLocks noGrp="1"/>
           </p:cNvSpPr>
@@ -1311,7 +1396,7 @@
         </p:nvSpPr>
         <p:spPr/>
         <p:txBody>
-          <a:bodyPr bIns="0" lIns="0" rIns="0" tIns="0"/>
+          <a:bodyPr lIns="0" tIns="0" rIns="0" bIns="0"/>
           <a:lstStyle>
             <a:lvl1pPr algn="l">
               <a:defRPr>
@@ -1334,7 +1419,7 @@
       </p:sp>
       <p:sp>
         <p:nvSpPr>
-          <p:cNvPr id="1048701" name="Holder 4"/>
+          <p:cNvPr id="4" name="Holder 4"/>
           <p:cNvSpPr>
             <a:spLocks noGrp="1"/>
           </p:cNvSpPr>
@@ -1344,10 +1429,10 @@
         </p:nvSpPr>
         <p:spPr/>
         <p:txBody>
-          <a:bodyPr bIns="0" lIns="0" rIns="0" tIns="0"/>
+          <a:bodyPr lIns="0" tIns="0" rIns="0" bIns="0"/>
           <a:lstStyle>
             <a:lvl1pPr>
-              <a:defRPr b="0" sz="1100" i="0">
+              <a:defRPr sz="1100" b="0" i="0">
                 <a:solidFill>
                   <a:srgbClr val="2D936B"/>
                 </a:solidFill>
@@ -1366,10 +1451,10 @@
               </a:spcBef>
             </a:pPr>
             <a:fld id="{81D60167-4931-47E6-BA6A-407CBD079E47}" type="slidenum">
-              <a:rPr dirty="0" spc="10"/>
+              <a:rPr spc="10" dirty="0"/>
               <a:t>‹#›</a:t>
             </a:fld>
-            <a:endParaRPr dirty="0" spc="10"/>
+            <a:endParaRPr spc="10" dirty="0"/>
           </a:p>
         </p:txBody>
       </p:sp>
@@ -1394,7 +1479,7 @@
     </p:bg>
     <p:spTree>
       <p:nvGrpSpPr>
-        <p:cNvPr id="12" name=""/>
+        <p:cNvPr id="1" name=""/>
         <p:cNvGrpSpPr/>
         <p:nvPr/>
       </p:nvGrpSpPr>
@@ -1408,7 +1493,7 @@
       </p:grpSpPr>
       <p:sp>
         <p:nvSpPr>
-          <p:cNvPr id="1048576" name="bg object 16"/>
+          <p:cNvPr id="16" name="bg object 16"/>
           <p:cNvSpPr/>
           <p:nvPr/>
         </p:nvSpPr>
@@ -1419,7 +1504,9 @@
           </a:xfrm>
           <a:custGeom>
             <a:avLst/>
+            <a:gdLst/>
             <a:ahLst/>
+            <a:cxnLst/>
             <a:rect l="l" t="t" r="r" b="b"/>
             <a:pathLst>
               <a:path w="1218565" h="6853555">
@@ -1439,13 +1526,16 @@
           </a:ln>
         </p:spPr>
         <p:txBody>
-          <a:bodyPr bIns="0" lIns="0" rIns="0" rtlCol="0" tIns="0" wrap="square"/>
-          <a:p/>
-        </p:txBody>
-      </p:sp>
-      <p:sp>
-        <p:nvSpPr>
-          <p:cNvPr id="1048577" name="bg object 17"/>
+          <a:bodyPr wrap="square" lIns="0" tIns="0" rIns="0" bIns="0" rtlCol="0"/>
+          <a:lstStyle/>
+          <a:p>
+            <a:endParaRPr/>
+          </a:p>
+        </p:txBody>
+      </p:sp>
+      <p:sp>
+        <p:nvSpPr>
+          <p:cNvPr id="17" name="bg object 17"/>
           <p:cNvSpPr/>
           <p:nvPr/>
         </p:nvSpPr>
@@ -1456,7 +1546,9 @@
           </a:xfrm>
           <a:custGeom>
             <a:avLst/>
+            <a:gdLst/>
             <a:ahLst/>
+            <a:cxnLst/>
             <a:rect l="l" t="t" r="r" b="b"/>
             <a:pathLst>
               <a:path w="4743450" h="3163570">
@@ -1476,13 +1568,16 @@
           </a:ln>
         </p:spPr>
         <p:txBody>
-          <a:bodyPr bIns="0" lIns="0" rIns="0" rtlCol="0" tIns="0" wrap="square"/>
-          <a:p/>
-        </p:txBody>
-      </p:sp>
-      <p:sp>
-        <p:nvSpPr>
-          <p:cNvPr id="1048578" name="bg object 18"/>
+          <a:bodyPr wrap="square" lIns="0" tIns="0" rIns="0" bIns="0" rtlCol="0"/>
+          <a:lstStyle/>
+          <a:p>
+            <a:endParaRPr/>
+          </a:p>
+        </p:txBody>
+      </p:sp>
+      <p:sp>
+        <p:nvSpPr>
+          <p:cNvPr id="18" name="bg object 18"/>
           <p:cNvSpPr/>
           <p:nvPr/>
         </p:nvSpPr>
@@ -1493,7 +1588,9 @@
           </a:xfrm>
           <a:custGeom>
             <a:avLst/>
+            <a:gdLst/>
             <a:ahLst/>
+            <a:cxnLst/>
             <a:rect l="l" t="t" r="r" b="b"/>
             <a:pathLst>
               <a:path w="3009900" h="6858000">
@@ -1523,13 +1620,16 @@
           </a:solidFill>
         </p:spPr>
         <p:txBody>
-          <a:bodyPr bIns="0" lIns="0" rIns="0" rtlCol="0" tIns="0" wrap="square"/>
-          <a:p/>
-        </p:txBody>
-      </p:sp>
-      <p:sp>
-        <p:nvSpPr>
-          <p:cNvPr id="1048579" name="bg object 19"/>
+          <a:bodyPr wrap="square" lIns="0" tIns="0" rIns="0" bIns="0" rtlCol="0"/>
+          <a:lstStyle/>
+          <a:p>
+            <a:endParaRPr/>
+          </a:p>
+        </p:txBody>
+      </p:sp>
+      <p:sp>
+        <p:nvSpPr>
+          <p:cNvPr id="19" name="bg object 19"/>
           <p:cNvSpPr/>
           <p:nvPr/>
         </p:nvSpPr>
@@ -1540,7 +1640,9 @@
           </a:xfrm>
           <a:custGeom>
             <a:avLst/>
+            <a:gdLst/>
             <a:ahLst/>
+            <a:cxnLst/>
             <a:rect l="l" t="t" r="r" b="b"/>
             <a:pathLst>
               <a:path w="2589529" h="6858000">
@@ -1570,13 +1672,16 @@
           </a:solidFill>
         </p:spPr>
         <p:txBody>
-          <a:bodyPr bIns="0" lIns="0" rIns="0" rtlCol="0" tIns="0" wrap="square"/>
-          <a:p/>
-        </p:txBody>
-      </p:sp>
-      <p:sp>
-        <p:nvSpPr>
-          <p:cNvPr id="1048580" name="bg object 20"/>
+          <a:bodyPr wrap="square" lIns="0" tIns="0" rIns="0" bIns="0" rtlCol="0"/>
+          <a:lstStyle/>
+          <a:p>
+            <a:endParaRPr/>
+          </a:p>
+        </p:txBody>
+      </p:sp>
+      <p:sp>
+        <p:nvSpPr>
+          <p:cNvPr id="20" name="bg object 20"/>
           <p:cNvSpPr/>
           <p:nvPr/>
         </p:nvSpPr>
@@ -1587,7 +1692,9 @@
           </a:xfrm>
           <a:custGeom>
             <a:avLst/>
+            <a:gdLst/>
             <a:ahLst/>
+            <a:cxnLst/>
             <a:rect l="l" t="t" r="r" b="b"/>
             <a:pathLst>
               <a:path w="3257550" h="3810000">
@@ -1614,13 +1721,16 @@
           </a:solidFill>
         </p:spPr>
         <p:txBody>
-          <a:bodyPr bIns="0" lIns="0" rIns="0" rtlCol="0" tIns="0" wrap="square"/>
-          <a:p/>
-        </p:txBody>
-      </p:sp>
-      <p:sp>
-        <p:nvSpPr>
-          <p:cNvPr id="1048581" name="bg object 21"/>
+          <a:bodyPr wrap="square" lIns="0" tIns="0" rIns="0" bIns="0" rtlCol="0"/>
+          <a:lstStyle/>
+          <a:p>
+            <a:endParaRPr/>
+          </a:p>
+        </p:txBody>
+      </p:sp>
+      <p:sp>
+        <p:nvSpPr>
+          <p:cNvPr id="21" name="bg object 21"/>
           <p:cNvSpPr/>
           <p:nvPr/>
         </p:nvSpPr>
@@ -1631,7 +1741,9 @@
           </a:xfrm>
           <a:custGeom>
             <a:avLst/>
+            <a:gdLst/>
             <a:ahLst/>
+            <a:cxnLst/>
             <a:rect l="l" t="t" r="r" b="b"/>
             <a:pathLst>
               <a:path w="2854325" h="6858000">
@@ -1661,13 +1773,16 @@
           </a:solidFill>
         </p:spPr>
         <p:txBody>
-          <a:bodyPr bIns="0" lIns="0" rIns="0" rtlCol="0" tIns="0" wrap="square"/>
-          <a:p/>
-        </p:txBody>
-      </p:sp>
-      <p:sp>
-        <p:nvSpPr>
-          <p:cNvPr id="1048582" name="bg object 22"/>
+          <a:bodyPr wrap="square" lIns="0" tIns="0" rIns="0" bIns="0" rtlCol="0"/>
+          <a:lstStyle/>
+          <a:p>
+            <a:endParaRPr/>
+          </a:p>
+        </p:txBody>
+      </p:sp>
+      <p:sp>
+        <p:nvSpPr>
+          <p:cNvPr id="22" name="bg object 22"/>
           <p:cNvSpPr/>
           <p:nvPr/>
         </p:nvSpPr>
@@ -1678,7 +1793,9 @@
           </a:xfrm>
           <a:custGeom>
             <a:avLst/>
+            <a:gdLst/>
             <a:ahLst/>
+            <a:cxnLst/>
             <a:rect l="l" t="t" r="r" b="b"/>
             <a:pathLst>
               <a:path w="1295400" h="6858000">
@@ -1708,13 +1825,16 @@
           </a:solidFill>
         </p:spPr>
         <p:txBody>
-          <a:bodyPr bIns="0" lIns="0" rIns="0" rtlCol="0" tIns="0" wrap="square"/>
-          <a:p/>
-        </p:txBody>
-      </p:sp>
-      <p:sp>
-        <p:nvSpPr>
-          <p:cNvPr id="1048583" name="bg object 23"/>
+          <a:bodyPr wrap="square" lIns="0" tIns="0" rIns="0" bIns="0" rtlCol="0"/>
+          <a:lstStyle/>
+          <a:p>
+            <a:endParaRPr/>
+          </a:p>
+        </p:txBody>
+      </p:sp>
+      <p:sp>
+        <p:nvSpPr>
+          <p:cNvPr id="23" name="bg object 23"/>
           <p:cNvSpPr/>
           <p:nvPr/>
         </p:nvSpPr>
@@ -1725,7 +1845,9 @@
           </a:xfrm>
           <a:custGeom>
             <a:avLst/>
+            <a:gdLst/>
             <a:ahLst/>
+            <a:cxnLst/>
             <a:rect l="l" t="t" r="r" b="b"/>
             <a:pathLst>
               <a:path w="1256029" h="6858000">
@@ -1755,13 +1877,16 @@
           </a:solidFill>
         </p:spPr>
         <p:txBody>
-          <a:bodyPr bIns="0" lIns="0" rIns="0" rtlCol="0" tIns="0" wrap="square"/>
-          <a:p/>
-        </p:txBody>
-      </p:sp>
-      <p:sp>
-        <p:nvSpPr>
-          <p:cNvPr id="1048584" name="bg object 24"/>
+          <a:bodyPr wrap="square" lIns="0" tIns="0" rIns="0" bIns="0" rtlCol="0"/>
+          <a:lstStyle/>
+          <a:p>
+            <a:endParaRPr/>
+          </a:p>
+        </p:txBody>
+      </p:sp>
+      <p:sp>
+        <p:nvSpPr>
+          <p:cNvPr id="24" name="bg object 24"/>
           <p:cNvSpPr/>
           <p:nvPr/>
         </p:nvSpPr>
@@ -1772,7 +1897,9 @@
           </a:xfrm>
           <a:custGeom>
             <a:avLst/>
+            <a:gdLst/>
             <a:ahLst/>
+            <a:cxnLst/>
             <a:rect l="l" t="t" r="r" b="b"/>
             <a:pathLst>
               <a:path w="1819275" h="3267075">
@@ -1799,13 +1926,16 @@
           </a:solidFill>
         </p:spPr>
         <p:txBody>
-          <a:bodyPr bIns="0" lIns="0" rIns="0" rtlCol="0" tIns="0" wrap="square"/>
-          <a:p/>
-        </p:txBody>
-      </p:sp>
-      <p:sp>
-        <p:nvSpPr>
-          <p:cNvPr id="1048585" name="bg object 25"/>
+          <a:bodyPr wrap="square" lIns="0" tIns="0" rIns="0" bIns="0" rtlCol="0"/>
+          <a:lstStyle/>
+          <a:p>
+            <a:endParaRPr/>
+          </a:p>
+        </p:txBody>
+      </p:sp>
+      <p:sp>
+        <p:nvSpPr>
+          <p:cNvPr id="25" name="bg object 25"/>
           <p:cNvSpPr/>
           <p:nvPr/>
         </p:nvSpPr>
@@ -1816,7 +1946,9 @@
           </a:xfrm>
           <a:custGeom>
             <a:avLst/>
+            <a:gdLst/>
             <a:ahLst/>
+            <a:cxnLst/>
             <a:rect l="l" t="t" r="r" b="b"/>
             <a:pathLst>
               <a:path w="447675" h="2847975">
@@ -1843,13 +1975,16 @@
           </a:solidFill>
         </p:spPr>
         <p:txBody>
-          <a:bodyPr bIns="0" lIns="0" rIns="0" rtlCol="0" tIns="0" wrap="square"/>
-          <a:p/>
-        </p:txBody>
-      </p:sp>
-      <p:sp>
-        <p:nvSpPr>
-          <p:cNvPr id="1048586" name="Holder 2"/>
+          <a:bodyPr wrap="square" lIns="0" tIns="0" rIns="0" bIns="0" rtlCol="0"/>
+          <a:lstStyle/>
+          <a:p>
+            <a:endParaRPr/>
+          </a:p>
+        </p:txBody>
+      </p:sp>
+      <p:sp>
+        <p:nvSpPr>
+          <p:cNvPr id="2" name="Holder 2"/>
           <p:cNvSpPr>
             <a:spLocks noGrp="1"/>
           </p:cNvSpPr>
@@ -1862,15 +1997,17 @@
             <a:off x="755332" y="385444"/>
             <a:ext cx="10681335" cy="758190"/>
           </a:xfrm>
-          <a:prstGeom prst="rect"/>
-        </p:spPr>
-        <p:txBody>
-          <a:bodyPr bIns="0" lIns="0" rIns="0" tIns="0" wrap="square">
+          <a:prstGeom prst="rect">
+            <a:avLst/>
+          </a:prstGeom>
+        </p:spPr>
+        <p:txBody>
+          <a:bodyPr wrap="square" lIns="0" tIns="0" rIns="0" bIns="0">
             <a:spAutoFit/>
           </a:bodyPr>
           <a:lstStyle>
             <a:lvl1pPr>
-              <a:defRPr b="1" sz="4800" i="0">
+              <a:defRPr sz="4800" b="1" i="0">
                 <a:solidFill>
                   <a:schemeClr val="tx1"/>
                 </a:solidFill>
@@ -1879,12 +2016,14 @@
               </a:defRPr>
             </a:lvl1pPr>
           </a:lstStyle>
-          <a:p/>
-        </p:txBody>
-      </p:sp>
-      <p:sp>
-        <p:nvSpPr>
-          <p:cNvPr id="1048587" name="Holder 3"/>
+          <a:p>
+            <a:endParaRPr/>
+          </a:p>
+        </p:txBody>
+      </p:sp>
+      <p:sp>
+        <p:nvSpPr>
+          <p:cNvPr id="3" name="Holder 3"/>
           <p:cNvSpPr>
             <a:spLocks noGrp="1"/>
           </p:cNvSpPr>
@@ -1897,18 +2036,27 @@
             <a:off x="609600" y="1577340"/>
             <a:ext cx="10972800" cy="4526280"/>
           </a:xfrm>
-          <a:prstGeom prst="rect"/>
-        </p:spPr>
-        <p:txBody>
-          <a:bodyPr bIns="0" lIns="0" rIns="0" tIns="0" wrap="square">
+          <a:prstGeom prst="rect">
+            <a:avLst/>
+          </a:prstGeom>
+        </p:spPr>
+        <p:txBody>
+          <a:bodyPr wrap="square" lIns="0" tIns="0" rIns="0" bIns="0">
             <a:spAutoFit/>
           </a:bodyPr>
-          <a:p/>
-        </p:txBody>
-      </p:sp>
-      <p:sp>
-        <p:nvSpPr>
-          <p:cNvPr id="1048588" name="Holder 4"/>
+          <a:lstStyle>
+            <a:lvl1pPr>
+              <a:defRPr/>
+            </a:lvl1pPr>
+          </a:lstStyle>
+          <a:p>
+            <a:endParaRPr/>
+          </a:p>
+        </p:txBody>
+      </p:sp>
+      <p:sp>
+        <p:nvSpPr>
+          <p:cNvPr id="4" name="Holder 4"/>
           <p:cNvSpPr>
             <a:spLocks noGrp="1"/>
           </p:cNvSpPr>
@@ -1921,10 +2069,12 @@
             <a:off x="4145280" y="6377940"/>
             <a:ext cx="3901440" cy="342900"/>
           </a:xfrm>
-          <a:prstGeom prst="rect"/>
-        </p:spPr>
-        <p:txBody>
-          <a:bodyPr bIns="0" lIns="0" rIns="0" tIns="0" wrap="square">
+          <a:prstGeom prst="rect">
+            <a:avLst/>
+          </a:prstGeom>
+        </p:spPr>
+        <p:txBody>
+          <a:bodyPr wrap="square" lIns="0" tIns="0" rIns="0" bIns="0">
             <a:spAutoFit/>
           </a:bodyPr>
           <a:lstStyle>
@@ -1938,12 +2088,14 @@
               </a:defRPr>
             </a:lvl1pPr>
           </a:lstStyle>
-          <a:p/>
-        </p:txBody>
-      </p:sp>
-      <p:sp>
-        <p:nvSpPr>
-          <p:cNvPr id="1048589" name="Holder 5"/>
+          <a:p>
+            <a:endParaRPr/>
+          </a:p>
+        </p:txBody>
+      </p:sp>
+      <p:sp>
+        <p:nvSpPr>
+          <p:cNvPr id="5" name="Holder 5"/>
           <p:cNvSpPr>
             <a:spLocks noGrp="1"/>
           </p:cNvSpPr>
@@ -1956,10 +2108,12 @@
             <a:off x="609600" y="6377940"/>
             <a:ext cx="2804160" cy="342900"/>
           </a:xfrm>
-          <a:prstGeom prst="rect"/>
-        </p:spPr>
-        <p:txBody>
-          <a:bodyPr bIns="0" lIns="0" rIns="0" tIns="0" wrap="square">
+          <a:prstGeom prst="rect">
+            <a:avLst/>
+          </a:prstGeom>
+        </p:spPr>
+        <p:txBody>
+          <a:bodyPr wrap="square" lIns="0" tIns="0" rIns="0" bIns="0">
             <a:spAutoFit/>
           </a:bodyPr>
           <a:lstStyle>
@@ -1984,7 +2138,7 @@
       </p:sp>
       <p:sp>
         <p:nvSpPr>
-          <p:cNvPr id="1048590" name="Holder 6"/>
+          <p:cNvPr id="6" name="Holder 6"/>
           <p:cNvSpPr>
             <a:spLocks noGrp="1"/>
           </p:cNvSpPr>
@@ -1997,15 +2151,17 @@
             <a:off x="11353418" y="6473337"/>
             <a:ext cx="151129" cy="191770"/>
           </a:xfrm>
-          <a:prstGeom prst="rect"/>
-        </p:spPr>
-        <p:txBody>
-          <a:bodyPr bIns="0" lIns="0" rIns="0" tIns="0" wrap="square">
+          <a:prstGeom prst="rect">
+            <a:avLst/>
+          </a:prstGeom>
+        </p:spPr>
+        <p:txBody>
+          <a:bodyPr wrap="square" lIns="0" tIns="0" rIns="0" bIns="0">
             <a:spAutoFit/>
           </a:bodyPr>
           <a:lstStyle>
             <a:lvl1pPr>
-              <a:defRPr b="0" sz="1100" i="0">
+              <a:defRPr sz="1100" b="0" i="0">
                 <a:solidFill>
                   <a:srgbClr val="2D936B"/>
                 </a:solidFill>
@@ -2024,22 +2180,22 @@
               </a:spcBef>
             </a:pPr>
             <a:fld id="{81D60167-4931-47E6-BA6A-407CBD079E47}" type="slidenum">
-              <a:rPr dirty="0" spc="10"/>
+              <a:rPr spc="10" dirty="0"/>
               <a:t>‹#›</a:t>
             </a:fld>
-            <a:endParaRPr dirty="0" spc="10"/>
+            <a:endParaRPr spc="10" dirty="0"/>
           </a:p>
         </p:txBody>
       </p:sp>
     </p:spTree>
   </p:cSld>
-  <p:clrMap accent1="accent1" accent2="accent2" accent3="accent3" accent4="accent4" accent5="accent5" accent6="accent6" bg1="lt1" bg2="lt2" tx1="dk1" tx2="dk2" hlink="hlink" folHlink="folHlink"/>
+  <p:clrMap bg1="lt1" tx1="dk1" bg2="lt2" tx2="dk2" accent1="accent1" accent2="accent2" accent3="accent3" accent4="accent4" accent5="accent5" accent6="accent6" hlink="hlink" folHlink="folHlink"/>
   <p:sldLayoutIdLst>
-    <p:sldLayoutId id="2147483649" r:id="rId1"/>
-    <p:sldLayoutId id="2147483650" r:id="rId2"/>
-    <p:sldLayoutId id="2147483651" r:id="rId3"/>
-    <p:sldLayoutId id="2147483652" r:id="rId4"/>
-    <p:sldLayoutId id="2147483653" r:id="rId5"/>
+    <p:sldLayoutId id="2147483661" r:id="rId1"/>
+    <p:sldLayoutId id="2147483662" r:id="rId2"/>
+    <p:sldLayoutId id="2147483663" r:id="rId3"/>
+    <p:sldLayoutId id="2147483664" r:id="rId4"/>
+    <p:sldLayoutId id="2147483665" r:id="rId5"/>
   </p:sldLayoutIdLst>
   <p:txStyles>
     <p:titleStyle>
@@ -2190,7 +2346,7 @@
   <p:cSld>
     <p:spTree>
       <p:nvGrpSpPr>
-        <p:cNvPr id="25" name=""/>
+        <p:cNvPr id="1" name=""/>
         <p:cNvGrpSpPr/>
         <p:nvPr/>
       </p:nvGrpSpPr>
@@ -2204,7 +2360,7 @@
       </p:grpSpPr>
       <p:grpSp>
         <p:nvGrpSpPr>
-          <p:cNvPr id="26" name="object 2"/>
+          <p:cNvPr id="2" name="object 2"/>
           <p:cNvGrpSpPr/>
           <p:nvPr/>
         </p:nvGrpSpPr>
@@ -2218,7 +2374,7 @@
         </p:grpSpPr>
         <p:sp>
           <p:nvSpPr>
-            <p:cNvPr id="1048633" name="object 3"/>
+            <p:cNvPr id="3" name="object 3"/>
             <p:cNvSpPr/>
             <p:nvPr/>
           </p:nvSpPr>
@@ -2229,7 +2385,9 @@
             </a:xfrm>
             <a:custGeom>
               <a:avLst/>
+              <a:gdLst/>
               <a:ahLst/>
+              <a:cxnLst/>
               <a:rect l="l" t="t" r="r" b="b"/>
               <a:pathLst>
                 <a:path w="1228725" h="1057275">
@@ -2263,13 +2421,16 @@
             </a:solidFill>
           </p:spPr>
           <p:txBody>
-            <a:bodyPr bIns="0" lIns="0" rIns="0" rtlCol="0" tIns="0" wrap="square"/>
-            <a:p/>
+            <a:bodyPr wrap="square" lIns="0" tIns="0" rIns="0" bIns="0" rtlCol="0"/>
+            <a:lstStyle/>
+            <a:p>
+              <a:endParaRPr/>
+            </a:p>
           </p:txBody>
         </p:sp>
         <p:sp>
           <p:nvSpPr>
-            <p:cNvPr id="1048634" name="object 4"/>
+            <p:cNvPr id="4" name="object 4"/>
             <p:cNvSpPr/>
             <p:nvPr/>
           </p:nvSpPr>
@@ -2280,7 +2441,9 @@
             </a:xfrm>
             <a:custGeom>
               <a:avLst/>
+              <a:gdLst/>
               <a:ahLst/>
+              <a:cxnLst/>
               <a:rect l="l" t="t" r="r" b="b"/>
               <a:pathLst>
                 <a:path w="647700" h="561975">
@@ -2314,14 +2477,17 @@
             </a:solidFill>
           </p:spPr>
           <p:txBody>
-            <a:bodyPr bIns="0" lIns="0" rIns="0" rtlCol="0" tIns="0" wrap="square"/>
-            <a:p/>
+            <a:bodyPr wrap="square" lIns="0" tIns="0" rIns="0" bIns="0" rtlCol="0"/>
+            <a:lstStyle/>
+            <a:p>
+              <a:endParaRPr/>
+            </a:p>
           </p:txBody>
         </p:sp>
       </p:grpSp>
       <p:sp>
         <p:nvSpPr>
-          <p:cNvPr id="1048635" name="object 5"/>
+          <p:cNvPr id="5" name="object 5"/>
           <p:cNvSpPr/>
           <p:nvPr/>
         </p:nvSpPr>
@@ -2332,7 +2498,9 @@
           </a:xfrm>
           <a:custGeom>
             <a:avLst/>
+            <a:gdLst/>
             <a:ahLst/>
+            <a:cxnLst/>
             <a:rect l="l" t="t" r="r" b="b"/>
             <a:pathLst>
               <a:path w="1666875" h="1438275">
@@ -2366,13 +2534,16 @@
           </a:solidFill>
         </p:spPr>
         <p:txBody>
-          <a:bodyPr bIns="0" lIns="0" rIns="0" rtlCol="0" tIns="0" wrap="square"/>
-          <a:p/>
-        </p:txBody>
-      </p:sp>
-      <p:sp>
-        <p:nvSpPr>
-          <p:cNvPr id="1048636" name="object 6"/>
+          <a:bodyPr wrap="square" lIns="0" tIns="0" rIns="0" bIns="0" rtlCol="0"/>
+          <a:lstStyle/>
+          <a:p>
+            <a:endParaRPr/>
+          </a:p>
+        </p:txBody>
+      </p:sp>
+      <p:sp>
+        <p:nvSpPr>
+          <p:cNvPr id="6" name="object 6"/>
           <p:cNvSpPr/>
           <p:nvPr/>
         </p:nvSpPr>
@@ -2383,7 +2554,9 @@
           </a:xfrm>
           <a:custGeom>
             <a:avLst/>
+            <a:gdLst/>
             <a:ahLst/>
+            <a:cxnLst/>
             <a:rect l="l" t="t" r="r" b="b"/>
             <a:pathLst>
               <a:path w="723900" h="619125">
@@ -2417,13 +2590,16 @@
           </a:solidFill>
         </p:spPr>
         <p:txBody>
-          <a:bodyPr bIns="0" lIns="0" rIns="0" rtlCol="0" tIns="0" wrap="square"/>
-          <a:p/>
-        </p:txBody>
-      </p:sp>
-      <p:sp>
-        <p:nvSpPr>
-          <p:cNvPr id="1048637" name="object 7"/>
+          <a:bodyPr wrap="square" lIns="0" tIns="0" rIns="0" bIns="0" rtlCol="0"/>
+          <a:lstStyle/>
+          <a:p>
+            <a:endParaRPr/>
+          </a:p>
+        </p:txBody>
+      </p:sp>
+      <p:sp>
+        <p:nvSpPr>
+          <p:cNvPr id="7" name="object 7"/>
           <p:cNvSpPr txBox="1">
             <a:spLocks noGrp="1"/>
           </p:cNvSpPr>
@@ -2436,12 +2612,15 @@
             <a:off x="1523999" y="19665"/>
             <a:ext cx="7629525" cy="1001556"/>
           </a:xfrm>
-          <a:prstGeom prst="rect"/>
-        </p:spPr>
-        <p:txBody>
-          <a:bodyPr bIns="0" lIns="0" rIns="0" rtlCol="0" tIns="16510" vert="horz" wrap="square">
+          <a:prstGeom prst="rect">
+            <a:avLst/>
+          </a:prstGeom>
+        </p:spPr>
+        <p:txBody>
+          <a:bodyPr vert="horz" wrap="square" lIns="0" tIns="16510" rIns="0" bIns="0" rtlCol="0">
             <a:spAutoFit/>
           </a:bodyPr>
+          <a:lstStyle/>
           <a:p>
             <a:pPr marL="3213735">
               <a:spcBef>
@@ -2449,7 +2628,7 @@
               </a:spcBef>
             </a:pPr>
             <a:r>
-              <a:rPr b="1" dirty="0" i="0" lang="en-US">
+              <a:rPr lang="en-US" b="1" i="0" dirty="0">
                 <a:solidFill>
                   <a:srgbClr val="0F0F0F"/>
                 </a:solidFill>
@@ -2460,7 +2639,7 @@
               <a:t>Digital Portfolio </a:t>
             </a:r>
             <a:br>
-              <a:rPr b="1" dirty="0" i="0" lang="en-US">
+              <a:rPr lang="en-US" b="1" i="0" dirty="0">
                 <a:solidFill>
                   <a:srgbClr val="0F0F0F"/>
                 </a:solidFill>
@@ -2468,20 +2647,18 @@
                 <a:latin typeface="Roboto" panose="020F0502020204030204" pitchFamily="2" charset="0"/>
               </a:rPr>
             </a:br>
-            <a:endParaRPr dirty="0" spc="15"/>
+            <a:endParaRPr spc="15" dirty="0"/>
           </a:p>
         </p:txBody>
       </p:sp>
       <p:pic>
         <p:nvPicPr>
-          <p:cNvPr id="2097157" name="object 9"/>
-          <p:cNvPicPr>
-            <a:picLocks/>
-          </p:cNvPicPr>
+          <p:cNvPr id="9" name="object 9"/>
+          <p:cNvPicPr/>
           <p:nvPr/>
         </p:nvPicPr>
         <p:blipFill>
-          <a:blip xmlns:r="http://schemas.openxmlformats.org/officeDocument/2006/relationships" r:embed="rId1" cstate="print"/>
+          <a:blip r:embed="rId3" cstate="print"/>
           <a:stretch>
             <a:fillRect/>
           </a:stretch>
@@ -2491,12 +2668,14 @@
             <a:off x="676275" y="6467475"/>
             <a:ext cx="2143125" cy="200025"/>
           </a:xfrm>
-          <a:prstGeom prst="rect"/>
+          <a:prstGeom prst="rect">
+            <a:avLst/>
+          </a:prstGeom>
         </p:spPr>
       </p:pic>
       <p:sp>
         <p:nvSpPr>
-          <p:cNvPr id="1048638" name="object 11"/>
+          <p:cNvPr id="11" name="object 11"/>
           <p:cNvSpPr txBox="1">
             <a:spLocks noGrp="1"/>
           </p:cNvSpPr>
@@ -2505,16 +2684,15 @@
           </p:nvPr>
         </p:nvSpPr>
         <p:spPr>
-          <a:xfrm>
-            <a:off x="11353418" y="6473337"/>
-            <a:ext cx="151129" cy="159385"/>
-          </a:xfrm>
-          <a:prstGeom prst="rect"/>
-        </p:spPr>
-        <p:txBody>
-          <a:bodyPr bIns="0" lIns="0" rIns="0" rtlCol="0" tIns="6985" vert="horz" wrap="square">
+          <a:prstGeom prst="rect">
+            <a:avLst/>
+          </a:prstGeom>
+        </p:spPr>
+        <p:txBody>
+          <a:bodyPr vert="horz" wrap="square" lIns="0" tIns="6985" rIns="0" bIns="0" rtlCol="0">
             <a:spAutoFit/>
           </a:bodyPr>
+          <a:lstStyle/>
           <a:p>
             <a:pPr marL="38100">
               <a:lnSpc>
@@ -2525,379 +2703,73 @@
               </a:spcBef>
             </a:pPr>
             <a:fld id="{81D60167-4931-47E6-BA6A-407CBD079E47}" type="slidenum">
-              <a:rPr dirty="0" spc="10"/>
+              <a:rPr spc="10" dirty="0"/>
               <a:t>1</a:t>
             </a:fld>
-            <a:endParaRPr dirty="0" spc="10"/>
-          </a:p>
-        </p:txBody>
-      </p:sp>
-      <p:sp>
-        <p:nvSpPr>
-          <p:cNvPr id="1048639" name="TextBox 13"/>
+            <a:endParaRPr spc="10" dirty="0"/>
+          </a:p>
+        </p:txBody>
+      </p:sp>
+      <p:sp>
+        <p:nvSpPr>
+          <p:cNvPr id="14" name="TextBox 13">
+            <a:extLst>
+              <a:ext uri="{FF2B5EF4-FFF2-40B4-BE49-F238E27FC236}">
+                <a16:creationId xmlns:a16="http://schemas.microsoft.com/office/drawing/2014/main" id="{D55ADE35-C35B-07C1-F5AA-C33B3DDB802E}"/>
+              </a:ext>
+            </a:extLst>
+          </p:cNvPr>
           <p:cNvSpPr txBox="1"/>
           <p:nvPr/>
         </p:nvSpPr>
         <p:spPr>
           <a:xfrm>
             <a:off x="2554542" y="3314150"/>
-            <a:ext cx="8610600" cy="2225039"/>
-          </a:xfrm>
-          <a:prstGeom prst="rect"/>
+            <a:ext cx="8610600" cy="1938992"/>
+          </a:xfrm>
+          <a:prstGeom prst="rect">
+            <a:avLst/>
+          </a:prstGeom>
           <a:noFill/>
         </p:spPr>
         <p:txBody>
-          <a:bodyPr anchor="t" bIns="45720" lIns="91440" rIns="91440" rtlCol="0" tIns="45720" wrap="square">
+          <a:bodyPr wrap="square" lIns="91440" tIns="45720" rIns="91440" bIns="45720" rtlCol="0" anchor="t">
             <a:spAutoFit/>
           </a:bodyPr>
-          <a:p>
-            <a:r>
-              <a:rPr dirty="0" sz="2400" lang="en-US"/>
+          <a:lstStyle/>
+          <a:p>
+            <a:r>
+              <a:rPr lang="en-US" sz="2400" dirty="0"/>
               <a:t>STUDENT NAME: </a:t>
             </a:r>
-            <a:r>
-              <a:rPr altLang="en-IN" dirty="0" sz="2400" lang="en-US"/>
-              <a:t>S</a:t>
-            </a:r>
-            <a:r>
-              <a:rPr altLang="en-IN" dirty="0" sz="2400" lang="en-US"/>
-              <a:t>.</a:t>
-            </a:r>
-            <a:r>
-              <a:rPr altLang="en-IN" dirty="0" sz="2400" lang="en-US"/>
-              <a:t> </a:t>
-            </a:r>
-            <a:r>
-              <a:rPr altLang="en-IN" dirty="0" sz="2400" lang="en-US"/>
-              <a:t>S</a:t>
-            </a:r>
-            <a:r>
-              <a:rPr altLang="en-IN" dirty="0" sz="2400" lang="en-US"/>
-              <a:t>u</a:t>
-            </a:r>
-            <a:r>
-              <a:rPr altLang="en-IN" dirty="0" sz="2400" lang="en-US"/>
-              <a:t>p</a:t>
-            </a:r>
-            <a:r>
-              <a:rPr altLang="en-IN" dirty="0" sz="2400" lang="en-US"/>
-              <a:t>r</a:t>
-            </a:r>
-            <a:r>
-              <a:rPr altLang="en-IN" dirty="0" sz="2400" lang="en-US"/>
-              <a:t>i</a:t>
-            </a:r>
-            <a:r>
-              <a:rPr altLang="en-IN" dirty="0" sz="2400" lang="en-US"/>
-              <a:t>ya</a:t>
-            </a:r>
-            <a:endParaRPr altLang="en-US" lang="zh-CN"/>
-          </a:p>
-          <a:p>
-            <a:r>
-              <a:rPr dirty="0" sz="2400" lang="en-US"/>
+          </a:p>
+          <a:p>
+            <a:r>
+              <a:rPr lang="en-US" sz="2400" dirty="0"/>
               <a:t>REGISTER NO AND NMID: </a:t>
             </a:r>
-            <a:r>
-              <a:rPr altLang="en-IN" dirty="0" sz="2400" lang="en-US"/>
-              <a:t>2</a:t>
-            </a:r>
-            <a:r>
-              <a:rPr altLang="en-IN" dirty="0" sz="2400" lang="en-US"/>
-              <a:t>4</a:t>
-            </a:r>
-            <a:r>
-              <a:rPr altLang="en-IN" dirty="0" sz="2400" lang="en-US"/>
-              <a:t>1</a:t>
-            </a:r>
-            <a:r>
-              <a:rPr altLang="en-IN" dirty="0" sz="2400" lang="en-US"/>
-              <a:t>3</a:t>
-            </a:r>
-            <a:r>
-              <a:rPr altLang="en-IN" dirty="0" sz="2400" lang="en-US"/>
-              <a:t>2</a:t>
-            </a:r>
-            <a:r>
-              <a:rPr altLang="en-IN" dirty="0" sz="2400" lang="en-US"/>
-              <a:t>0</a:t>
-            </a:r>
-            <a:r>
-              <a:rPr altLang="en-IN" dirty="0" sz="2400" lang="en-US"/>
-              <a:t>4</a:t>
-            </a:r>
-            <a:r>
-              <a:rPr altLang="en-IN" dirty="0" sz="2400" lang="en-US"/>
-              <a:t>1</a:t>
-            </a:r>
-            <a:r>
-              <a:rPr altLang="en-IN" dirty="0" sz="2400" lang="en-US"/>
-              <a:t>8</a:t>
-            </a:r>
-            <a:r>
-              <a:rPr altLang="en-IN" dirty="0" sz="2400" lang="en-US"/>
-              <a:t>0</a:t>
-            </a:r>
-            <a:r>
-              <a:rPr altLang="en-IN" dirty="0" sz="2400" lang="en-US"/>
-              <a:t>2</a:t>
-            </a:r>
-            <a:r>
-              <a:rPr altLang="en-IN" dirty="0" sz="2400" lang="en-US"/>
-              <a:t>5</a:t>
-            </a:r>
-            <a:r>
-              <a:rPr altLang="en-IN" dirty="0" sz="2400" lang="en-US"/>
-              <a:t>2</a:t>
-            </a:r>
-            <a:r>
-              <a:rPr altLang="en-IN" dirty="0" sz="2400" lang="en-US"/>
-              <a:t>2</a:t>
-            </a:r>
-            <a:r>
-              <a:rPr altLang="en-IN" dirty="0" sz="2400" lang="en-US"/>
-              <a:t>0</a:t>
-            </a:r>
-            <a:r>
-              <a:rPr altLang="en-IN" dirty="0" sz="2400" lang="en-US"/>
-              <a:t>3</a:t>
-            </a:r>
-            <a:r>
-              <a:rPr altLang="en-IN" dirty="0" sz="2400" lang="en-US"/>
-              <a:t>3</a:t>
-            </a:r>
-            <a:endParaRPr dirty="0" sz="2400" lang="en-US">
+            <a:endParaRPr lang="en-US" sz="2400" dirty="0">
               <a:cs typeface="Calibri"/>
             </a:endParaRPr>
           </a:p>
           <a:p>
             <a:r>
-              <a:rPr dirty="0" sz="2400" lang="en-US"/>
-              <a:t>DEPARTMENT:</a:t>
-            </a:r>
-            <a:r>
-              <a:rPr altLang="en-IN" dirty="0" sz="2400" lang="en-US"/>
-              <a:t>B</a:t>
-            </a:r>
-            <a:r>
-              <a:rPr altLang="en-IN" dirty="0" sz="2400" lang="en-US"/>
-              <a:t>.</a:t>
-            </a:r>
-            <a:r>
-              <a:rPr altLang="en-IN" dirty="0" sz="2400" lang="en-US"/>
-              <a:t> </a:t>
-            </a:r>
-            <a:r>
-              <a:rPr altLang="en-IN" dirty="0" sz="2400" lang="en-US"/>
-              <a:t>S</a:t>
-            </a:r>
-            <a:r>
-              <a:rPr altLang="en-IN" dirty="0" sz="2400" lang="en-US"/>
-              <a:t>C</a:t>
-            </a:r>
-            <a:r>
-              <a:rPr altLang="en-IN" dirty="0" sz="2400" lang="en-US"/>
-              <a:t> </a:t>
-            </a:r>
-            <a:r>
-              <a:rPr altLang="en-IN" dirty="0" sz="2400" lang="en-US"/>
-              <a:t>C</a:t>
-            </a:r>
-            <a:r>
-              <a:rPr altLang="en-IN" dirty="0" sz="2400" lang="en-US"/>
-              <a:t>O</a:t>
-            </a:r>
-            <a:r>
-              <a:rPr altLang="en-IN" dirty="0" sz="2400" lang="en-US"/>
-              <a:t>M</a:t>
-            </a:r>
-            <a:r>
-              <a:rPr altLang="en-IN" dirty="0" sz="2400" lang="en-US"/>
-              <a:t>PUTER</a:t>
-            </a:r>
-            <a:r>
-              <a:rPr altLang="en-IN" dirty="0" sz="2400" lang="en-US"/>
-              <a:t> </a:t>
-            </a:r>
-            <a:r>
-              <a:rPr altLang="en-IN" dirty="0" sz="2400" lang="en-US"/>
-              <a:t>S</a:t>
-            </a:r>
-            <a:r>
-              <a:rPr altLang="en-IN" dirty="0" sz="2400" lang="en-US"/>
-              <a:t>C</a:t>
-            </a:r>
-            <a:r>
-              <a:rPr altLang="en-IN" dirty="0" sz="2400" lang="en-US"/>
-              <a:t>IENCE</a:t>
-            </a:r>
-            <a:endParaRPr altLang="en-US" lang="zh-CN"/>
-          </a:p>
-          <a:p>
-            <a:r>
-              <a:rPr dirty="0" sz="2400" lang="en-US"/>
+              <a:rPr lang="en-US" sz="2400" dirty="0"/>
+              <a:t>DEPARTMENT: </a:t>
+            </a:r>
+          </a:p>
+          <a:p>
+            <a:r>
+              <a:rPr lang="en-US" sz="2400" dirty="0"/>
               <a:t>COLLEGE: COLLEGE/ UNIVERSITY</a:t>
             </a:r>
-            <a:r>
-              <a:rPr altLang="en-IN" dirty="0" sz="2400" lang="en-US"/>
-              <a:t>:</a:t>
-            </a:r>
-            <a:r>
-              <a:rPr altLang="en-IN" dirty="0" sz="2400" lang="en-US"/>
-              <a:t>S</a:t>
-            </a:r>
-            <a:r>
-              <a:rPr altLang="en-IN" dirty="0" sz="2400" lang="en-US"/>
-              <a:t>I</a:t>
-            </a:r>
-            <a:r>
-              <a:rPr altLang="en-IN" dirty="0" sz="2400" lang="en-US"/>
-              <a:t>R</a:t>
-            </a:r>
-            <a:r>
-              <a:rPr altLang="en-IN" dirty="0" sz="2400" lang="en-US"/>
-              <a:t>M</a:t>
-            </a:r>
-            <a:r>
-              <a:rPr altLang="en-IN" dirty="0" sz="2400" lang="en-US"/>
-              <a:t>A</a:t>
-            </a:r>
-            <a:r>
-              <a:rPr altLang="en-IN" dirty="0" sz="2400" lang="en-US"/>
-              <a:t>T</a:t>
-            </a:r>
-            <a:r>
-              <a:rPr altLang="en-IN" dirty="0" sz="2400" lang="en-US"/>
-              <a:t>H</a:t>
-            </a:r>
-            <a:r>
-              <a:rPr altLang="en-IN" dirty="0" sz="2400" lang="en-US"/>
-              <a:t> </a:t>
-            </a:r>
-            <a:r>
-              <a:rPr altLang="en-IN" dirty="0" sz="2400" lang="en-US"/>
-              <a:t>S</a:t>
-            </a:r>
-            <a:r>
-              <a:rPr altLang="en-IN" dirty="0" sz="2400" lang="en-US"/>
-              <a:t>I</a:t>
-            </a:r>
-            <a:r>
-              <a:rPr altLang="en-IN" dirty="0" sz="2400" lang="en-US"/>
-              <a:t>V</a:t>
-            </a:r>
-            <a:r>
-              <a:rPr altLang="en-IN" dirty="0" sz="2400" lang="en-US"/>
-              <a:t>A</a:t>
-            </a:r>
-            <a:r>
-              <a:rPr altLang="en-IN" dirty="0" sz="2400" lang="en-US"/>
-              <a:t>N</a:t>
-            </a:r>
-            <a:r>
-              <a:rPr altLang="en-IN" dirty="0" sz="2400" lang="en-US"/>
-              <a:t>A</a:t>
-            </a:r>
-            <a:r>
-              <a:rPr altLang="en-IN" dirty="0" sz="2400" lang="en-US"/>
-              <a:t> </a:t>
-            </a:r>
-            <a:r>
-              <a:rPr altLang="en-IN" dirty="0" sz="2400" lang="en-US"/>
-              <a:t>B</a:t>
-            </a:r>
-            <a:r>
-              <a:rPr altLang="en-IN" dirty="0" sz="2400" lang="en-US"/>
-              <a:t>A</a:t>
-            </a:r>
-            <a:r>
-              <a:rPr altLang="en-IN" dirty="0" sz="2400" lang="en-US"/>
-              <a:t>L</a:t>
-            </a:r>
-            <a:r>
-              <a:rPr altLang="en-IN" dirty="0" sz="2400" lang="en-US"/>
-              <a:t>A</a:t>
-            </a:r>
-            <a:r>
-              <a:rPr altLang="en-IN" dirty="0" sz="2400" lang="en-US"/>
-              <a:t>Y</a:t>
-            </a:r>
-            <a:r>
-              <a:rPr altLang="en-IN" dirty="0" sz="2400" lang="en-US"/>
-              <a:t>A</a:t>
-            </a:r>
-            <a:r>
-              <a:rPr altLang="en-IN" dirty="0" sz="2400" lang="en-US"/>
-              <a:t>S</a:t>
-            </a:r>
-            <a:r>
-              <a:rPr altLang="en-IN" dirty="0" sz="2400" lang="en-US"/>
-              <a:t>W</a:t>
-            </a:r>
-            <a:r>
-              <a:rPr altLang="en-IN" dirty="0" sz="2400" lang="en-US"/>
-              <a:t>A</a:t>
-            </a:r>
-            <a:r>
-              <a:rPr altLang="en-IN" dirty="0" sz="2400" lang="en-US"/>
-              <a:t>M</a:t>
-            </a:r>
-            <a:r>
-              <a:rPr altLang="en-IN" dirty="0" sz="2400" lang="en-US"/>
-              <a:t>I</a:t>
-            </a:r>
-            <a:r>
-              <a:rPr altLang="en-IN" dirty="0" sz="2400" lang="en-US"/>
-              <a:t>G</a:t>
-            </a:r>
-            <a:r>
-              <a:rPr altLang="en-IN" dirty="0" sz="2400" lang="en-US"/>
-              <a:t>A</a:t>
-            </a:r>
-            <a:r>
-              <a:rPr altLang="en-IN" dirty="0" sz="2400" lang="en-US"/>
-              <a:t>L</a:t>
-            </a:r>
-            <a:r>
-              <a:rPr altLang="en-IN" dirty="0" sz="2400" lang="en-US"/>
-              <a:t>/</a:t>
-            </a:r>
-            <a:r>
-              <a:rPr altLang="en-IN" dirty="0" sz="2400" lang="en-US"/>
-              <a:t>A</a:t>
-            </a:r>
-            <a:r>
-              <a:rPr altLang="en-IN" dirty="0" sz="2400" lang="en-US"/>
-              <a:t>N</a:t>
-            </a:r>
-            <a:r>
-              <a:rPr altLang="en-IN" dirty="0" sz="2400" lang="en-US"/>
-              <a:t>N</a:t>
-            </a:r>
-            <a:r>
-              <a:rPr altLang="en-IN" dirty="0" sz="2400" lang="en-US"/>
-              <a:t>A</a:t>
-            </a:r>
-            <a:r>
-              <a:rPr altLang="en-IN" dirty="0" sz="2400" lang="en-US"/>
-              <a:t>M</a:t>
-            </a:r>
-            <a:r>
-              <a:rPr altLang="en-IN" dirty="0" sz="2400" lang="en-US"/>
-              <a:t>ALAI</a:t>
-            </a:r>
-            <a:r>
-              <a:rPr altLang="en-IN" dirty="0" sz="2400" lang="en-US"/>
-              <a:t> </a:t>
-            </a:r>
-            <a:endParaRPr altLang="en-US" lang="zh-CN"/>
-          </a:p>
-          <a:p>
-            <a:r>
-              <a:rPr dirty="0" sz="2400" lang="en-US"/>
+          </a:p>
+          <a:p>
+            <a:r>
+              <a:rPr lang="en-US" sz="2400" dirty="0"/>
               <a:t>           </a:t>
             </a:r>
-            <a:endParaRPr dirty="0" sz="2400" lang="en-IN"/>
+            <a:endParaRPr lang="en-IN" sz="2400" dirty="0"/>
           </a:p>
         </p:txBody>
       </p:sp>
@@ -2914,7 +2786,7 @@
   <p:cSld>
     <p:spTree>
       <p:nvGrpSpPr>
-        <p:cNvPr id="20" name=""/>
+        <p:cNvPr id="1" name=""/>
         <p:cNvGrpSpPr/>
         <p:nvPr/>
       </p:nvGrpSpPr>
@@ -2928,7 +2800,180 @@
       </p:grpSpPr>
       <p:sp>
         <p:nvSpPr>
-          <p:cNvPr id="1048604" name="object 3"/>
+          <p:cNvPr id="2" name="object 2"/>
+          <p:cNvSpPr txBox="1"/>
+          <p:nvPr/>
+        </p:nvSpPr>
+        <p:spPr>
+          <a:xfrm>
+            <a:off x="752475" y="6486037"/>
+            <a:ext cx="1773555" cy="166370"/>
+          </a:xfrm>
+          <a:prstGeom prst="rect">
+            <a:avLst/>
+          </a:prstGeom>
+        </p:spPr>
+        <p:txBody>
+          <a:bodyPr vert="horz" wrap="square" lIns="0" tIns="0" rIns="0" bIns="0" rtlCol="0">
+            <a:spAutoFit/>
+          </a:bodyPr>
+          <a:lstStyle/>
+          <a:p>
+            <a:pPr>
+              <a:lnSpc>
+                <a:spcPts val="1275"/>
+              </a:lnSpc>
+            </a:pPr>
+            <a:r>
+              <a:rPr sz="1100" spc="20" dirty="0">
+                <a:solidFill>
+                  <a:srgbClr val="2D83C3"/>
+                </a:solidFill>
+                <a:latin typeface="Trebuchet MS"/>
+                <a:cs typeface="Trebuchet MS"/>
+              </a:rPr>
+              <a:t>3/21/202</a:t>
+            </a:r>
+            <a:r>
+              <a:rPr sz="1100" spc="10" dirty="0">
+                <a:solidFill>
+                  <a:srgbClr val="2D83C3"/>
+                </a:solidFill>
+                <a:latin typeface="Trebuchet MS"/>
+                <a:cs typeface="Trebuchet MS"/>
+              </a:rPr>
+              <a:t>4</a:t>
+            </a:r>
+            <a:r>
+              <a:rPr sz="1100" dirty="0">
+                <a:solidFill>
+                  <a:srgbClr val="2D83C3"/>
+                </a:solidFill>
+                <a:latin typeface="Trebuchet MS"/>
+                <a:cs typeface="Trebuchet MS"/>
+              </a:rPr>
+              <a:t> </a:t>
+            </a:r>
+            <a:r>
+              <a:rPr sz="1100" spc="130" dirty="0">
+                <a:solidFill>
+                  <a:srgbClr val="2D83C3"/>
+                </a:solidFill>
+                <a:latin typeface="Trebuchet MS"/>
+                <a:cs typeface="Trebuchet MS"/>
+              </a:rPr>
+              <a:t> </a:t>
+            </a:r>
+            <a:r>
+              <a:rPr sz="1100" b="1" spc="50" dirty="0">
+                <a:solidFill>
+                  <a:srgbClr val="2D83C3"/>
+                </a:solidFill>
+                <a:latin typeface="Trebuchet MS"/>
+                <a:cs typeface="Trebuchet MS"/>
+              </a:rPr>
+              <a:t>A</a:t>
+            </a:r>
+            <a:r>
+              <a:rPr sz="1100" b="1" spc="15" dirty="0">
+                <a:solidFill>
+                  <a:srgbClr val="2D83C3"/>
+                </a:solidFill>
+                <a:latin typeface="Trebuchet MS"/>
+                <a:cs typeface="Trebuchet MS"/>
+              </a:rPr>
+              <a:t>nnu</a:t>
+            </a:r>
+            <a:r>
+              <a:rPr sz="1100" b="1" spc="10" dirty="0">
+                <a:solidFill>
+                  <a:srgbClr val="2D83C3"/>
+                </a:solidFill>
+                <a:latin typeface="Trebuchet MS"/>
+                <a:cs typeface="Trebuchet MS"/>
+              </a:rPr>
+              <a:t>al</a:t>
+            </a:r>
+            <a:r>
+              <a:rPr sz="1100" b="1" spc="-140" dirty="0">
+                <a:solidFill>
+                  <a:srgbClr val="2D83C3"/>
+                </a:solidFill>
+                <a:latin typeface="Trebuchet MS"/>
+                <a:cs typeface="Trebuchet MS"/>
+              </a:rPr>
+              <a:t> </a:t>
+            </a:r>
+            <a:r>
+              <a:rPr sz="1100" b="1" dirty="0">
+                <a:solidFill>
+                  <a:srgbClr val="2D83C3"/>
+                </a:solidFill>
+                <a:latin typeface="Trebuchet MS"/>
+                <a:cs typeface="Trebuchet MS"/>
+              </a:rPr>
+              <a:t>R</a:t>
+            </a:r>
+            <a:r>
+              <a:rPr sz="1100" b="1" spc="35" dirty="0">
+                <a:solidFill>
+                  <a:srgbClr val="2D83C3"/>
+                </a:solidFill>
+                <a:latin typeface="Trebuchet MS"/>
+                <a:cs typeface="Trebuchet MS"/>
+              </a:rPr>
+              <a:t>e</a:t>
+            </a:r>
+            <a:r>
+              <a:rPr sz="1100" b="1" spc="90" dirty="0">
+                <a:solidFill>
+                  <a:srgbClr val="2D83C3"/>
+                </a:solidFill>
+                <a:latin typeface="Trebuchet MS"/>
+                <a:cs typeface="Trebuchet MS"/>
+              </a:rPr>
+              <a:t>v</a:t>
+            </a:r>
+            <a:r>
+              <a:rPr sz="1100" b="1" spc="-35" dirty="0">
+                <a:solidFill>
+                  <a:srgbClr val="2D83C3"/>
+                </a:solidFill>
+                <a:latin typeface="Trebuchet MS"/>
+                <a:cs typeface="Trebuchet MS"/>
+              </a:rPr>
+              <a:t>i</a:t>
+            </a:r>
+            <a:r>
+              <a:rPr sz="1100" b="1" spc="35" dirty="0">
+                <a:solidFill>
+                  <a:srgbClr val="2D83C3"/>
+                </a:solidFill>
+                <a:latin typeface="Trebuchet MS"/>
+                <a:cs typeface="Trebuchet MS"/>
+              </a:rPr>
+              <a:t>e</a:t>
+            </a:r>
+            <a:r>
+              <a:rPr sz="1100" b="1" spc="15" dirty="0">
+                <a:solidFill>
+                  <a:srgbClr val="2D83C3"/>
+                </a:solidFill>
+                <a:latin typeface="Trebuchet MS"/>
+                <a:cs typeface="Trebuchet MS"/>
+              </a:rPr>
+              <a:t>w</a:t>
+            </a:r>
+            <a:endParaRPr sz="1100">
+              <a:latin typeface="Trebuchet MS"/>
+              <a:cs typeface="Trebuchet MS"/>
+            </a:endParaRPr>
+          </a:p>
+        </p:txBody>
+      </p:sp>
+      <p:sp>
+        <p:nvSpPr>
+          <p:cNvPr id="3" name="object 3"/>
           <p:cNvSpPr/>
           <p:nvPr/>
         </p:nvSpPr>
@@ -2939,7 +2984,9 @@
           </a:xfrm>
           <a:custGeom>
             <a:avLst/>
+            <a:gdLst/>
             <a:ahLst/>
+            <a:cxnLst/>
             <a:rect l="l" t="t" r="r" b="b"/>
             <a:pathLst>
               <a:path w="457200" h="457200">
@@ -2967,13 +3014,16 @@
           </a:solidFill>
         </p:spPr>
         <p:txBody>
-          <a:bodyPr bIns="0" lIns="0" rIns="0" rtlCol="0" tIns="0" wrap="square"/>
-          <a:p/>
-        </p:txBody>
-      </p:sp>
-      <p:sp>
-        <p:nvSpPr>
-          <p:cNvPr id="1048605" name="object 4"/>
+          <a:bodyPr wrap="square" lIns="0" tIns="0" rIns="0" bIns="0" rtlCol="0"/>
+          <a:lstStyle/>
+          <a:p>
+            <a:endParaRPr/>
+          </a:p>
+        </p:txBody>
+      </p:sp>
+      <p:sp>
+        <p:nvSpPr>
+          <p:cNvPr id="4" name="object 4"/>
           <p:cNvSpPr/>
           <p:nvPr/>
         </p:nvSpPr>
@@ -2984,7 +3034,9 @@
           </a:xfrm>
           <a:custGeom>
             <a:avLst/>
+            <a:gdLst/>
             <a:ahLst/>
+            <a:cxnLst/>
             <a:rect l="l" t="t" r="r" b="b"/>
             <a:pathLst>
               <a:path w="314325" h="323850">
@@ -3012,13 +3064,16 @@
           </a:solidFill>
         </p:spPr>
         <p:txBody>
-          <a:bodyPr bIns="0" lIns="0" rIns="0" rtlCol="0" tIns="0" wrap="square"/>
-          <a:p/>
-        </p:txBody>
-      </p:sp>
-      <p:sp>
-        <p:nvSpPr>
-          <p:cNvPr id="1048606" name="object 5"/>
+          <a:bodyPr wrap="square" lIns="0" tIns="0" rIns="0" bIns="0" rtlCol="0"/>
+          <a:lstStyle/>
+          <a:p>
+            <a:endParaRPr/>
+          </a:p>
+        </p:txBody>
+      </p:sp>
+      <p:sp>
+        <p:nvSpPr>
+          <p:cNvPr id="5" name="object 5"/>
           <p:cNvSpPr/>
           <p:nvPr/>
         </p:nvSpPr>
@@ -3029,7 +3084,9 @@
           </a:xfrm>
           <a:custGeom>
             <a:avLst/>
+            <a:gdLst/>
             <a:ahLst/>
+            <a:cxnLst/>
             <a:rect l="l" t="t" r="r" b="b"/>
             <a:pathLst>
               <a:path w="180975" h="180975">
@@ -3057,35 +3114,38 @@
           </a:solidFill>
         </p:spPr>
         <p:txBody>
-          <a:bodyPr bIns="0" lIns="0" rIns="0" rtlCol="0" tIns="0" wrap="square"/>
-          <a:p/>
+          <a:bodyPr wrap="square" lIns="0" tIns="0" rIns="0" bIns="0" rtlCol="0"/>
+          <a:lstStyle/>
+          <a:p>
+            <a:endParaRPr/>
+          </a:p>
         </p:txBody>
       </p:sp>
       <p:pic>
         <p:nvPicPr>
-          <p:cNvPr id="2097153" name="object 6"/>
-          <p:cNvPicPr>
-            <a:picLocks/>
-          </p:cNvPicPr>
+          <p:cNvPr id="6" name="object 6"/>
+          <p:cNvPicPr/>
           <p:nvPr/>
         </p:nvPicPr>
         <p:blipFill>
-          <a:blip xmlns:r="http://schemas.openxmlformats.org/officeDocument/2006/relationships" r:embed="rId1" cstate="print"/>
+          <a:blip r:embed="rId2" cstate="print"/>
           <a:stretch>
             <a:fillRect/>
           </a:stretch>
         </p:blipFill>
         <p:spPr>
           <a:xfrm>
-            <a:off x="1666875" y="6467475"/>
-            <a:ext cx="76200" cy="177800"/>
-          </a:xfrm>
-          <a:prstGeom prst="rect"/>
+            <a:off x="66675" y="3381373"/>
+            <a:ext cx="2466975" cy="3419475"/>
+          </a:xfrm>
+          <a:prstGeom prst="rect">
+            <a:avLst/>
+          </a:prstGeom>
         </p:spPr>
       </p:pic>
       <p:sp>
         <p:nvSpPr>
-          <p:cNvPr id="1048607" name="object 7"/>
+          <p:cNvPr id="7" name="object 7"/>
           <p:cNvSpPr txBox="1">
             <a:spLocks noGrp="1"/>
           </p:cNvSpPr>
@@ -3095,49 +3155,55 @@
         </p:nvSpPr>
         <p:spPr>
           <a:xfrm>
-            <a:off x="755332" y="385444"/>
-            <a:ext cx="4578668" cy="737235"/>
-          </a:xfrm>
-          <a:prstGeom prst="rect"/>
-        </p:spPr>
-        <p:txBody>
-          <a:bodyPr bIns="0" lIns="0" rIns="0" rtlCol="0" tIns="13335" vert="horz" wrap="square">
+            <a:off x="739775" y="654938"/>
+            <a:ext cx="8480425" cy="670696"/>
+          </a:xfrm>
+          <a:prstGeom prst="rect">
+            <a:avLst/>
+          </a:prstGeom>
+        </p:spPr>
+        <p:txBody>
+          <a:bodyPr vert="horz" wrap="square" lIns="0" tIns="16510" rIns="0" bIns="0" rtlCol="0">
             <a:spAutoFit/>
           </a:bodyPr>
+          <a:lstStyle/>
           <a:p>
             <a:pPr marL="12700">
               <a:lnSpc>
                 <a:spcPct val="100000"/>
               </a:lnSpc>
               <a:spcBef>
-                <a:spcPts val="105"/>
+                <a:spcPts val="130"/>
               </a:spcBef>
             </a:pPr>
             <a:r>
-              <a:rPr dirty="0" lang="en-IN"/>
-              <a:t>CONCLUSION</a:t>
-            </a:r>
-            <a:endParaRPr dirty="0"/>
-          </a:p>
-        </p:txBody>
-      </p:sp>
-      <p:sp>
-        <p:nvSpPr>
-          <p:cNvPr id="1048608" name="object 9"/>
+              <a:rPr lang="en-IN" sz="4250" spc="15" dirty="0"/>
+              <a:t>RESULTS AND SCREENSHOTS</a:t>
+            </a:r>
+            <a:endParaRPr sz="4250" dirty="0"/>
+          </a:p>
+        </p:txBody>
+      </p:sp>
+      <p:sp>
+        <p:nvSpPr>
+          <p:cNvPr id="8" name="object 8"/>
           <p:cNvSpPr txBox="1"/>
           <p:nvPr/>
         </p:nvSpPr>
         <p:spPr>
           <a:xfrm>
             <a:off x="11277218" y="6473337"/>
-            <a:ext cx="228600" cy="159385"/>
-          </a:xfrm>
-          <a:prstGeom prst="rect"/>
-        </p:spPr>
-        <p:txBody>
-          <a:bodyPr bIns="0" lIns="0" rIns="0" rtlCol="0" tIns="6985" vert="horz" wrap="square">
+            <a:ext cx="228600" cy="191770"/>
+          </a:xfrm>
+          <a:prstGeom prst="rect">
+            <a:avLst/>
+          </a:prstGeom>
+        </p:spPr>
+        <p:txBody>
+          <a:bodyPr vert="horz" wrap="square" lIns="0" tIns="6985" rIns="0" bIns="0" rtlCol="0">
             <a:spAutoFit/>
           </a:bodyPr>
+          <a:lstStyle/>
           <a:p>
             <a:pPr marL="38100">
               <a:lnSpc>
@@ -3148,7 +3214,7 @@
               </a:spcBef>
             </a:pPr>
             <a:fld id="{81D60167-4931-47E6-BA6A-407CBD079E47}" type="slidenum">
-              <a:rPr dirty="0" sz="1100" spc="10">
+              <a:rPr sz="1100" spc="10" dirty="0">
                 <a:solidFill>
                   <a:srgbClr val="2D936B"/>
                 </a:solidFill>
@@ -3166,94 +3232,333 @@
       </p:sp>
       <p:sp>
         <p:nvSpPr>
-          <p:cNvPr id="1048609" name=""/>
+          <p:cNvPr id="9" name="TextBox 8">
+            <a:extLst>
+              <a:ext uri="{FF2B5EF4-FFF2-40B4-BE49-F238E27FC236}">
+                <a16:creationId xmlns:a16="http://schemas.microsoft.com/office/drawing/2014/main" id="{FAD9CEB2-36E1-0550-426B-2FAF97882044}"/>
+              </a:ext>
+            </a:extLst>
+          </p:cNvPr>
           <p:cNvSpPr txBox="1"/>
           <p:nvPr/>
         </p:nvSpPr>
         <p:spPr>
           <a:xfrm>
-            <a:off x="755332" y="1071878"/>
-            <a:ext cx="9369136" cy="5539740"/>
-          </a:xfrm>
-          <a:prstGeom prst="rect"/>
-        </p:spPr>
-        <p:txBody>
-          <a:bodyPr rtlCol="0" wrap="square">
+            <a:off x="2743200" y="2354703"/>
+            <a:ext cx="8534018" cy="954107"/>
+          </a:xfrm>
+          <a:prstGeom prst="rect">
+            <a:avLst/>
+          </a:prstGeom>
+          <a:noFill/>
+        </p:spPr>
+        <p:txBody>
+          <a:bodyPr wrap="square" rtlCol="0">
             <a:spAutoFit/>
           </a:bodyPr>
-          <a:p>
-            <a:r>
-              <a:rPr sz="2800" lang="en-IN">
-                <a:solidFill>
-                  <a:srgbClr val="000000"/>
-                </a:solidFill>
-              </a:rPr>
-              <a:t>Key Takeaways
-1. *Dynamic &amp; Evolving*: Web tech constantly advances.
-2. *User-Centric*: Focus on UX/UI for engagement.
-3. *Responsive &amp; Accessible*: Crucial for broad reach.
-4. *Security &amp; Performance*: Vital for trust &amp; efficiency.
-5. *Full Stack Skills*: Frontend, backend, database knowledge valuable.
-Web Development Enables
-1. *Global Reach*: Websites/apps accessible worldwide.
-2. *Business Growth*: Digital presence for businesses.
-3. *Innovation*: PWA's, web apps push boundaries.
-4. *Collaboration*: Tools like Git aid teamwork</a:t>
-            </a:r>
-            <a:r>
-              <a:rPr altLang="en-IN" sz="2800" lang="en-US">
-                <a:solidFill>
-                  <a:srgbClr val="000000"/>
-                </a:solidFill>
-              </a:rPr>
-              <a:t>.</a:t>
-            </a:r>
-            <a:r>
-              <a:rPr sz="2800" lang="en-IN">
-                <a:solidFill>
-                  <a:srgbClr val="000000"/>
-                </a:solidFill>
-              </a:rPr>
-              <a:t> </a:t>
-            </a:r>
-            <a:endParaRPr sz="2800" lang="en-IN">
+          <a:lstStyle/>
+          <a:p>
+            <a:pPr algn="l">
+              <a:buFont typeface="Arial" panose="020B0604020202020204" pitchFamily="34" charset="0"/>
+              <a:buChar char="•"/>
+            </a:pPr>
+            <a:endParaRPr lang="en-US" sz="2800" b="0" i="0" dirty="0">
               <a:solidFill>
-                <a:srgbClr val="000000"/>
+                <a:srgbClr val="0D0D0D"/>
               </a:solidFill>
+              <a:effectLst/>
+              <a:latin typeface="Times New Roman" panose="02020603050405020304" pitchFamily="18" charset="0"/>
+              <a:cs typeface="Times New Roman" panose="02020603050405020304" pitchFamily="18" charset="0"/>
             </a:endParaRPr>
           </a:p>
-        </p:txBody>
-      </p:sp>
-      <p:sp>
-        <p:nvSpPr>
-          <p:cNvPr id="1048610" name=""/>
+          <a:p>
+            <a:endParaRPr lang="en-IN" sz="2800" dirty="0">
+              <a:latin typeface="Times New Roman" panose="02020603050405020304" pitchFamily="18" charset="0"/>
+              <a:cs typeface="Times New Roman" panose="02020603050405020304" pitchFamily="18" charset="0"/>
+            </a:endParaRPr>
+          </a:p>
+        </p:txBody>
+      </p:sp>
+    </p:spTree>
+  </p:cSld>
+  <p:clrMapOvr>
+    <a:masterClrMapping/>
+  </p:clrMapOvr>
+</p:sld>
+</file>
+
+<file path=ppt/slides/slide11.xml><?xml version="1.0" encoding="utf-8"?>
+<p:sld xmlns:a="http://schemas.openxmlformats.org/drawingml/2006/main" xmlns:r="http://schemas.openxmlformats.org/officeDocument/2006/relationships" xmlns:p="http://schemas.openxmlformats.org/presentationml/2006/main">
+  <p:cSld>
+    <p:spTree>
+      <p:nvGrpSpPr>
+        <p:cNvPr id="1" name=""/>
+        <p:cNvGrpSpPr/>
+        <p:nvPr/>
+      </p:nvGrpSpPr>
+      <p:grpSpPr>
+        <a:xfrm>
+          <a:off x="0" y="0"/>
+          <a:ext cx="0" cy="0"/>
+          <a:chOff x="0" y="0"/>
+          <a:chExt cx="0" cy="0"/>
+        </a:xfrm>
+      </p:grpSpPr>
+      <p:sp>
+        <p:nvSpPr>
+          <p:cNvPr id="3" name="object 3"/>
+          <p:cNvSpPr/>
+          <p:nvPr/>
+        </p:nvSpPr>
+        <p:spPr>
+          <a:xfrm>
+            <a:off x="9353550" y="5362575"/>
+            <a:ext cx="457200" cy="457200"/>
+          </a:xfrm>
+          <a:custGeom>
+            <a:avLst/>
+            <a:gdLst/>
+            <a:ahLst/>
+            <a:cxnLst/>
+            <a:rect l="l" t="t" r="r" b="b"/>
+            <a:pathLst>
+              <a:path w="457200" h="457200">
+                <a:moveTo>
+                  <a:pt x="457200" y="0"/>
+                </a:moveTo>
+                <a:lnTo>
+                  <a:pt x="0" y="0"/>
+                </a:lnTo>
+                <a:lnTo>
+                  <a:pt x="0" y="457200"/>
+                </a:lnTo>
+                <a:lnTo>
+                  <a:pt x="457200" y="457200"/>
+                </a:lnTo>
+                <a:lnTo>
+                  <a:pt x="457200" y="0"/>
+                </a:lnTo>
+                <a:close/>
+              </a:path>
+            </a:pathLst>
+          </a:custGeom>
+          <a:solidFill>
+            <a:srgbClr val="42AF51"/>
+          </a:solidFill>
+        </p:spPr>
+        <p:txBody>
+          <a:bodyPr wrap="square" lIns="0" tIns="0" rIns="0" bIns="0" rtlCol="0"/>
+          <a:lstStyle/>
+          <a:p>
+            <a:endParaRPr/>
+          </a:p>
+        </p:txBody>
+      </p:sp>
+      <p:sp>
+        <p:nvSpPr>
+          <p:cNvPr id="4" name="object 4"/>
+          <p:cNvSpPr/>
+          <p:nvPr/>
+        </p:nvSpPr>
+        <p:spPr>
+          <a:xfrm>
+            <a:off x="6696075" y="1695450"/>
+            <a:ext cx="314325" cy="323850"/>
+          </a:xfrm>
+          <a:custGeom>
+            <a:avLst/>
+            <a:gdLst/>
+            <a:ahLst/>
+            <a:cxnLst/>
+            <a:rect l="l" t="t" r="r" b="b"/>
+            <a:pathLst>
+              <a:path w="314325" h="323850">
+                <a:moveTo>
+                  <a:pt x="314325" y="0"/>
+                </a:moveTo>
+                <a:lnTo>
+                  <a:pt x="0" y="0"/>
+                </a:lnTo>
+                <a:lnTo>
+                  <a:pt x="0" y="323850"/>
+                </a:lnTo>
+                <a:lnTo>
+                  <a:pt x="314325" y="323850"/>
+                </a:lnTo>
+                <a:lnTo>
+                  <a:pt x="314325" y="0"/>
+                </a:lnTo>
+                <a:close/>
+              </a:path>
+            </a:pathLst>
+          </a:custGeom>
+          <a:solidFill>
+            <a:srgbClr val="2D83C3"/>
+          </a:solidFill>
+        </p:spPr>
+        <p:txBody>
+          <a:bodyPr wrap="square" lIns="0" tIns="0" rIns="0" bIns="0" rtlCol="0"/>
+          <a:lstStyle/>
+          <a:p>
+            <a:endParaRPr/>
+          </a:p>
+        </p:txBody>
+      </p:sp>
+      <p:sp>
+        <p:nvSpPr>
+          <p:cNvPr id="5" name="object 5"/>
+          <p:cNvSpPr/>
+          <p:nvPr/>
+        </p:nvSpPr>
+        <p:spPr>
+          <a:xfrm>
+            <a:off x="9353550" y="5895975"/>
+            <a:ext cx="180975" cy="180975"/>
+          </a:xfrm>
+          <a:custGeom>
+            <a:avLst/>
+            <a:gdLst/>
+            <a:ahLst/>
+            <a:cxnLst/>
+            <a:rect l="l" t="t" r="r" b="b"/>
+            <a:pathLst>
+              <a:path w="180975" h="180975">
+                <a:moveTo>
+                  <a:pt x="180975" y="0"/>
+                </a:moveTo>
+                <a:lnTo>
+                  <a:pt x="0" y="0"/>
+                </a:lnTo>
+                <a:lnTo>
+                  <a:pt x="0" y="180975"/>
+                </a:lnTo>
+                <a:lnTo>
+                  <a:pt x="180975" y="180975"/>
+                </a:lnTo>
+                <a:lnTo>
+                  <a:pt x="180975" y="0"/>
+                </a:lnTo>
+                <a:close/>
+              </a:path>
+            </a:pathLst>
+          </a:custGeom>
+          <a:solidFill>
+            <a:srgbClr val="2D936B"/>
+          </a:solidFill>
+        </p:spPr>
+        <p:txBody>
+          <a:bodyPr wrap="square" lIns="0" tIns="0" rIns="0" bIns="0" rtlCol="0"/>
+          <a:lstStyle/>
+          <a:p>
+            <a:endParaRPr/>
+          </a:p>
+        </p:txBody>
+      </p:sp>
+      <p:pic>
+        <p:nvPicPr>
+          <p:cNvPr id="6" name="object 6"/>
+          <p:cNvPicPr/>
+          <p:nvPr/>
+        </p:nvPicPr>
+        <p:blipFill>
+          <a:blip r:embed="rId2" cstate="print"/>
+          <a:stretch>
+            <a:fillRect/>
+          </a:stretch>
+        </p:blipFill>
+        <p:spPr>
+          <a:xfrm>
+            <a:off x="1666875" y="6467475"/>
+            <a:ext cx="76200" cy="177800"/>
+          </a:xfrm>
+          <a:prstGeom prst="rect">
+            <a:avLst/>
+          </a:prstGeom>
+        </p:spPr>
+      </p:pic>
+      <p:sp>
+        <p:nvSpPr>
+          <p:cNvPr id="7" name="object 7"/>
+          <p:cNvSpPr txBox="1">
+            <a:spLocks noGrp="1"/>
+          </p:cNvSpPr>
+          <p:nvPr>
+            <p:ph type="title"/>
+          </p:nvPr>
+        </p:nvSpPr>
+        <p:spPr>
+          <a:xfrm>
+            <a:off x="755332" y="385444"/>
+            <a:ext cx="4578668" cy="752129"/>
+          </a:xfrm>
+          <a:prstGeom prst="rect">
+            <a:avLst/>
+          </a:prstGeom>
+        </p:spPr>
+        <p:txBody>
+          <a:bodyPr vert="horz" wrap="square" lIns="0" tIns="13335" rIns="0" bIns="0" rtlCol="0">
+            <a:spAutoFit/>
+          </a:bodyPr>
+          <a:lstStyle/>
+          <a:p>
+            <a:pPr marL="12700">
+              <a:lnSpc>
+                <a:spcPct val="100000"/>
+              </a:lnSpc>
+              <a:spcBef>
+                <a:spcPts val="105"/>
+              </a:spcBef>
+            </a:pPr>
+            <a:r>
+              <a:rPr lang="en-IN" dirty="0"/>
+              <a:t>CONCLUSION</a:t>
+            </a:r>
+            <a:endParaRPr dirty="0"/>
+          </a:p>
+        </p:txBody>
+      </p:sp>
+      <p:sp>
+        <p:nvSpPr>
+          <p:cNvPr id="9" name="object 9"/>
           <p:cNvSpPr txBox="1"/>
           <p:nvPr/>
         </p:nvSpPr>
         <p:spPr>
           <a:xfrm>
-            <a:off x="4096000" y="3219450"/>
-            <a:ext cx="4000000" cy="485140"/>
-          </a:xfrm>
-          <a:prstGeom prst="rect"/>
-        </p:spPr>
-        <p:txBody>
-          <a:bodyPr rtlCol="0" wrap="square">
+            <a:off x="11277218" y="6473337"/>
+            <a:ext cx="228600" cy="191770"/>
+          </a:xfrm>
+          <a:prstGeom prst="rect">
+            <a:avLst/>
+          </a:prstGeom>
+        </p:spPr>
+        <p:txBody>
+          <a:bodyPr vert="horz" wrap="square" lIns="0" tIns="6985" rIns="0" bIns="0" rtlCol="0">
             <a:spAutoFit/>
           </a:bodyPr>
-          <a:p>
-            <a:r>
-              <a:rPr sz="2800" lang="en-IN">
+          <a:lstStyle/>
+          <a:p>
+            <a:pPr marL="38100">
+              <a:lnSpc>
+                <a:spcPct val="100000"/>
+              </a:lnSpc>
+              <a:spcBef>
+                <a:spcPts val="55"/>
+              </a:spcBef>
+            </a:pPr>
+            <a:fld id="{81D60167-4931-47E6-BA6A-407CBD079E47}" type="slidenum">
+              <a:rPr sz="1100" spc="10" dirty="0">
                 <a:solidFill>
-                  <a:srgbClr val="000000"/>
+                  <a:srgbClr val="2D936B"/>
                 </a:solidFill>
+                <a:latin typeface="Trebuchet MS"/>
+                <a:cs typeface="Trebuchet MS"/>
               </a:rPr>
-              <a:t/>
-            </a:r>
-            <a:endParaRPr sz="2800" lang="en-IN">
-              <a:solidFill>
-                <a:srgbClr val="000000"/>
-              </a:solidFill>
+              <a:t>11</a:t>
+            </a:fld>
+            <a:endParaRPr sz="1100">
+              <a:latin typeface="Trebuchet MS"/>
+              <a:cs typeface="Trebuchet MS"/>
             </a:endParaRPr>
           </a:p>
         </p:txBody>
@@ -3271,7 +3576,7 @@
   <p:cSld>
     <p:spTree>
       <p:nvGrpSpPr>
-        <p:cNvPr id="29" name=""/>
+        <p:cNvPr id="1" name=""/>
         <p:cNvGrpSpPr/>
         <p:nvPr/>
       </p:nvGrpSpPr>
@@ -3285,7 +3590,7 @@
       </p:grpSpPr>
       <p:sp>
         <p:nvSpPr>
-          <p:cNvPr id="1048643" name="object 2"/>
+          <p:cNvPr id="2" name="object 2"/>
           <p:cNvSpPr/>
           <p:nvPr/>
         </p:nvSpPr>
@@ -3296,7 +3601,9 @@
           </a:xfrm>
           <a:custGeom>
             <a:avLst/>
+            <a:gdLst/>
             <a:ahLst/>
+            <a:cxnLst/>
             <a:rect l="l" t="t" r="r" b="b"/>
             <a:pathLst>
               <a:path w="12192000" h="6858000">
@@ -3324,7 +3631,8 @@
           </a:solidFill>
         </p:spPr>
         <p:txBody>
-          <a:bodyPr bIns="0" lIns="0" rIns="0" rtlCol="0" tIns="0" wrap="square"/>
+          <a:bodyPr wrap="square" lIns="0" tIns="0" rIns="0" bIns="0" rtlCol="0"/>
+          <a:lstStyle/>
           <a:p>
             <a:endParaRPr dirty="0">
               <a:latin typeface="Times New Roman" panose="02020603050405020304" pitchFamily="18" charset="0"/>
@@ -3335,21 +3643,21 @@
       </p:sp>
       <p:grpSp>
         <p:nvGrpSpPr>
-          <p:cNvPr id="30" name="object 3"/>
+          <p:cNvPr id="3" name="object 3"/>
           <p:cNvGrpSpPr/>
           <p:nvPr/>
         </p:nvGrpSpPr>
         <p:grpSpPr>
           <a:xfrm>
-            <a:off x="1747839" y="0"/>
-            <a:ext cx="10440570" cy="6858380"/>
-            <a:chOff x="6713080" y="0"/>
-            <a:chExt cx="5479328" cy="6858380"/>
+            <a:off x="7443849" y="0"/>
+            <a:ext cx="4752975" cy="6863080"/>
+            <a:chOff x="7443849" y="0"/>
+            <a:chExt cx="4752975" cy="6863080"/>
           </a:xfrm>
         </p:grpSpPr>
         <p:sp>
           <p:nvSpPr>
-            <p:cNvPr id="1048644" name="object 4"/>
+            <p:cNvPr id="4" name="object 4"/>
             <p:cNvSpPr/>
             <p:nvPr/>
           </p:nvSpPr>
@@ -3360,7 +3668,9 @@
             </a:xfrm>
             <a:custGeom>
               <a:avLst/>
+              <a:gdLst/>
               <a:ahLst/>
+              <a:cxnLst/>
               <a:rect l="l" t="t" r="r" b="b"/>
               <a:pathLst>
                 <a:path w="1218565" h="6853555">
@@ -3380,24 +3690,29 @@
             </a:ln>
           </p:spPr>
           <p:txBody>
-            <a:bodyPr bIns="0" lIns="0" rIns="0" rtlCol="0" tIns="0" wrap="square"/>
-            <a:p/>
+            <a:bodyPr wrap="square" lIns="0" tIns="0" rIns="0" bIns="0" rtlCol="0"/>
+            <a:lstStyle/>
+            <a:p>
+              <a:endParaRPr/>
+            </a:p>
           </p:txBody>
         </p:sp>
         <p:sp>
           <p:nvSpPr>
-            <p:cNvPr id="1048645" name="object 5"/>
+            <p:cNvPr id="5" name="object 5"/>
             <p:cNvSpPr/>
             <p:nvPr/>
           </p:nvSpPr>
           <p:spPr>
             <a:xfrm>
-              <a:off x="6713080" y="2913379"/>
+              <a:off x="7448612" y="3694896"/>
               <a:ext cx="4743450" cy="3163570"/>
             </a:xfrm>
             <a:custGeom>
               <a:avLst/>
+              <a:gdLst/>
               <a:ahLst/>
+              <a:cxnLst/>
               <a:rect l="l" t="t" r="r" b="b"/>
               <a:pathLst>
                 <a:path w="4743450" h="3163570">
@@ -3417,75 +3732,16 @@
             </a:ln>
           </p:spPr>
           <p:txBody>
-            <a:bodyPr bIns="0" lIns="0" rIns="0" rtlCol="0" tIns="0" wrap="square"/>
+            <a:bodyPr wrap="square" lIns="0" tIns="0" rIns="0" bIns="0" rtlCol="0"/>
+            <a:lstStyle/>
             <a:p>
-              <a:r>
-                <a:rPr altLang="en-IN" sz="4400" lang="en-US"/>
-                <a:t>W</a:t>
-              </a:r>
-              <a:r>
-                <a:rPr altLang="en-IN" sz="4400" lang="en-US"/>
-                <a:t>E</a:t>
-              </a:r>
-              <a:r>
-                <a:rPr altLang="en-IN" sz="4400" lang="en-US"/>
-                <a:t>B</a:t>
-              </a:r>
-              <a:r>
-                <a:rPr altLang="en-IN" sz="4400" lang="en-US"/>
-                <a:t> </a:t>
-              </a:r>
-              <a:r>
-                <a:rPr altLang="en-IN" sz="4400" lang="en-US"/>
-                <a:t>D</a:t>
-              </a:r>
-              <a:r>
-                <a:rPr altLang="en-IN" sz="4400" lang="en-US"/>
-                <a:t>E</a:t>
-              </a:r>
-              <a:r>
-                <a:rPr altLang="en-IN" sz="4400" lang="en-US"/>
-                <a:t>V</a:t>
-              </a:r>
-              <a:r>
-                <a:rPr altLang="en-IN" sz="4400" lang="en-US"/>
-                <a:t>E</a:t>
-              </a:r>
-              <a:r>
-                <a:rPr altLang="en-IN" sz="4400" lang="en-US"/>
-                <a:t>L</a:t>
-              </a:r>
-              <a:r>
-                <a:rPr altLang="en-IN" sz="4400" lang="en-US"/>
-                <a:t>O</a:t>
-              </a:r>
-              <a:r>
-                <a:rPr altLang="en-IN" sz="4400" lang="en-US"/>
-                <a:t>P</a:t>
-              </a:r>
-              <a:r>
-                <a:rPr altLang="en-IN" sz="4400" lang="en-US"/>
-                <a:t>M</a:t>
-              </a:r>
-              <a:r>
-                <a:rPr altLang="en-IN" sz="4400" lang="en-US"/>
-                <a:t>E</a:t>
-              </a:r>
-              <a:r>
-                <a:rPr altLang="en-IN" sz="4400" lang="en-US"/>
-                <a:t>N</a:t>
-              </a:r>
-              <a:r>
-                <a:rPr altLang="en-IN" sz="4400" lang="en-US"/>
-                <a:t>T</a:t>
-              </a:r>
-              <a:endParaRPr altLang="en-US" lang="zh-CN"/>
+              <a:endParaRPr/>
             </a:p>
           </p:txBody>
         </p:sp>
         <p:sp>
           <p:nvSpPr>
-            <p:cNvPr id="1048646" name="object 6"/>
+            <p:cNvPr id="6" name="object 6"/>
             <p:cNvSpPr/>
             <p:nvPr/>
           </p:nvSpPr>
@@ -3496,7 +3752,9 @@
             </a:xfrm>
             <a:custGeom>
               <a:avLst/>
+              <a:gdLst/>
               <a:ahLst/>
+              <a:cxnLst/>
               <a:rect l="l" t="t" r="r" b="b"/>
               <a:pathLst>
                 <a:path w="3009900" h="6858000">
@@ -3526,13 +3784,16 @@
             </a:solidFill>
           </p:spPr>
           <p:txBody>
-            <a:bodyPr bIns="0" lIns="0" rIns="0" rtlCol="0" tIns="0" wrap="square"/>
-            <a:p/>
+            <a:bodyPr wrap="square" lIns="0" tIns="0" rIns="0" bIns="0" rtlCol="0"/>
+            <a:lstStyle/>
+            <a:p>
+              <a:endParaRPr/>
+            </a:p>
           </p:txBody>
         </p:sp>
         <p:sp>
           <p:nvSpPr>
-            <p:cNvPr id="1048647" name="object 7"/>
+            <p:cNvPr id="7" name="object 7"/>
             <p:cNvSpPr/>
             <p:nvPr/>
           </p:nvSpPr>
@@ -3543,7 +3804,9 @@
             </a:xfrm>
             <a:custGeom>
               <a:avLst/>
+              <a:gdLst/>
               <a:ahLst/>
+              <a:cxnLst/>
               <a:rect l="l" t="t" r="r" b="b"/>
               <a:pathLst>
                 <a:path w="2589529" h="6858000">
@@ -3573,24 +3836,29 @@
             </a:solidFill>
           </p:spPr>
           <p:txBody>
-            <a:bodyPr bIns="0" lIns="0" rIns="0" rtlCol="0" tIns="0" wrap="square"/>
-            <a:p/>
+            <a:bodyPr wrap="square" lIns="0" tIns="0" rIns="0" bIns="0" rtlCol="0"/>
+            <a:lstStyle/>
+            <a:p>
+              <a:endParaRPr/>
+            </a:p>
           </p:txBody>
         </p:sp>
         <p:sp>
           <p:nvSpPr>
-            <p:cNvPr id="1048648" name="object 8"/>
+            <p:cNvPr id="8" name="object 8"/>
             <p:cNvSpPr/>
             <p:nvPr/>
           </p:nvSpPr>
           <p:spPr>
             <a:xfrm>
-              <a:off x="9380730" y="3569966"/>
-              <a:ext cx="2811270" cy="3288034"/>
+              <a:off x="8934450" y="3048000"/>
+              <a:ext cx="3257550" cy="3810000"/>
             </a:xfrm>
             <a:custGeom>
               <a:avLst/>
+              <a:gdLst/>
               <a:ahLst/>
+              <a:cxnLst/>
               <a:rect l="l" t="t" r="r" b="b"/>
               <a:pathLst>
                 <a:path w="3257550" h="3810000">
@@ -3617,13 +3885,16 @@
             </a:solidFill>
           </p:spPr>
           <p:txBody>
-            <a:bodyPr bIns="0" lIns="0" rIns="0" rtlCol="0" tIns="0" wrap="square"/>
-            <a:p/>
+            <a:bodyPr wrap="square" lIns="0" tIns="0" rIns="0" bIns="0" rtlCol="0"/>
+            <a:lstStyle/>
+            <a:p>
+              <a:endParaRPr/>
+            </a:p>
           </p:txBody>
         </p:sp>
         <p:sp>
           <p:nvSpPr>
-            <p:cNvPr id="1048649" name="object 9"/>
+            <p:cNvPr id="9" name="object 9"/>
             <p:cNvSpPr/>
             <p:nvPr/>
           </p:nvSpPr>
@@ -3634,7 +3905,9 @@
             </a:xfrm>
             <a:custGeom>
               <a:avLst/>
+              <a:gdLst/>
               <a:ahLst/>
+              <a:cxnLst/>
               <a:rect l="l" t="t" r="r" b="b"/>
               <a:pathLst>
                 <a:path w="2854325" h="6858000">
@@ -3664,13 +3937,16 @@
             </a:solidFill>
           </p:spPr>
           <p:txBody>
-            <a:bodyPr bIns="0" lIns="0" rIns="0" rtlCol="0" tIns="0" wrap="square"/>
-            <a:p/>
+            <a:bodyPr wrap="square" lIns="0" tIns="0" rIns="0" bIns="0" rtlCol="0"/>
+            <a:lstStyle/>
+            <a:p>
+              <a:endParaRPr/>
+            </a:p>
           </p:txBody>
         </p:sp>
         <p:sp>
           <p:nvSpPr>
-            <p:cNvPr id="1048650" name="object 10"/>
+            <p:cNvPr id="10" name="object 10"/>
             <p:cNvSpPr/>
             <p:nvPr/>
           </p:nvSpPr>
@@ -3681,7 +3957,9 @@
             </a:xfrm>
             <a:custGeom>
               <a:avLst/>
+              <a:gdLst/>
               <a:ahLst/>
+              <a:cxnLst/>
               <a:rect l="l" t="t" r="r" b="b"/>
               <a:pathLst>
                 <a:path w="1295400" h="6858000">
@@ -3711,13 +3989,16 @@
             </a:solidFill>
           </p:spPr>
           <p:txBody>
-            <a:bodyPr bIns="0" lIns="0" rIns="0" rtlCol="0" tIns="0" wrap="square"/>
-            <a:p/>
+            <a:bodyPr wrap="square" lIns="0" tIns="0" rIns="0" bIns="0" rtlCol="0"/>
+            <a:lstStyle/>
+            <a:p>
+              <a:endParaRPr/>
+            </a:p>
           </p:txBody>
         </p:sp>
         <p:sp>
           <p:nvSpPr>
-            <p:cNvPr id="1048651" name="object 11"/>
+            <p:cNvPr id="11" name="object 11"/>
             <p:cNvSpPr/>
             <p:nvPr/>
           </p:nvSpPr>
@@ -3728,7 +4009,9 @@
             </a:xfrm>
             <a:custGeom>
               <a:avLst/>
+              <a:gdLst/>
               <a:ahLst/>
+              <a:cxnLst/>
               <a:rect l="l" t="t" r="r" b="b"/>
               <a:pathLst>
                 <a:path w="1256029" h="6858000">
@@ -3758,13 +4041,16 @@
             </a:solidFill>
           </p:spPr>
           <p:txBody>
-            <a:bodyPr bIns="0" lIns="0" rIns="0" rtlCol="0" tIns="0" wrap="square"/>
-            <a:p/>
+            <a:bodyPr wrap="square" lIns="0" tIns="0" rIns="0" bIns="0" rtlCol="0"/>
+            <a:lstStyle/>
+            <a:p>
+              <a:endParaRPr/>
+            </a:p>
           </p:txBody>
         </p:sp>
         <p:sp>
           <p:nvSpPr>
-            <p:cNvPr id="1048652" name="object 12"/>
+            <p:cNvPr id="12" name="object 12"/>
             <p:cNvSpPr/>
             <p:nvPr/>
           </p:nvSpPr>
@@ -3775,7 +4061,9 @@
             </a:xfrm>
             <a:custGeom>
               <a:avLst/>
+              <a:gdLst/>
               <a:ahLst/>
+              <a:cxnLst/>
               <a:rect l="l" t="t" r="r" b="b"/>
               <a:pathLst>
                 <a:path w="1819275" h="3267075">
@@ -3802,14 +4090,17 @@
             </a:solidFill>
           </p:spPr>
           <p:txBody>
-            <a:bodyPr bIns="0" lIns="0" rIns="0" rtlCol="0" tIns="0" wrap="square"/>
-            <a:p/>
+            <a:bodyPr wrap="square" lIns="0" tIns="0" rIns="0" bIns="0" rtlCol="0"/>
+            <a:lstStyle/>
+            <a:p>
+              <a:endParaRPr/>
+            </a:p>
           </p:txBody>
         </p:sp>
       </p:grpSp>
       <p:sp>
         <p:nvSpPr>
-          <p:cNvPr id="1048653" name="object 13"/>
+          <p:cNvPr id="13" name="object 13"/>
           <p:cNvSpPr/>
           <p:nvPr/>
         </p:nvSpPr>
@@ -3820,7 +4111,9 @@
           </a:xfrm>
           <a:custGeom>
             <a:avLst/>
+            <a:gdLst/>
             <a:ahLst/>
+            <a:cxnLst/>
             <a:rect l="l" t="t" r="r" b="b"/>
             <a:pathLst>
               <a:path w="447675" h="2847975">
@@ -3847,13 +4140,16 @@
           </a:solidFill>
         </p:spPr>
         <p:txBody>
-          <a:bodyPr bIns="0" lIns="0" rIns="0" rtlCol="0" tIns="0" wrap="square"/>
-          <a:p/>
-        </p:txBody>
-      </p:sp>
-      <p:sp>
-        <p:nvSpPr>
-          <p:cNvPr id="1048654" name="object 14"/>
+          <a:bodyPr wrap="square" lIns="0" tIns="0" rIns="0" bIns="0" rtlCol="0"/>
+          <a:lstStyle/>
+          <a:p>
+            <a:endParaRPr/>
+          </a:p>
+        </p:txBody>
+      </p:sp>
+      <p:sp>
+        <p:nvSpPr>
+          <p:cNvPr id="14" name="object 14"/>
           <p:cNvSpPr/>
           <p:nvPr/>
         </p:nvSpPr>
@@ -3864,7 +4160,9 @@
           </a:xfrm>
           <a:custGeom>
             <a:avLst/>
+            <a:gdLst/>
             <a:ahLst/>
+            <a:cxnLst/>
             <a:rect l="l" t="t" r="r" b="b"/>
             <a:pathLst>
               <a:path w="457200" h="457200">
@@ -3892,13 +4190,16 @@
           </a:solidFill>
         </p:spPr>
         <p:txBody>
-          <a:bodyPr bIns="0" lIns="0" rIns="0" rtlCol="0" tIns="0" wrap="square"/>
-          <a:p/>
-        </p:txBody>
-      </p:sp>
-      <p:sp>
-        <p:nvSpPr>
-          <p:cNvPr id="1048655" name="object 15"/>
+          <a:bodyPr wrap="square" lIns="0" tIns="0" rIns="0" bIns="0" rtlCol="0"/>
+          <a:lstStyle/>
+          <a:p>
+            <a:endParaRPr/>
+          </a:p>
+        </p:txBody>
+      </p:sp>
+      <p:sp>
+        <p:nvSpPr>
+          <p:cNvPr id="15" name="object 15"/>
           <p:cNvSpPr/>
           <p:nvPr/>
         </p:nvSpPr>
@@ -3909,7 +4210,9 @@
           </a:xfrm>
           <a:custGeom>
             <a:avLst/>
+            <a:gdLst/>
             <a:ahLst/>
+            <a:cxnLst/>
             <a:rect l="l" t="t" r="r" b="b"/>
             <a:pathLst>
               <a:path w="314325" h="323850">
@@ -3937,13 +4240,16 @@
           </a:solidFill>
         </p:spPr>
         <p:txBody>
-          <a:bodyPr bIns="0" lIns="0" rIns="0" rtlCol="0" tIns="0" wrap="square"/>
-          <a:p/>
-        </p:txBody>
-      </p:sp>
-      <p:sp>
-        <p:nvSpPr>
-          <p:cNvPr id="1048656" name="object 16"/>
+          <a:bodyPr wrap="square" lIns="0" tIns="0" rIns="0" bIns="0" rtlCol="0"/>
+          <a:lstStyle/>
+          <a:p>
+            <a:endParaRPr/>
+          </a:p>
+        </p:txBody>
+      </p:sp>
+      <p:sp>
+        <p:nvSpPr>
+          <p:cNvPr id="16" name="object 16"/>
           <p:cNvSpPr/>
           <p:nvPr/>
         </p:nvSpPr>
@@ -3954,7 +4260,9 @@
           </a:xfrm>
           <a:custGeom>
             <a:avLst/>
+            <a:gdLst/>
             <a:ahLst/>
+            <a:cxnLst/>
             <a:rect l="l" t="t" r="r" b="b"/>
             <a:pathLst>
               <a:path w="180975" h="180975">
@@ -3982,13 +4290,16 @@
           </a:solidFill>
         </p:spPr>
         <p:txBody>
-          <a:bodyPr bIns="0" lIns="0" rIns="0" rtlCol="0" tIns="0" wrap="square"/>
-          <a:p/>
-        </p:txBody>
-      </p:sp>
-      <p:sp>
-        <p:nvSpPr>
-          <p:cNvPr id="1048657" name="object 17"/>
+          <a:bodyPr wrap="square" lIns="0" tIns="0" rIns="0" bIns="0" rtlCol="0"/>
+          <a:lstStyle/>
+          <a:p>
+            <a:endParaRPr/>
+          </a:p>
+        </p:txBody>
+      </p:sp>
+      <p:sp>
+        <p:nvSpPr>
+          <p:cNvPr id="17" name="object 17"/>
           <p:cNvSpPr txBox="1">
             <a:spLocks noGrp="1"/>
           </p:cNvSpPr>
@@ -3999,14 +4310,17 @@
         <p:spPr>
           <a:xfrm>
             <a:off x="739775" y="829627"/>
-            <a:ext cx="3909695" cy="638811"/>
-          </a:xfrm>
-          <a:prstGeom prst="rect"/>
-        </p:spPr>
-        <p:txBody>
-          <a:bodyPr bIns="0" lIns="0" rIns="0" rtlCol="0" tIns="16510" vert="horz" wrap="square">
+            <a:ext cx="3909695" cy="678180"/>
+          </a:xfrm>
+          <a:prstGeom prst="rect">
+            <a:avLst/>
+          </a:prstGeom>
+        </p:spPr>
+        <p:txBody>
+          <a:bodyPr vert="horz" wrap="square" lIns="0" tIns="16510" rIns="0" bIns="0" rtlCol="0">
             <a:spAutoFit/>
           </a:bodyPr>
+          <a:lstStyle/>
           <a:p>
             <a:pPr marL="12700">
               <a:lnSpc>
@@ -4017,15 +4331,15 @@
               </a:spcBef>
             </a:pPr>
             <a:r>
-              <a:rPr dirty="0" sz="4250" spc="5"/>
+              <a:rPr sz="4250" spc="5" dirty="0"/>
               <a:t>PROJECT</a:t>
             </a:r>
             <a:r>
-              <a:rPr dirty="0" sz="4250" spc="-85"/>
+              <a:rPr sz="4250" spc="-85" dirty="0"/>
               <a:t> </a:t>
             </a:r>
             <a:r>
-              <a:rPr dirty="0" sz="4250" spc="25"/>
+              <a:rPr sz="4250" spc="25" dirty="0"/>
               <a:t>TITLE</a:t>
             </a:r>
             <a:endParaRPr sz="4250"/>
@@ -4034,7 +4348,7 @@
       </p:sp>
       <p:grpSp>
         <p:nvGrpSpPr>
-          <p:cNvPr id="31" name="object 18"/>
+          <p:cNvPr id="18" name="object 18"/>
           <p:cNvGrpSpPr/>
           <p:nvPr/>
         </p:nvGrpSpPr>
@@ -4048,14 +4362,12 @@
         </p:grpSpPr>
         <p:pic>
           <p:nvPicPr>
-            <p:cNvPr id="2097158" name="object 19"/>
-            <p:cNvPicPr>
-              <a:picLocks/>
-            </p:cNvPicPr>
+            <p:cNvPr id="19" name="object 19"/>
+            <p:cNvPicPr/>
             <p:nvPr/>
           </p:nvPicPr>
           <p:blipFill>
-            <a:blip xmlns:r="http://schemas.openxmlformats.org/officeDocument/2006/relationships" r:embed="rId1" cstate="print"/>
+            <a:blip r:embed="rId2" cstate="print"/>
             <a:stretch>
               <a:fillRect/>
             </a:stretch>
@@ -4065,19 +4377,19 @@
               <a:off x="676275" y="6467475"/>
               <a:ext cx="2143125" cy="200025"/>
             </a:xfrm>
-            <a:prstGeom prst="rect"/>
+            <a:prstGeom prst="rect">
+              <a:avLst/>
+            </a:prstGeom>
           </p:spPr>
         </p:pic>
         <p:pic>
           <p:nvPicPr>
-            <p:cNvPr id="2097159" name="object 20"/>
-            <p:cNvPicPr>
-              <a:picLocks/>
-            </p:cNvPicPr>
+            <p:cNvPr id="20" name="object 20"/>
+            <p:cNvPicPr/>
             <p:nvPr/>
           </p:nvPicPr>
           <p:blipFill>
-            <a:blip xmlns:r="http://schemas.openxmlformats.org/officeDocument/2006/relationships" r:embed="rId2" cstate="print"/>
+            <a:blip r:embed="rId3" cstate="print"/>
             <a:stretch>
               <a:fillRect/>
             </a:stretch>
@@ -4087,13 +4399,15 @@
               <a:off x="466725" y="6410325"/>
               <a:ext cx="3705225" cy="295275"/>
             </a:xfrm>
-            <a:prstGeom prst="rect"/>
+            <a:prstGeom prst="rect">
+              <a:avLst/>
+            </a:prstGeom>
           </p:spPr>
         </p:pic>
       </p:grpSp>
       <p:sp>
         <p:nvSpPr>
-          <p:cNvPr id="1048658" name="object 22"/>
+          <p:cNvPr id="22" name="object 22"/>
           <p:cNvSpPr txBox="1">
             <a:spLocks noGrp="1"/>
           </p:cNvSpPr>
@@ -4102,16 +4416,15 @@
           </p:nvPr>
         </p:nvSpPr>
         <p:spPr>
-          <a:xfrm>
-            <a:off x="11353418" y="6473337"/>
-            <a:ext cx="151129" cy="159385"/>
-          </a:xfrm>
-          <a:prstGeom prst="rect"/>
-        </p:spPr>
-        <p:txBody>
-          <a:bodyPr bIns="0" lIns="0" rIns="0" rtlCol="0" tIns="6985" vert="horz" wrap="square">
+          <a:prstGeom prst="rect">
+            <a:avLst/>
+          </a:prstGeom>
+        </p:spPr>
+        <p:txBody>
+          <a:bodyPr vert="horz" wrap="square" lIns="0" tIns="6985" rIns="0" bIns="0" rtlCol="0">
             <a:spAutoFit/>
           </a:bodyPr>
+          <a:lstStyle/>
           <a:p>
             <a:pPr marL="38100">
               <a:lnSpc>
@@ -4122,10 +4435,10 @@
               </a:spcBef>
             </a:pPr>
             <a:fld id="{81D60167-4931-47E6-BA6A-407CBD079E47}" type="slidenum">
-              <a:rPr dirty="0" spc="10"/>
+              <a:rPr spc="10" dirty="0"/>
               <a:t>2</a:t>
             </a:fld>
-            <a:endParaRPr dirty="0" spc="10"/>
+            <a:endParaRPr spc="10" dirty="0"/>
           </a:p>
         </p:txBody>
       </p:sp>
@@ -4142,7 +4455,7 @@
   <p:cSld>
     <p:spTree>
       <p:nvGrpSpPr>
-        <p:cNvPr id="32" name=""/>
+        <p:cNvPr id="1" name=""/>
         <p:cNvGrpSpPr/>
         <p:nvPr/>
       </p:nvGrpSpPr>
@@ -4156,7 +4469,7 @@
       </p:grpSpPr>
       <p:sp>
         <p:nvSpPr>
-          <p:cNvPr id="1048659" name="object 2"/>
+          <p:cNvPr id="2" name="object 2"/>
           <p:cNvSpPr/>
           <p:nvPr/>
         </p:nvSpPr>
@@ -4167,7 +4480,9 @@
           </a:xfrm>
           <a:custGeom>
             <a:avLst/>
+            <a:gdLst/>
             <a:ahLst/>
+            <a:cxnLst/>
             <a:rect l="l" t="t" r="r" b="b"/>
             <a:pathLst>
               <a:path w="12192000" h="6858000">
@@ -4195,7 +4510,8 @@
           </a:solidFill>
         </p:spPr>
         <p:txBody>
-          <a:bodyPr bIns="0" lIns="0" rIns="0" rtlCol="0" tIns="0" wrap="square"/>
+          <a:bodyPr wrap="square" lIns="0" tIns="0" rIns="0" bIns="0" rtlCol="0"/>
+          <a:lstStyle/>
           <a:p>
             <a:endParaRPr dirty="0"/>
           </a:p>
@@ -4203,7 +4519,7 @@
       </p:sp>
       <p:grpSp>
         <p:nvGrpSpPr>
-          <p:cNvPr id="33" name="object 3"/>
+          <p:cNvPr id="3" name="object 3"/>
           <p:cNvGrpSpPr/>
           <p:nvPr/>
         </p:nvGrpSpPr>
@@ -4217,7 +4533,7 @@
         </p:grpSpPr>
         <p:sp>
           <p:nvSpPr>
-            <p:cNvPr id="1048660" name="object 4"/>
+            <p:cNvPr id="4" name="object 4"/>
             <p:cNvSpPr/>
             <p:nvPr/>
           </p:nvSpPr>
@@ -4228,7 +4544,9 @@
             </a:xfrm>
             <a:custGeom>
               <a:avLst/>
+              <a:gdLst/>
               <a:ahLst/>
+              <a:cxnLst/>
               <a:rect l="l" t="t" r="r" b="b"/>
               <a:pathLst>
                 <a:path w="1218565" h="6853555">
@@ -4248,13 +4566,16 @@
             </a:ln>
           </p:spPr>
           <p:txBody>
-            <a:bodyPr bIns="0" lIns="0" rIns="0" rtlCol="0" tIns="0" wrap="square"/>
-            <a:p/>
+            <a:bodyPr wrap="square" lIns="0" tIns="0" rIns="0" bIns="0" rtlCol="0"/>
+            <a:lstStyle/>
+            <a:p>
+              <a:endParaRPr/>
+            </a:p>
           </p:txBody>
         </p:sp>
         <p:sp>
           <p:nvSpPr>
-            <p:cNvPr id="1048661" name="object 5"/>
+            <p:cNvPr id="5" name="object 5"/>
             <p:cNvSpPr/>
             <p:nvPr/>
           </p:nvSpPr>
@@ -4265,7 +4586,9 @@
             </a:xfrm>
             <a:custGeom>
               <a:avLst/>
+              <a:gdLst/>
               <a:ahLst/>
+              <a:cxnLst/>
               <a:rect l="l" t="t" r="r" b="b"/>
               <a:pathLst>
                 <a:path w="4743450" h="3163570">
@@ -4285,13 +4608,16 @@
             </a:ln>
           </p:spPr>
           <p:txBody>
-            <a:bodyPr bIns="0" lIns="0" rIns="0" rtlCol="0" tIns="0" wrap="square"/>
-            <a:p/>
+            <a:bodyPr wrap="square" lIns="0" tIns="0" rIns="0" bIns="0" rtlCol="0"/>
+            <a:lstStyle/>
+            <a:p>
+              <a:endParaRPr/>
+            </a:p>
           </p:txBody>
         </p:sp>
         <p:sp>
           <p:nvSpPr>
-            <p:cNvPr id="1048662" name="object 6"/>
+            <p:cNvPr id="6" name="object 6"/>
             <p:cNvSpPr/>
             <p:nvPr/>
           </p:nvSpPr>
@@ -4302,7 +4628,9 @@
             </a:xfrm>
             <a:custGeom>
               <a:avLst/>
+              <a:gdLst/>
               <a:ahLst/>
+              <a:cxnLst/>
               <a:rect l="l" t="t" r="r" b="b"/>
               <a:pathLst>
                 <a:path w="3009900" h="6858000">
@@ -4332,13 +4660,16 @@
             </a:solidFill>
           </p:spPr>
           <p:txBody>
-            <a:bodyPr bIns="0" lIns="0" rIns="0" rtlCol="0" tIns="0" wrap="square"/>
-            <a:p/>
+            <a:bodyPr wrap="square" lIns="0" tIns="0" rIns="0" bIns="0" rtlCol="0"/>
+            <a:lstStyle/>
+            <a:p>
+              <a:endParaRPr/>
+            </a:p>
           </p:txBody>
         </p:sp>
         <p:sp>
           <p:nvSpPr>
-            <p:cNvPr id="1048663" name="object 7"/>
+            <p:cNvPr id="7" name="object 7"/>
             <p:cNvSpPr/>
             <p:nvPr/>
           </p:nvSpPr>
@@ -4349,7 +4680,9 @@
             </a:xfrm>
             <a:custGeom>
               <a:avLst/>
+              <a:gdLst/>
               <a:ahLst/>
+              <a:cxnLst/>
               <a:rect l="l" t="t" r="r" b="b"/>
               <a:pathLst>
                 <a:path w="2589529" h="6858000">
@@ -4379,13 +4712,16 @@
             </a:solidFill>
           </p:spPr>
           <p:txBody>
-            <a:bodyPr bIns="0" lIns="0" rIns="0" rtlCol="0" tIns="0" wrap="square"/>
-            <a:p/>
+            <a:bodyPr wrap="square" lIns="0" tIns="0" rIns="0" bIns="0" rtlCol="0"/>
+            <a:lstStyle/>
+            <a:p>
+              <a:endParaRPr/>
+            </a:p>
           </p:txBody>
         </p:sp>
         <p:sp>
           <p:nvSpPr>
-            <p:cNvPr id="1048664" name="object 8"/>
+            <p:cNvPr id="8" name="object 8"/>
             <p:cNvSpPr/>
             <p:nvPr/>
           </p:nvSpPr>
@@ -4396,7 +4732,9 @@
             </a:xfrm>
             <a:custGeom>
               <a:avLst/>
+              <a:gdLst/>
               <a:ahLst/>
+              <a:cxnLst/>
               <a:rect l="l" t="t" r="r" b="b"/>
               <a:pathLst>
                 <a:path w="3257550" h="3810000">
@@ -4423,13 +4761,16 @@
             </a:solidFill>
           </p:spPr>
           <p:txBody>
-            <a:bodyPr bIns="0" lIns="0" rIns="0" rtlCol="0" tIns="0" wrap="square"/>
-            <a:p/>
+            <a:bodyPr wrap="square" lIns="0" tIns="0" rIns="0" bIns="0" rtlCol="0"/>
+            <a:lstStyle/>
+            <a:p>
+              <a:endParaRPr/>
+            </a:p>
           </p:txBody>
         </p:sp>
         <p:sp>
           <p:nvSpPr>
-            <p:cNvPr id="1048665" name="object 9"/>
+            <p:cNvPr id="9" name="object 9"/>
             <p:cNvSpPr/>
             <p:nvPr/>
           </p:nvSpPr>
@@ -4440,7 +4781,9 @@
             </a:xfrm>
             <a:custGeom>
               <a:avLst/>
+              <a:gdLst/>
               <a:ahLst/>
+              <a:cxnLst/>
               <a:rect l="l" t="t" r="r" b="b"/>
               <a:pathLst>
                 <a:path w="2854325" h="6858000">
@@ -4470,13 +4813,16 @@
             </a:solidFill>
           </p:spPr>
           <p:txBody>
-            <a:bodyPr bIns="0" lIns="0" rIns="0" rtlCol="0" tIns="0" wrap="square"/>
-            <a:p/>
+            <a:bodyPr wrap="square" lIns="0" tIns="0" rIns="0" bIns="0" rtlCol="0"/>
+            <a:lstStyle/>
+            <a:p>
+              <a:endParaRPr/>
+            </a:p>
           </p:txBody>
         </p:sp>
         <p:sp>
           <p:nvSpPr>
-            <p:cNvPr id="1048666" name="object 10"/>
+            <p:cNvPr id="10" name="object 10"/>
             <p:cNvSpPr/>
             <p:nvPr/>
           </p:nvSpPr>
@@ -4487,7 +4833,9 @@
             </a:xfrm>
             <a:custGeom>
               <a:avLst/>
+              <a:gdLst/>
               <a:ahLst/>
+              <a:cxnLst/>
               <a:rect l="l" t="t" r="r" b="b"/>
               <a:pathLst>
                 <a:path w="1295400" h="6858000">
@@ -4517,13 +4865,16 @@
             </a:solidFill>
           </p:spPr>
           <p:txBody>
-            <a:bodyPr bIns="0" lIns="0" rIns="0" rtlCol="0" tIns="0" wrap="square"/>
-            <a:p/>
+            <a:bodyPr wrap="square" lIns="0" tIns="0" rIns="0" bIns="0" rtlCol="0"/>
+            <a:lstStyle/>
+            <a:p>
+              <a:endParaRPr/>
+            </a:p>
           </p:txBody>
         </p:sp>
         <p:sp>
           <p:nvSpPr>
-            <p:cNvPr id="1048667" name="object 11"/>
+            <p:cNvPr id="11" name="object 11"/>
             <p:cNvSpPr/>
             <p:nvPr/>
           </p:nvSpPr>
@@ -4534,7 +4885,9 @@
             </a:xfrm>
             <a:custGeom>
               <a:avLst/>
+              <a:gdLst/>
               <a:ahLst/>
+              <a:cxnLst/>
               <a:rect l="l" t="t" r="r" b="b"/>
               <a:pathLst>
                 <a:path w="1256029" h="6858000">
@@ -4564,13 +4917,16 @@
             </a:solidFill>
           </p:spPr>
           <p:txBody>
-            <a:bodyPr bIns="0" lIns="0" rIns="0" rtlCol="0" tIns="0" wrap="square"/>
-            <a:p/>
+            <a:bodyPr wrap="square" lIns="0" tIns="0" rIns="0" bIns="0" rtlCol="0"/>
+            <a:lstStyle/>
+            <a:p>
+              <a:endParaRPr/>
+            </a:p>
           </p:txBody>
         </p:sp>
         <p:sp>
           <p:nvSpPr>
-            <p:cNvPr id="1048668" name="object 12"/>
+            <p:cNvPr id="12" name="object 12"/>
             <p:cNvSpPr/>
             <p:nvPr/>
           </p:nvSpPr>
@@ -4581,7 +4937,9 @@
             </a:xfrm>
             <a:custGeom>
               <a:avLst/>
+              <a:gdLst/>
               <a:ahLst/>
+              <a:cxnLst/>
               <a:rect l="l" t="t" r="r" b="b"/>
               <a:pathLst>
                 <a:path w="1819275" h="3267075">
@@ -4608,14 +4966,17 @@
             </a:solidFill>
           </p:spPr>
           <p:txBody>
-            <a:bodyPr bIns="0" lIns="0" rIns="0" rtlCol="0" tIns="0" wrap="square"/>
-            <a:p/>
+            <a:bodyPr wrap="square" lIns="0" tIns="0" rIns="0" bIns="0" rtlCol="0"/>
+            <a:lstStyle/>
+            <a:p>
+              <a:endParaRPr/>
+            </a:p>
           </p:txBody>
         </p:sp>
       </p:grpSp>
       <p:sp>
         <p:nvSpPr>
-          <p:cNvPr id="1048669" name="object 13"/>
+          <p:cNvPr id="13" name="object 13"/>
           <p:cNvSpPr/>
           <p:nvPr/>
         </p:nvSpPr>
@@ -4626,7 +4987,9 @@
           </a:xfrm>
           <a:custGeom>
             <a:avLst/>
+            <a:gdLst/>
             <a:ahLst/>
+            <a:cxnLst/>
             <a:rect l="l" t="t" r="r" b="b"/>
             <a:pathLst>
               <a:path w="447675" h="2847975">
@@ -4653,13 +5016,16 @@
           </a:solidFill>
         </p:spPr>
         <p:txBody>
-          <a:bodyPr bIns="0" lIns="0" rIns="0" rtlCol="0" tIns="0" wrap="square"/>
-          <a:p/>
-        </p:txBody>
-      </p:sp>
-      <p:sp>
-        <p:nvSpPr>
-          <p:cNvPr id="1048670" name="object 14"/>
+          <a:bodyPr wrap="square" lIns="0" tIns="0" rIns="0" bIns="0" rtlCol="0"/>
+          <a:lstStyle/>
+          <a:p>
+            <a:endParaRPr/>
+          </a:p>
+        </p:txBody>
+      </p:sp>
+      <p:sp>
+        <p:nvSpPr>
+          <p:cNvPr id="14" name="object 14"/>
           <p:cNvSpPr txBox="1"/>
           <p:nvPr/>
         </p:nvSpPr>
@@ -4668,12 +5034,15 @@
             <a:off x="752475" y="6486037"/>
             <a:ext cx="1773555" cy="166370"/>
           </a:xfrm>
-          <a:prstGeom prst="rect"/>
-        </p:spPr>
-        <p:txBody>
-          <a:bodyPr bIns="0" lIns="0" rIns="0" rtlCol="0" tIns="0" vert="horz" wrap="square">
+          <a:prstGeom prst="rect">
+            <a:avLst/>
+          </a:prstGeom>
+        </p:spPr>
+        <p:txBody>
+          <a:bodyPr vert="horz" wrap="square" lIns="0" tIns="0" rIns="0" bIns="0" rtlCol="0">
             <a:spAutoFit/>
           </a:bodyPr>
+          <a:lstStyle/>
           <a:p>
             <a:pPr>
               <a:lnSpc>
@@ -4681,7 +5050,7 @@
               </a:lnSpc>
             </a:pPr>
             <a:r>
-              <a:rPr dirty="0" sz="1100" spc="20">
+              <a:rPr sz="1100" spc="20" dirty="0">
                 <a:solidFill>
                   <a:srgbClr val="2D83C3"/>
                 </a:solidFill>
@@ -4691,7 +5060,7 @@
               <a:t>3/21/202</a:t>
             </a:r>
             <a:r>
-              <a:rPr dirty="0" sz="1100" spc="10">
+              <a:rPr sz="1100" spc="10" dirty="0">
                 <a:solidFill>
                   <a:srgbClr val="2D83C3"/>
                 </a:solidFill>
@@ -4701,7 +5070,7 @@
               <a:t>4</a:t>
             </a:r>
             <a:r>
-              <a:rPr dirty="0" sz="1100">
+              <a:rPr sz="1100" dirty="0">
                 <a:solidFill>
                   <a:srgbClr val="2D83C3"/>
                 </a:solidFill>
@@ -4711,7 +5080,7 @@
               <a:t> </a:t>
             </a:r>
             <a:r>
-              <a:rPr dirty="0" sz="1100" spc="130">
+              <a:rPr sz="1100" spc="130" dirty="0">
                 <a:solidFill>
                   <a:srgbClr val="2D83C3"/>
                 </a:solidFill>
@@ -4721,7 +5090,7 @@
               <a:t> </a:t>
             </a:r>
             <a:r>
-              <a:rPr b="1" dirty="0" sz="1100" spc="50">
+              <a:rPr sz="1100" b="1" spc="50" dirty="0">
                 <a:solidFill>
                   <a:srgbClr val="2D83C3"/>
                 </a:solidFill>
@@ -4731,7 +5100,7 @@
               <a:t>A</a:t>
             </a:r>
             <a:r>
-              <a:rPr b="1" dirty="0" sz="1100" spc="15">
+              <a:rPr sz="1100" b="1" spc="15" dirty="0">
                 <a:solidFill>
                   <a:srgbClr val="2D83C3"/>
                 </a:solidFill>
@@ -4741,7 +5110,7 @@
               <a:t>nnu</a:t>
             </a:r>
             <a:r>
-              <a:rPr b="1" dirty="0" sz="1100" spc="10">
+              <a:rPr sz="1100" b="1" spc="10" dirty="0">
                 <a:solidFill>
                   <a:srgbClr val="2D83C3"/>
                 </a:solidFill>
@@ -4751,7 +5120,7 @@
               <a:t>al</a:t>
             </a:r>
             <a:r>
-              <a:rPr b="1" dirty="0" sz="1100" spc="-140">
+              <a:rPr sz="1100" b="1" spc="-140" dirty="0">
                 <a:solidFill>
                   <a:srgbClr val="2D83C3"/>
                 </a:solidFill>
@@ -4761,7 +5130,7 @@
               <a:t> </a:t>
             </a:r>
             <a:r>
-              <a:rPr b="1" dirty="0" sz="1100">
+              <a:rPr sz="1100" b="1" dirty="0">
                 <a:solidFill>
                   <a:srgbClr val="2D83C3"/>
                 </a:solidFill>
@@ -4771,7 +5140,7 @@
               <a:t>R</a:t>
             </a:r>
             <a:r>
-              <a:rPr b="1" dirty="0" sz="1100" spc="35">
+              <a:rPr sz="1100" b="1" spc="35" dirty="0">
                 <a:solidFill>
                   <a:srgbClr val="2D83C3"/>
                 </a:solidFill>
@@ -4781,7 +5150,7 @@
               <a:t>e</a:t>
             </a:r>
             <a:r>
-              <a:rPr b="1" dirty="0" sz="1100" spc="90">
+              <a:rPr sz="1100" b="1" spc="90" dirty="0">
                 <a:solidFill>
                   <a:srgbClr val="2D83C3"/>
                 </a:solidFill>
@@ -4791,7 +5160,7 @@
               <a:t>v</a:t>
             </a:r>
             <a:r>
-              <a:rPr b="1" dirty="0" sz="1100" spc="-35">
+              <a:rPr sz="1100" b="1" spc="-35" dirty="0">
                 <a:solidFill>
                   <a:srgbClr val="2D83C3"/>
                 </a:solidFill>
@@ -4801,7 +5170,7 @@
               <a:t>i</a:t>
             </a:r>
             <a:r>
-              <a:rPr b="1" dirty="0" sz="1100" spc="35">
+              <a:rPr sz="1100" b="1" spc="35" dirty="0">
                 <a:solidFill>
                   <a:srgbClr val="2D83C3"/>
                 </a:solidFill>
@@ -4811,7 +5180,7 @@
               <a:t>e</a:t>
             </a:r>
             <a:r>
-              <a:rPr b="1" dirty="0" sz="1100" spc="15">
+              <a:rPr sz="1100" b="1" spc="15" dirty="0">
                 <a:solidFill>
                   <a:srgbClr val="2D83C3"/>
                 </a:solidFill>
@@ -4829,7 +5198,7 @@
       </p:sp>
       <p:sp>
         <p:nvSpPr>
-          <p:cNvPr id="1048671" name="object 15"/>
+          <p:cNvPr id="15" name="object 15"/>
           <p:cNvSpPr/>
           <p:nvPr/>
         </p:nvSpPr>
@@ -4840,7 +5209,9 @@
           </a:xfrm>
           <a:custGeom>
             <a:avLst/>
+            <a:gdLst/>
             <a:ahLst/>
+            <a:cxnLst/>
             <a:rect l="l" t="t" r="r" b="b"/>
             <a:pathLst>
               <a:path w="361950" h="361950">
@@ -4928,13 +5299,16 @@
           </a:solidFill>
         </p:spPr>
         <p:txBody>
-          <a:bodyPr bIns="0" lIns="0" rIns="0" rtlCol="0" tIns="0" wrap="square"/>
-          <a:p/>
-        </p:txBody>
-      </p:sp>
-      <p:sp>
-        <p:nvSpPr>
-          <p:cNvPr id="1048672" name="object 16"/>
+          <a:bodyPr wrap="square" lIns="0" tIns="0" rIns="0" bIns="0" rtlCol="0"/>
+          <a:lstStyle/>
+          <a:p>
+            <a:endParaRPr/>
+          </a:p>
+        </p:txBody>
+      </p:sp>
+      <p:sp>
+        <p:nvSpPr>
+          <p:cNvPr id="16" name="object 16"/>
           <p:cNvSpPr/>
           <p:nvPr/>
         </p:nvSpPr>
@@ -4945,7 +5319,9 @@
           </a:xfrm>
           <a:custGeom>
             <a:avLst/>
+            <a:gdLst/>
             <a:ahLst/>
+            <a:cxnLst/>
             <a:rect l="l" t="t" r="r" b="b"/>
             <a:pathLst>
               <a:path w="647700" h="647700">
@@ -5093,20 +5469,21 @@
           </a:solidFill>
         </p:spPr>
         <p:txBody>
-          <a:bodyPr bIns="0" lIns="0" rIns="0" rtlCol="0" tIns="0" wrap="square"/>
-          <a:p/>
+          <a:bodyPr wrap="square" lIns="0" tIns="0" rIns="0" bIns="0" rtlCol="0"/>
+          <a:lstStyle/>
+          <a:p>
+            <a:endParaRPr/>
+          </a:p>
         </p:txBody>
       </p:sp>
       <p:pic>
         <p:nvPicPr>
-          <p:cNvPr id="2097160" name="object 17"/>
-          <p:cNvPicPr>
-            <a:picLocks/>
-          </p:cNvPicPr>
+          <p:cNvPr id="17" name="object 17"/>
+          <p:cNvPicPr/>
           <p:nvPr/>
         </p:nvPicPr>
         <p:blipFill>
-          <a:blip xmlns:r="http://schemas.openxmlformats.org/officeDocument/2006/relationships" r:embed="rId1" cstate="print"/>
+          <a:blip r:embed="rId2" cstate="print"/>
           <a:stretch>
             <a:fillRect/>
           </a:stretch>
@@ -5116,12 +5493,14 @@
             <a:off x="10687050" y="6134100"/>
             <a:ext cx="247650" cy="247650"/>
           </a:xfrm>
-          <a:prstGeom prst="rect"/>
+          <a:prstGeom prst="rect">
+            <a:avLst/>
+          </a:prstGeom>
         </p:spPr>
       </p:pic>
       <p:grpSp>
         <p:nvGrpSpPr>
-          <p:cNvPr id="34" name="object 18"/>
+          <p:cNvPr id="18" name="object 18"/>
           <p:cNvGrpSpPr/>
           <p:nvPr/>
         </p:nvGrpSpPr>
@@ -5135,14 +5514,12 @@
         </p:grpSpPr>
         <p:pic>
           <p:nvPicPr>
-            <p:cNvPr id="2097161" name="object 19"/>
-            <p:cNvPicPr>
-              <a:picLocks/>
-            </p:cNvPicPr>
+            <p:cNvPr id="19" name="object 19"/>
+            <p:cNvPicPr/>
             <p:nvPr/>
           </p:nvPicPr>
           <p:blipFill>
-            <a:blip xmlns:r="http://schemas.openxmlformats.org/officeDocument/2006/relationships" r:embed="rId2" cstate="print"/>
+            <a:blip r:embed="rId3" cstate="print"/>
             <a:stretch>
               <a:fillRect/>
             </a:stretch>
@@ -5152,19 +5529,19 @@
               <a:off x="466725" y="6410325"/>
               <a:ext cx="3705225" cy="295275"/>
             </a:xfrm>
-            <a:prstGeom prst="rect"/>
+            <a:prstGeom prst="rect">
+              <a:avLst/>
+            </a:prstGeom>
           </p:spPr>
         </p:pic>
         <p:pic>
           <p:nvPicPr>
-            <p:cNvPr id="2097162" name="object 20"/>
-            <p:cNvPicPr>
-              <a:picLocks/>
-            </p:cNvPicPr>
+            <p:cNvPr id="20" name="object 20"/>
+            <p:cNvPicPr/>
             <p:nvPr/>
           </p:nvPicPr>
           <p:blipFill>
-            <a:blip xmlns:r="http://schemas.openxmlformats.org/officeDocument/2006/relationships" r:embed="rId3" cstate="print"/>
+            <a:blip r:embed="rId4" cstate="print"/>
             <a:stretch>
               <a:fillRect/>
             </a:stretch>
@@ -5174,13 +5551,15 @@
               <a:off x="47625" y="3819523"/>
               <a:ext cx="1733550" cy="3009898"/>
             </a:xfrm>
-            <a:prstGeom prst="rect"/>
+            <a:prstGeom prst="rect">
+              <a:avLst/>
+            </a:prstGeom>
           </p:spPr>
         </p:pic>
       </p:grpSp>
       <p:sp>
         <p:nvSpPr>
-          <p:cNvPr id="1048673" name="object 21"/>
+          <p:cNvPr id="21" name="object 21"/>
           <p:cNvSpPr txBox="1">
             <a:spLocks noGrp="1"/>
           </p:cNvSpPr>
@@ -5191,14 +5570,17 @@
         <p:spPr>
           <a:xfrm>
             <a:off x="739775" y="445388"/>
-            <a:ext cx="2357120" cy="1461135"/>
-          </a:xfrm>
-          <a:prstGeom prst="rect"/>
-        </p:spPr>
-        <p:txBody>
-          <a:bodyPr bIns="0" lIns="0" rIns="0" rtlCol="0" tIns="13335" vert="horz" wrap="square">
+            <a:ext cx="2357120" cy="758190"/>
+          </a:xfrm>
+          <a:prstGeom prst="rect">
+            <a:avLst/>
+          </a:prstGeom>
+        </p:spPr>
+        <p:txBody>
+          <a:bodyPr vert="horz" wrap="square" lIns="0" tIns="13335" rIns="0" bIns="0" rtlCol="0">
             <a:spAutoFit/>
           </a:bodyPr>
+          <a:lstStyle/>
           <a:p>
             <a:pPr marL="12700">
               <a:lnSpc>
@@ -5209,19 +5591,19 @@
               </a:spcBef>
             </a:pPr>
             <a:r>
-              <a:rPr dirty="0" spc="25"/>
+              <a:rPr spc="25" dirty="0"/>
               <a:t>A</a:t>
             </a:r>
             <a:r>
-              <a:rPr dirty="0" spc="-5"/>
+              <a:rPr spc="-5" dirty="0"/>
               <a:t>G</a:t>
             </a:r>
             <a:r>
-              <a:rPr dirty="0" spc="-35"/>
+              <a:rPr spc="-35" dirty="0"/>
               <a:t>E</a:t>
             </a:r>
             <a:r>
-              <a:rPr dirty="0" spc="15"/>
+              <a:rPr spc="15" dirty="0"/>
               <a:t>N</a:t>
             </a:r>
             <a:r>
@@ -5233,7 +5615,7 @@
       </p:sp>
       <p:sp>
         <p:nvSpPr>
-          <p:cNvPr id="1048674" name="object 22"/>
+          <p:cNvPr id="22" name="object 22"/>
           <p:cNvSpPr txBox="1">
             <a:spLocks noGrp="1"/>
           </p:cNvSpPr>
@@ -5242,16 +5624,15 @@
           </p:nvPr>
         </p:nvSpPr>
         <p:spPr>
-          <a:xfrm>
-            <a:off x="11353418" y="6473337"/>
-            <a:ext cx="151129" cy="159385"/>
-          </a:xfrm>
-          <a:prstGeom prst="rect"/>
-        </p:spPr>
-        <p:txBody>
-          <a:bodyPr bIns="0" lIns="0" rIns="0" rtlCol="0" tIns="6985" vert="horz" wrap="square">
+          <a:prstGeom prst="rect">
+            <a:avLst/>
+          </a:prstGeom>
+        </p:spPr>
+        <p:txBody>
+          <a:bodyPr vert="horz" wrap="square" lIns="0" tIns="6985" rIns="0" bIns="0" rtlCol="0">
             <a:spAutoFit/>
           </a:bodyPr>
+          <a:lstStyle/>
           <a:p>
             <a:pPr marL="38100">
               <a:lnSpc>
@@ -5262,34 +5643,43 @@
               </a:spcBef>
             </a:pPr>
             <a:fld id="{81D60167-4931-47E6-BA6A-407CBD079E47}" type="slidenum">
-              <a:rPr dirty="0" spc="10"/>
+              <a:rPr spc="10" dirty="0"/>
               <a:t>3</a:t>
             </a:fld>
-            <a:endParaRPr dirty="0" spc="10"/>
-          </a:p>
-        </p:txBody>
-      </p:sp>
-      <p:sp>
-        <p:nvSpPr>
-          <p:cNvPr id="1048675" name="TextBox 22"/>
+            <a:endParaRPr spc="10" dirty="0"/>
+          </a:p>
+        </p:txBody>
+      </p:sp>
+      <p:sp>
+        <p:nvSpPr>
+          <p:cNvPr id="23" name="TextBox 22">
+            <a:extLst>
+              <a:ext uri="{FF2B5EF4-FFF2-40B4-BE49-F238E27FC236}">
+                <a16:creationId xmlns:a16="http://schemas.microsoft.com/office/drawing/2014/main" id="{D0827FA3-A9D4-0FE5-45BE-664C8C920E82}"/>
+              </a:ext>
+            </a:extLst>
+          </p:cNvPr>
           <p:cNvSpPr txBox="1"/>
           <p:nvPr/>
         </p:nvSpPr>
         <p:spPr>
           <a:xfrm>
             <a:off x="2509807" y="1041533"/>
-            <a:ext cx="5029200" cy="4701540"/>
-          </a:xfrm>
-          <a:prstGeom prst="rect"/>
+            <a:ext cx="5029200" cy="4832092"/>
+          </a:xfrm>
+          <a:prstGeom prst="rect">
+            <a:avLst/>
+          </a:prstGeom>
           <a:noFill/>
         </p:spPr>
         <p:txBody>
-          <a:bodyPr rtlCol="0" wrap="square">
+          <a:bodyPr wrap="square" rtlCol="0">
             <a:spAutoFit/>
           </a:bodyPr>
+          <a:lstStyle/>
           <a:p>
             <a:pPr algn="l"/>
-            <a:endParaRPr b="0" dirty="0" sz="2800" i="0" lang="en-US">
+            <a:endParaRPr lang="en-US" sz="2800" b="0" i="0" dirty="0">
               <a:solidFill>
                 <a:srgbClr val="0D0D0D"/>
               </a:solidFill>
@@ -5304,7 +5694,7 @@
               <a:buAutoNum type="arabicPeriod"/>
             </a:pPr>
             <a:r>
-              <a:rPr b="0" dirty="0" sz="2800" i="0" lang="en-US">
+              <a:rPr lang="en-US" sz="2800" b="0" i="0" dirty="0">
                 <a:solidFill>
                   <a:srgbClr val="0D0D0D"/>
                 </a:solidFill>
@@ -5321,7 +5711,7 @@
               <a:buAutoNum type="arabicPeriod"/>
             </a:pPr>
             <a:r>
-              <a:rPr b="0" dirty="0" sz="2800" i="0" lang="en-US">
+              <a:rPr lang="en-US" sz="2800" b="0" i="0" dirty="0">
                 <a:solidFill>
                   <a:srgbClr val="0D0D0D"/>
                 </a:solidFill>
@@ -5338,7 +5728,7 @@
               <a:buAutoNum type="arabicPeriod"/>
             </a:pPr>
             <a:r>
-              <a:rPr b="0" dirty="0" sz="2800" i="0" lang="en-US">
+              <a:rPr lang="en-US" sz="2800" b="0" i="0" dirty="0">
                 <a:solidFill>
                   <a:srgbClr val="0D0D0D"/>
                 </a:solidFill>
@@ -5355,7 +5745,7 @@
               <a:buAutoNum type="arabicPeriod"/>
             </a:pPr>
             <a:r>
-              <a:rPr dirty="0" sz="2800" lang="en-US">
+              <a:rPr lang="en-US" sz="2800" dirty="0">
                 <a:solidFill>
                   <a:srgbClr val="0D0D0D"/>
                 </a:solidFill>
@@ -5364,7 +5754,7 @@
               </a:rPr>
               <a:t>Tools and Technologies</a:t>
             </a:r>
-            <a:endParaRPr b="0" dirty="0" sz="2800" i="0" lang="en-US">
+            <a:endParaRPr lang="en-US" sz="2800" b="0" i="0" dirty="0">
               <a:solidFill>
                 <a:srgbClr val="0D0D0D"/>
               </a:solidFill>
@@ -5379,7 +5769,7 @@
               <a:buAutoNum type="arabicPeriod"/>
             </a:pPr>
             <a:r>
-              <a:rPr b="0" dirty="0" sz="2800" i="0" lang="en-US">
+              <a:rPr lang="en-US" sz="2800" b="0" i="0" dirty="0">
                 <a:solidFill>
                   <a:srgbClr val="0D0D0D"/>
                 </a:solidFill>
@@ -5396,7 +5786,7 @@
               <a:buAutoNum type="arabicPeriod"/>
             </a:pPr>
             <a:r>
-              <a:rPr dirty="0" sz="2800" lang="en-US">
+              <a:rPr lang="en-US" sz="2800" dirty="0">
                 <a:solidFill>
                   <a:srgbClr val="0D0D0D"/>
                 </a:solidFill>
@@ -5405,7 +5795,7 @@
               </a:rPr>
               <a:t>Features and Functionality</a:t>
             </a:r>
-            <a:endParaRPr b="0" dirty="0" sz="2800" i="0" lang="en-US">
+            <a:endParaRPr lang="en-US" sz="2800" b="0" i="0" dirty="0">
               <a:solidFill>
                 <a:srgbClr val="0D0D0D"/>
               </a:solidFill>
@@ -5420,7 +5810,7 @@
               <a:buAutoNum type="arabicPeriod"/>
             </a:pPr>
             <a:r>
-              <a:rPr b="0" dirty="0" sz="2800" i="0" lang="en-US">
+              <a:rPr lang="en-US" sz="2800" b="0" i="0" dirty="0">
                 <a:solidFill>
                   <a:srgbClr val="0D0D0D"/>
                 </a:solidFill>
@@ -5431,7 +5821,7 @@
               <a:t>Results and </a:t>
             </a:r>
             <a:r>
-              <a:rPr dirty="0" sz="2800" lang="en-US">
+              <a:rPr lang="en-US" sz="2800" dirty="0">
                 <a:solidFill>
                   <a:srgbClr val="0D0D0D"/>
                 </a:solidFill>
@@ -5440,7 +5830,7 @@
               </a:rPr>
               <a:t>Screenshots</a:t>
             </a:r>
-            <a:endParaRPr b="0" dirty="0" sz="2800" i="0" lang="en-US">
+            <a:endParaRPr lang="en-US" sz="2800" b="0" i="0" dirty="0">
               <a:solidFill>
                 <a:srgbClr val="0D0D0D"/>
               </a:solidFill>
@@ -5455,7 +5845,7 @@
               <a:buAutoNum type="arabicPeriod"/>
             </a:pPr>
             <a:r>
-              <a:rPr b="0" dirty="0" sz="2800" i="0" lang="en-US">
+              <a:rPr lang="en-US" sz="2800" b="0" i="0" dirty="0">
                 <a:solidFill>
                   <a:srgbClr val="0D0D0D"/>
                 </a:solidFill>
@@ -5472,7 +5862,7 @@
               <a:buAutoNum type="arabicPeriod"/>
             </a:pPr>
             <a:r>
-              <a:rPr dirty="0" sz="2800" lang="en-US" err="1">
+              <a:rPr lang="en-US" sz="2800" dirty="0" err="1">
                 <a:solidFill>
                   <a:srgbClr val="0D0D0D"/>
                 </a:solidFill>
@@ -5482,7 +5872,7 @@
               <a:t>Github</a:t>
             </a:r>
             <a:r>
-              <a:rPr dirty="0" sz="2800" lang="en-US">
+              <a:rPr lang="en-US" sz="2800" dirty="0">
                 <a:solidFill>
                   <a:srgbClr val="0D0D0D"/>
                 </a:solidFill>
@@ -5491,7 +5881,7 @@
               </a:rPr>
               <a:t> Link</a:t>
             </a:r>
-            <a:endParaRPr b="0" dirty="0" sz="2800" i="0" lang="en-US">
+            <a:endParaRPr lang="en-US" sz="2800" b="0" i="0" dirty="0">
               <a:solidFill>
                 <a:srgbClr val="0D0D0D"/>
               </a:solidFill>
@@ -5501,7 +5891,7 @@
             </a:endParaRPr>
           </a:p>
           <a:p>
-            <a:endParaRPr dirty="0" sz="2800" lang="en-IN">
+            <a:endParaRPr lang="en-IN" sz="2800" dirty="0">
               <a:latin typeface="Times New Roman" panose="02020603050405020304" pitchFamily="18" charset="0"/>
               <a:cs typeface="Times New Roman" panose="02020603050405020304" pitchFamily="18" charset="0"/>
             </a:endParaRPr>
@@ -5521,7 +5911,7 @@
   <p:cSld>
     <p:spTree>
       <p:nvGrpSpPr>
-        <p:cNvPr id="35" name=""/>
+        <p:cNvPr id="1" name=""/>
         <p:cNvGrpSpPr/>
         <p:nvPr/>
       </p:nvGrpSpPr>
@@ -5535,21 +5925,21 @@
       </p:grpSpPr>
       <p:grpSp>
         <p:nvGrpSpPr>
-          <p:cNvPr id="36" name="object 2"/>
+          <p:cNvPr id="2" name="object 2"/>
           <p:cNvGrpSpPr/>
           <p:nvPr/>
         </p:nvGrpSpPr>
         <p:grpSpPr>
           <a:xfrm>
-            <a:off x="8658225" y="2647950"/>
-            <a:ext cx="3533775" cy="3810000"/>
-            <a:chOff x="8658225" y="2647950"/>
-            <a:chExt cx="3533775" cy="3810000"/>
+            <a:off x="7991475" y="2933700"/>
+            <a:ext cx="2762250" cy="3257550"/>
+            <a:chOff x="7991475" y="2933700"/>
+            <a:chExt cx="2762250" cy="3257550"/>
           </a:xfrm>
         </p:grpSpPr>
         <p:sp>
           <p:nvSpPr>
-            <p:cNvPr id="1048676" name="object 3"/>
+            <p:cNvPr id="3" name="object 3"/>
             <p:cNvSpPr/>
             <p:nvPr/>
           </p:nvSpPr>
@@ -5560,7 +5950,9 @@
             </a:xfrm>
             <a:custGeom>
               <a:avLst/>
+              <a:gdLst/>
               <a:ahLst/>
+              <a:cxnLst/>
               <a:rect l="l" t="t" r="r" b="b"/>
               <a:pathLst>
                 <a:path w="457200" h="457200">
@@ -5588,13 +5980,16 @@
             </a:solidFill>
           </p:spPr>
           <p:txBody>
-            <a:bodyPr bIns="0" lIns="0" rIns="0" rtlCol="0" tIns="0" wrap="square"/>
-            <a:p/>
+            <a:bodyPr wrap="square" lIns="0" tIns="0" rIns="0" bIns="0" rtlCol="0"/>
+            <a:lstStyle/>
+            <a:p>
+              <a:endParaRPr/>
+            </a:p>
           </p:txBody>
         </p:sp>
         <p:sp>
           <p:nvSpPr>
-            <p:cNvPr id="1048677" name="object 4"/>
+            <p:cNvPr id="4" name="object 4"/>
             <p:cNvSpPr/>
             <p:nvPr/>
           </p:nvSpPr>
@@ -5605,7 +6000,9 @@
             </a:xfrm>
             <a:custGeom>
               <a:avLst/>
+              <a:gdLst/>
               <a:ahLst/>
+              <a:cxnLst/>
               <a:rect l="l" t="t" r="r" b="b"/>
               <a:pathLst>
                 <a:path w="180975" h="180975">
@@ -5633,36 +6030,39 @@
             </a:solidFill>
           </p:spPr>
           <p:txBody>
-            <a:bodyPr bIns="0" lIns="0" rIns="0" rtlCol="0" tIns="0" wrap="square"/>
-            <a:p/>
+            <a:bodyPr wrap="square" lIns="0" tIns="0" rIns="0" bIns="0" rtlCol="0"/>
+            <a:lstStyle/>
+            <a:p>
+              <a:endParaRPr/>
+            </a:p>
           </p:txBody>
         </p:sp>
         <p:pic>
           <p:nvPicPr>
-            <p:cNvPr id="2097163" name="object 5"/>
-            <p:cNvPicPr>
-              <a:picLocks/>
-            </p:cNvPicPr>
+            <p:cNvPr id="5" name="object 5"/>
+            <p:cNvPicPr/>
             <p:nvPr/>
           </p:nvPicPr>
           <p:blipFill>
-            <a:blip xmlns:r="http://schemas.openxmlformats.org/officeDocument/2006/relationships" r:embed="rId1" cstate="print"/>
+            <a:blip r:embed="rId2" cstate="print"/>
             <a:stretch>
               <a:fillRect/>
             </a:stretch>
           </p:blipFill>
           <p:spPr>
             <a:xfrm>
-              <a:off x="8658225" y="2647950"/>
-              <a:ext cx="3533775" cy="3810000"/>
+              <a:off x="7991475" y="2933700"/>
+              <a:ext cx="2762250" cy="3257550"/>
             </a:xfrm>
-            <a:prstGeom prst="rect"/>
+            <a:prstGeom prst="rect">
+              <a:avLst/>
+            </a:prstGeom>
           </p:spPr>
         </p:pic>
       </p:grpSp>
       <p:sp>
         <p:nvSpPr>
-          <p:cNvPr id="1048678" name="object 6"/>
+          <p:cNvPr id="6" name="object 6"/>
           <p:cNvSpPr/>
           <p:nvPr/>
         </p:nvSpPr>
@@ -5673,7 +6073,9 @@
           </a:xfrm>
           <a:custGeom>
             <a:avLst/>
+            <a:gdLst/>
             <a:ahLst/>
+            <a:cxnLst/>
             <a:rect l="l" t="t" r="r" b="b"/>
             <a:pathLst>
               <a:path w="314325" h="323850">
@@ -5701,13 +6103,16 @@
           </a:solidFill>
         </p:spPr>
         <p:txBody>
-          <a:bodyPr bIns="0" lIns="0" rIns="0" rtlCol="0" tIns="0" wrap="square"/>
-          <a:p/>
-        </p:txBody>
-      </p:sp>
-      <p:sp>
-        <p:nvSpPr>
-          <p:cNvPr id="1048679" name="object 7"/>
+          <a:bodyPr wrap="square" lIns="0" tIns="0" rIns="0" bIns="0" rtlCol="0"/>
+          <a:lstStyle/>
+          <a:p>
+            <a:endParaRPr/>
+          </a:p>
+        </p:txBody>
+      </p:sp>
+      <p:sp>
+        <p:nvSpPr>
+          <p:cNvPr id="7" name="object 7"/>
           <p:cNvSpPr txBox="1">
             <a:spLocks noGrp="1"/>
           </p:cNvSpPr>
@@ -5717,15 +6122,18 @@
         </p:nvSpPr>
         <p:spPr>
           <a:xfrm>
-            <a:off x="739775" y="829627"/>
-            <a:ext cx="5263515" cy="638811"/>
-          </a:xfrm>
-          <a:prstGeom prst="rect"/>
-        </p:spPr>
-        <p:txBody>
-          <a:bodyPr bIns="0" lIns="0" rIns="0" rtlCol="0" tIns="16510" vert="horz" wrap="square">
+            <a:off x="834072" y="575055"/>
+            <a:ext cx="5636895" cy="678180"/>
+          </a:xfrm>
+          <a:prstGeom prst="rect">
+            <a:avLst/>
+          </a:prstGeom>
+        </p:spPr>
+        <p:txBody>
+          <a:bodyPr vert="horz" wrap="square" lIns="0" tIns="16510" rIns="0" bIns="0" rtlCol="0">
             <a:spAutoFit/>
           </a:bodyPr>
+          <a:lstStyle/>
           <a:p>
             <a:pPr marL="12700">
               <a:lnSpc>
@@ -5735,16 +6143,60 @@
                 <a:spcPts val="130"/>
               </a:spcBef>
               <a:tabLst>
-                <a:tab algn="l" pos="2642870"/>
+                <a:tab pos="2727960" algn="l"/>
               </a:tabLst>
             </a:pPr>
             <a:r>
-              <a:rPr dirty="0" sz="4250" spc="5"/>
-              <a:t>PROJECT	</a:t>
-            </a:r>
-            <a:r>
-              <a:rPr dirty="0" sz="4250" spc="-20"/>
-              <a:t>OVERVIEW</a:t>
+              <a:rPr sz="4250" spc="-20" dirty="0"/>
+              <a:t>P</a:t>
+            </a:r>
+            <a:r>
+              <a:rPr sz="4250" spc="15" dirty="0"/>
+              <a:t>ROB</a:t>
+            </a:r>
+            <a:r>
+              <a:rPr sz="4250" spc="55" dirty="0"/>
+              <a:t>L</a:t>
+            </a:r>
+            <a:r>
+              <a:rPr sz="4250" spc="-20" dirty="0"/>
+              <a:t>E</a:t>
+            </a:r>
+            <a:r>
+              <a:rPr sz="4250" spc="20" dirty="0"/>
+              <a:t>M</a:t>
+            </a:r>
+            <a:r>
+              <a:rPr sz="4250" dirty="0"/>
+              <a:t>	</a:t>
+            </a:r>
+            <a:r>
+              <a:rPr sz="4250" spc="10" dirty="0"/>
+              <a:t>S</a:t>
+            </a:r>
+            <a:r>
+              <a:rPr sz="4250" spc="-370" dirty="0"/>
+              <a:t>T</a:t>
+            </a:r>
+            <a:r>
+              <a:rPr sz="4250" spc="-375" dirty="0"/>
+              <a:t>A</a:t>
+            </a:r>
+            <a:r>
+              <a:rPr sz="4250" spc="15" dirty="0"/>
+              <a:t>T</a:t>
+            </a:r>
+            <a:r>
+              <a:rPr sz="4250" spc="-10" dirty="0"/>
+              <a:t>E</a:t>
+            </a:r>
+            <a:r>
+              <a:rPr sz="4250" spc="-20" dirty="0"/>
+              <a:t>ME</a:t>
+            </a:r>
+            <a:r>
+              <a:rPr sz="4250" spc="10" dirty="0"/>
+              <a:t>NT</a:t>
             </a:r>
             <a:endParaRPr sz="4250"/>
           </a:p>
@@ -5752,14 +6204,12 @@
       </p:sp>
       <p:pic>
         <p:nvPicPr>
-          <p:cNvPr id="2097164" name="object 8"/>
-          <p:cNvPicPr>
-            <a:picLocks/>
-          </p:cNvPicPr>
+          <p:cNvPr id="8" name="object 8"/>
+          <p:cNvPicPr/>
           <p:nvPr/>
         </p:nvPicPr>
         <p:blipFill>
-          <a:blip xmlns:r="http://schemas.openxmlformats.org/officeDocument/2006/relationships" r:embed="rId2" cstate="print"/>
+          <a:blip r:embed="rId3" cstate="print"/>
           <a:stretch>
             <a:fillRect/>
           </a:stretch>
@@ -5769,12 +6219,14 @@
             <a:off x="676275" y="6467475"/>
             <a:ext cx="2143125" cy="200025"/>
           </a:xfrm>
-          <a:prstGeom prst="rect"/>
+          <a:prstGeom prst="rect">
+            <a:avLst/>
+          </a:prstGeom>
         </p:spPr>
       </p:pic>
       <p:sp>
         <p:nvSpPr>
-          <p:cNvPr id="1048680" name="object 10"/>
+          <p:cNvPr id="10" name="object 10"/>
           <p:cNvSpPr txBox="1">
             <a:spLocks noGrp="1"/>
           </p:cNvSpPr>
@@ -5783,16 +6235,15 @@
           </p:nvPr>
         </p:nvSpPr>
         <p:spPr>
-          <a:xfrm>
-            <a:off x="11353418" y="6473337"/>
-            <a:ext cx="151129" cy="159385"/>
-          </a:xfrm>
-          <a:prstGeom prst="rect"/>
-        </p:spPr>
-        <p:txBody>
-          <a:bodyPr bIns="0" lIns="0" rIns="0" rtlCol="0" tIns="6985" vert="horz" wrap="square">
+          <a:prstGeom prst="rect">
+            <a:avLst/>
+          </a:prstGeom>
+        </p:spPr>
+        <p:txBody>
+          <a:bodyPr vert="horz" wrap="square" lIns="0" tIns="6985" rIns="0" bIns="0" rtlCol="0">
             <a:spAutoFit/>
           </a:bodyPr>
+          <a:lstStyle/>
           <a:p>
             <a:pPr marL="38100">
               <a:lnSpc>
@@ -5803,59 +6254,10 @@
               </a:spcBef>
             </a:pPr>
             <a:fld id="{81D60167-4931-47E6-BA6A-407CBD079E47}" type="slidenum">
-              <a:rPr dirty="0" spc="10"/>
+              <a:rPr spc="10" dirty="0"/>
               <a:t>4</a:t>
             </a:fld>
-            <a:endParaRPr dirty="0" spc="10"/>
-          </a:p>
-        </p:txBody>
-      </p:sp>
-      <p:sp>
-        <p:nvSpPr>
-          <p:cNvPr id="1048681" name=""/>
-          <p:cNvSpPr txBox="1"/>
-          <p:nvPr/>
-        </p:nvSpPr>
-        <p:spPr>
-          <a:xfrm>
-            <a:off x="658892" y="1857375"/>
-            <a:ext cx="12074364" cy="3444240"/>
-          </a:xfrm>
-          <a:prstGeom prst="rect"/>
-        </p:spPr>
-        <p:txBody>
-          <a:bodyPr rtlCol="0" wrap="square">
-            <a:spAutoFit/>
-          </a:bodyPr>
-          <a:p>
-            <a:r>
-              <a:rPr altLang="en-IN" sz="2800" lang="en-US">
-                <a:solidFill>
-                  <a:srgbClr val="000000"/>
-                </a:solidFill>
-              </a:rPr>
-              <a:t>K</a:t>
-            </a:r>
-            <a:r>
-              <a:rPr sz="2800" lang="en-IN">
-                <a:solidFill>
-                  <a:srgbClr val="000000"/>
-                </a:solidFill>
-              </a:rPr>
-              <a:t>ey Features
-1. *Product Catalog*: Display products with images, pricing.
-2. *Search &amp; Filters*: Search and filter by category, price.
-3. *Cart &amp; Checkout*: Shopping cart with payment gateway (Stripe/PayPal).
-4. *User Auth*: Registration, login.
-5. *Admin Panel*: Manage products, orders.
-6. *Responsive*: Mobile-friendly design.
-</a:t>
-            </a:r>
-            <a:endParaRPr sz="2800" lang="en-IN">
-              <a:solidFill>
-                <a:srgbClr val="000000"/>
-              </a:solidFill>
-            </a:endParaRPr>
+            <a:endParaRPr spc="10" dirty="0"/>
           </a:p>
         </p:txBody>
       </p:sp>
@@ -5872,7 +6274,7 @@
   <p:cSld>
     <p:spTree>
       <p:nvGrpSpPr>
-        <p:cNvPr id="37" name=""/>
+        <p:cNvPr id="1" name=""/>
         <p:cNvGrpSpPr/>
         <p:nvPr/>
       </p:nvGrpSpPr>
@@ -5884,65 +6286,159 @@
           <a:chExt cx="0" cy="0"/>
         </a:xfrm>
       </p:grpSpPr>
-      <p:sp>
-        <p:nvSpPr>
-          <p:cNvPr id="1048682" name="object 2"/>
+      <p:grpSp>
+        <p:nvGrpSpPr>
+          <p:cNvPr id="2" name="object 2"/>
+          <p:cNvGrpSpPr/>
+          <p:nvPr/>
+        </p:nvGrpSpPr>
+        <p:grpSpPr>
+          <a:xfrm>
+            <a:off x="8658225" y="2647950"/>
+            <a:ext cx="3533775" cy="3810000"/>
+            <a:chOff x="8658225" y="2647950"/>
+            <a:chExt cx="3533775" cy="3810000"/>
+          </a:xfrm>
+        </p:grpSpPr>
+        <p:sp>
+          <p:nvSpPr>
+            <p:cNvPr id="3" name="object 3"/>
+            <p:cNvSpPr/>
+            <p:nvPr/>
+          </p:nvSpPr>
+          <p:spPr>
+            <a:xfrm>
+              <a:off x="9353550" y="5362575"/>
+              <a:ext cx="457200" cy="457200"/>
+            </a:xfrm>
+            <a:custGeom>
+              <a:avLst/>
+              <a:gdLst/>
+              <a:ahLst/>
+              <a:cxnLst/>
+              <a:rect l="l" t="t" r="r" b="b"/>
+              <a:pathLst>
+                <a:path w="457200" h="457200">
+                  <a:moveTo>
+                    <a:pt x="457200" y="0"/>
+                  </a:moveTo>
+                  <a:lnTo>
+                    <a:pt x="0" y="0"/>
+                  </a:lnTo>
+                  <a:lnTo>
+                    <a:pt x="0" y="457200"/>
+                  </a:lnTo>
+                  <a:lnTo>
+                    <a:pt x="457200" y="457200"/>
+                  </a:lnTo>
+                  <a:lnTo>
+                    <a:pt x="457200" y="0"/>
+                  </a:lnTo>
+                  <a:close/>
+                </a:path>
+              </a:pathLst>
+            </a:custGeom>
+            <a:solidFill>
+              <a:srgbClr val="42AF51"/>
+            </a:solidFill>
+          </p:spPr>
+          <p:txBody>
+            <a:bodyPr wrap="square" lIns="0" tIns="0" rIns="0" bIns="0" rtlCol="0"/>
+            <a:lstStyle/>
+            <a:p>
+              <a:endParaRPr/>
+            </a:p>
+          </p:txBody>
+        </p:sp>
+        <p:sp>
+          <p:nvSpPr>
+            <p:cNvPr id="4" name="object 4"/>
+            <p:cNvSpPr/>
+            <p:nvPr/>
+          </p:nvSpPr>
+          <p:spPr>
+            <a:xfrm>
+              <a:off x="9353550" y="5895975"/>
+              <a:ext cx="180975" cy="180975"/>
+            </a:xfrm>
+            <a:custGeom>
+              <a:avLst/>
+              <a:gdLst/>
+              <a:ahLst/>
+              <a:cxnLst/>
+              <a:rect l="l" t="t" r="r" b="b"/>
+              <a:pathLst>
+                <a:path w="180975" h="180975">
+                  <a:moveTo>
+                    <a:pt x="180975" y="0"/>
+                  </a:moveTo>
+                  <a:lnTo>
+                    <a:pt x="0" y="0"/>
+                  </a:lnTo>
+                  <a:lnTo>
+                    <a:pt x="0" y="180975"/>
+                  </a:lnTo>
+                  <a:lnTo>
+                    <a:pt x="180975" y="180975"/>
+                  </a:lnTo>
+                  <a:lnTo>
+                    <a:pt x="180975" y="0"/>
+                  </a:lnTo>
+                  <a:close/>
+                </a:path>
+              </a:pathLst>
+            </a:custGeom>
+            <a:solidFill>
+              <a:srgbClr val="2D936B"/>
+            </a:solidFill>
+          </p:spPr>
+          <p:txBody>
+            <a:bodyPr wrap="square" lIns="0" tIns="0" rIns="0" bIns="0" rtlCol="0"/>
+            <a:lstStyle/>
+            <a:p>
+              <a:endParaRPr/>
+            </a:p>
+          </p:txBody>
+        </p:sp>
+        <p:pic>
+          <p:nvPicPr>
+            <p:cNvPr id="5" name="object 5"/>
+            <p:cNvPicPr/>
+            <p:nvPr/>
+          </p:nvPicPr>
+          <p:blipFill>
+            <a:blip r:embed="rId2" cstate="print"/>
+            <a:stretch>
+              <a:fillRect/>
+            </a:stretch>
+          </p:blipFill>
+          <p:spPr>
+            <a:xfrm>
+              <a:off x="8658225" y="2647950"/>
+              <a:ext cx="3533775" cy="3810000"/>
+            </a:xfrm>
+            <a:prstGeom prst="rect">
+              <a:avLst/>
+            </a:prstGeom>
+          </p:spPr>
+        </p:pic>
+      </p:grpSp>
+      <p:sp>
+        <p:nvSpPr>
+          <p:cNvPr id="6" name="object 6"/>
           <p:cNvSpPr/>
           <p:nvPr/>
         </p:nvSpPr>
         <p:spPr>
           <a:xfrm>
-            <a:off x="9353550" y="5362575"/>
-            <a:ext cx="457200" cy="457200"/>
-          </a:xfrm>
-          <a:custGeom>
-            <a:avLst/>
-            <a:ahLst/>
-            <a:rect l="l" t="t" r="r" b="b"/>
-            <a:pathLst>
-              <a:path w="457200" h="457200">
-                <a:moveTo>
-                  <a:pt x="457200" y="0"/>
-                </a:moveTo>
-                <a:lnTo>
-                  <a:pt x="0" y="0"/>
-                </a:lnTo>
-                <a:lnTo>
-                  <a:pt x="0" y="457200"/>
-                </a:lnTo>
-                <a:lnTo>
-                  <a:pt x="457200" y="457200"/>
-                </a:lnTo>
-                <a:lnTo>
-                  <a:pt x="457200" y="0"/>
-                </a:lnTo>
-                <a:close/>
-              </a:path>
-            </a:pathLst>
-          </a:custGeom>
-          <a:solidFill>
-            <a:srgbClr val="42AF51"/>
-          </a:solidFill>
-        </p:spPr>
-        <p:txBody>
-          <a:bodyPr bIns="0" lIns="0" rIns="0" rtlCol="0" tIns="0" wrap="square"/>
-          <a:p/>
-        </p:txBody>
-      </p:sp>
-      <p:sp>
-        <p:nvSpPr>
-          <p:cNvPr id="1048683" name="object 3"/>
-          <p:cNvSpPr/>
-          <p:nvPr/>
-        </p:nvSpPr>
-        <p:spPr>
-          <a:xfrm>
             <a:off x="6696075" y="1695450"/>
             <a:ext cx="314325" cy="323850"/>
           </a:xfrm>
           <a:custGeom>
             <a:avLst/>
+            <a:gdLst/>
             <a:ahLst/>
+            <a:cxnLst/>
             <a:rect l="l" t="t" r="r" b="b"/>
             <a:pathLst>
               <a:path w="314325" h="323850">
@@ -5970,58 +6466,16 @@
           </a:solidFill>
         </p:spPr>
         <p:txBody>
-          <a:bodyPr bIns="0" lIns="0" rIns="0" rtlCol="0" tIns="0" wrap="square"/>
-          <a:p/>
-        </p:txBody>
-      </p:sp>
-      <p:sp>
-        <p:nvSpPr>
-          <p:cNvPr id="1048684" name="object 4"/>
-          <p:cNvSpPr/>
-          <p:nvPr/>
-        </p:nvSpPr>
-        <p:spPr>
-          <a:xfrm>
-            <a:off x="9353550" y="5895975"/>
-            <a:ext cx="180975" cy="180975"/>
-          </a:xfrm>
-          <a:custGeom>
-            <a:avLst/>
-            <a:ahLst/>
-            <a:rect l="l" t="t" r="r" b="b"/>
-            <a:pathLst>
-              <a:path w="180975" h="180975">
-                <a:moveTo>
-                  <a:pt x="180975" y="0"/>
-                </a:moveTo>
-                <a:lnTo>
-                  <a:pt x="0" y="0"/>
-                </a:lnTo>
-                <a:lnTo>
-                  <a:pt x="0" y="180975"/>
-                </a:lnTo>
-                <a:lnTo>
-                  <a:pt x="180975" y="180975"/>
-                </a:lnTo>
-                <a:lnTo>
-                  <a:pt x="180975" y="0"/>
-                </a:lnTo>
-                <a:close/>
-              </a:path>
-            </a:pathLst>
-          </a:custGeom>
-          <a:solidFill>
-            <a:srgbClr val="2D936B"/>
-          </a:solidFill>
-        </p:spPr>
-        <p:txBody>
-          <a:bodyPr bIns="0" lIns="0" rIns="0" rtlCol="0" tIns="0" wrap="square"/>
-          <a:p/>
-        </p:txBody>
-      </p:sp>
-      <p:sp>
-        <p:nvSpPr>
-          <p:cNvPr id="1048685" name="object 5"/>
+          <a:bodyPr wrap="square" lIns="0" tIns="0" rIns="0" bIns="0" rtlCol="0"/>
+          <a:lstStyle/>
+          <a:p>
+            <a:endParaRPr/>
+          </a:p>
+        </p:txBody>
+      </p:sp>
+      <p:sp>
+        <p:nvSpPr>
+          <p:cNvPr id="7" name="object 7"/>
           <p:cNvSpPr txBox="1">
             <a:spLocks noGrp="1"/>
           </p:cNvSpPr>
@@ -6031,15 +6485,18 @@
         </p:nvSpPr>
         <p:spPr>
           <a:xfrm>
-            <a:off x="699452" y="891793"/>
-            <a:ext cx="5014595" cy="499110"/>
-          </a:xfrm>
-          <a:prstGeom prst="rect"/>
-        </p:spPr>
-        <p:txBody>
-          <a:bodyPr bIns="0" lIns="0" rIns="0" rtlCol="0" tIns="16510" vert="horz" wrap="square">
+            <a:off x="739775" y="829627"/>
+            <a:ext cx="5263515" cy="678180"/>
+          </a:xfrm>
+          <a:prstGeom prst="rect">
+            <a:avLst/>
+          </a:prstGeom>
+        </p:spPr>
+        <p:txBody>
+          <a:bodyPr vert="horz" wrap="square" lIns="0" tIns="16510" rIns="0" bIns="0" rtlCol="0">
             <a:spAutoFit/>
           </a:bodyPr>
+          <a:lstStyle/>
           <a:p>
             <a:pPr marL="12700">
               <a:lnSpc>
@@ -6048,116 +6505,47 @@
               <a:spcBef>
                 <a:spcPts val="130"/>
               </a:spcBef>
+              <a:tabLst>
+                <a:tab pos="2642870" algn="l"/>
+              </a:tabLst>
             </a:pPr>
             <a:r>
-              <a:rPr dirty="0" sz="3200" spc="25"/>
-              <a:t>W</a:t>
-            </a:r>
-            <a:r>
-              <a:rPr dirty="0" sz="3200" spc="-20"/>
-              <a:t>H</a:t>
-            </a:r>
-            <a:r>
-              <a:rPr dirty="0" sz="3200" spc="20"/>
-              <a:t>O</a:t>
-            </a:r>
-            <a:r>
-              <a:rPr dirty="0" sz="3200" spc="-235"/>
-              <a:t> </a:t>
-            </a:r>
-            <a:r>
-              <a:rPr dirty="0" sz="3200" spc="-10"/>
-              <a:t>AR</a:t>
-            </a:r>
-            <a:r>
-              <a:rPr dirty="0" sz="3200" spc="15"/>
-              <a:t>E</a:t>
-            </a:r>
-            <a:r>
-              <a:rPr dirty="0" sz="3200" spc="-35"/>
-              <a:t> </a:t>
-            </a:r>
-            <a:r>
-              <a:rPr dirty="0" sz="3200" spc="-10"/>
-              <a:t>T</a:t>
-            </a:r>
-            <a:r>
-              <a:rPr dirty="0" sz="3200" spc="-15"/>
-              <a:t>H</a:t>
-            </a:r>
-            <a:r>
-              <a:rPr dirty="0" sz="3200" spc="15"/>
-              <a:t>E</a:t>
-            </a:r>
-            <a:r>
-              <a:rPr dirty="0" sz="3200" spc="-35"/>
-              <a:t> </a:t>
-            </a:r>
-            <a:r>
-              <a:rPr dirty="0" sz="3200" spc="-20"/>
-              <a:t>E</a:t>
-            </a:r>
-            <a:r>
-              <a:rPr dirty="0" sz="3200" spc="30"/>
-              <a:t>N</a:t>
-            </a:r>
-            <a:r>
-              <a:rPr dirty="0" sz="3200" spc="15"/>
-              <a:t>D</a:t>
-            </a:r>
-            <a:r>
-              <a:rPr dirty="0" sz="3200" spc="-45"/>
-              <a:t> </a:t>
-            </a:r>
-            <a:r>
-              <a:rPr dirty="0" sz="3200"/>
-              <a:t>U</a:t>
-            </a:r>
-            <a:r>
-              <a:rPr dirty="0" sz="3200" spc="10"/>
-              <a:t>S</a:t>
-            </a:r>
-            <a:r>
-              <a:rPr dirty="0" sz="3200" spc="-25"/>
-              <a:t>E</a:t>
-            </a:r>
-            <a:r>
-              <a:rPr dirty="0" sz="3200" spc="-10"/>
-              <a:t>R</a:t>
-            </a:r>
-            <a:r>
-              <a:rPr dirty="0" sz="3200" spc="5"/>
-              <a:t>S?</a:t>
-            </a:r>
-            <a:endParaRPr sz="3200"/>
+              <a:rPr sz="4250" spc="5" dirty="0"/>
+              <a:t>PROJECT	</a:t>
+            </a:r>
+            <a:r>
+              <a:rPr sz="4250" spc="-20" dirty="0"/>
+              <a:t>OVERVIEW</a:t>
+            </a:r>
+            <a:endParaRPr sz="4250"/>
           </a:p>
         </p:txBody>
       </p:sp>
       <p:pic>
         <p:nvPicPr>
-          <p:cNvPr id="2097165" name="object 6"/>
-          <p:cNvPicPr>
-            <a:picLocks/>
-          </p:cNvPicPr>
+          <p:cNvPr id="8" name="object 8"/>
+          <p:cNvPicPr/>
           <p:nvPr/>
         </p:nvPicPr>
         <p:blipFill>
-          <a:blip xmlns:r="http://schemas.openxmlformats.org/officeDocument/2006/relationships" r:embed="rId1" cstate="print"/>
+          <a:blip r:embed="rId3" cstate="print"/>
           <a:stretch>
             <a:fillRect/>
           </a:stretch>
         </p:blipFill>
         <p:spPr>
           <a:xfrm>
-            <a:off x="723900" y="6172200"/>
-            <a:ext cx="2181225" cy="485775"/>
-          </a:xfrm>
-          <a:prstGeom prst="rect"/>
+            <a:off x="676275" y="6467475"/>
+            <a:ext cx="2143125" cy="200025"/>
+          </a:xfrm>
+          <a:prstGeom prst="rect">
+            <a:avLst/>
+          </a:prstGeom>
         </p:spPr>
       </p:pic>
       <p:sp>
         <p:nvSpPr>
-          <p:cNvPr id="1048686" name="object 8"/>
+          <p:cNvPr id="10" name="object 10"/>
           <p:cNvSpPr txBox="1">
             <a:spLocks noGrp="1"/>
           </p:cNvSpPr>
@@ -6166,16 +6554,15 @@
           </p:nvPr>
         </p:nvSpPr>
         <p:spPr>
-          <a:xfrm>
-            <a:off x="11353418" y="6473337"/>
-            <a:ext cx="151129" cy="159385"/>
-          </a:xfrm>
-          <a:prstGeom prst="rect"/>
-        </p:spPr>
-        <p:txBody>
-          <a:bodyPr bIns="0" lIns="0" rIns="0" rtlCol="0" tIns="6985" vert="horz" wrap="square">
+          <a:prstGeom prst="rect">
+            <a:avLst/>
+          </a:prstGeom>
+        </p:spPr>
+        <p:txBody>
+          <a:bodyPr vert="horz" wrap="square" lIns="0" tIns="6985" rIns="0" bIns="0" rtlCol="0">
             <a:spAutoFit/>
           </a:bodyPr>
+          <a:lstStyle/>
           <a:p>
             <a:pPr marL="38100">
               <a:lnSpc>
@@ -6186,115 +6573,10 @@
               </a:spcBef>
             </a:pPr>
             <a:fld id="{81D60167-4931-47E6-BA6A-407CBD079E47}" type="slidenum">
-              <a:rPr dirty="0" spc="10"/>
+              <a:rPr spc="10" dirty="0"/>
               <a:t>5</a:t>
             </a:fld>
-            <a:endParaRPr dirty="0" spc="10"/>
-          </a:p>
-        </p:txBody>
-      </p:sp>
-      <p:sp>
-        <p:nvSpPr>
-          <p:cNvPr id="1048687" name=""/>
-          <p:cNvSpPr txBox="1"/>
-          <p:nvPr/>
-        </p:nvSpPr>
-        <p:spPr>
-          <a:xfrm>
-            <a:off x="302280" y="2230754"/>
-            <a:ext cx="10823534" cy="4282439"/>
-          </a:xfrm>
-          <a:prstGeom prst="rect"/>
-        </p:spPr>
-        <p:txBody>
-          <a:bodyPr rtlCol="0" wrap="square">
-            <a:spAutoFit/>
-          </a:bodyPr>
-          <a:p>
-            <a:r>
-              <a:rPr altLang="en-IN" sz="2800" lang="en-US">
-                <a:solidFill>
-                  <a:srgbClr val="000000"/>
-                </a:solidFill>
-              </a:rPr>
-              <a:t>P</a:t>
-            </a:r>
-            <a:r>
-              <a:rPr altLang="en-IN" sz="2800" lang="en-US">
-                <a:solidFill>
-                  <a:srgbClr val="000000"/>
-                </a:solidFill>
-              </a:rPr>
-              <a:t>r</a:t>
-            </a:r>
-            <a:r>
-              <a:rPr sz="2800" lang="en-IN">
-                <a:solidFill>
-                  <a:srgbClr val="000000"/>
-                </a:solidFill>
-              </a:rPr>
-              <a:t>imary End Users
-1. *Customers</a:t>
-            </a:r>
-            <a:r>
-              <a:rPr altLang="en-IN" sz="2800" lang="en-US">
-                <a:solidFill>
-                  <a:srgbClr val="000000"/>
-                </a:solidFill>
-              </a:rPr>
-              <a:t>:</a:t>
-            </a:r>
-            <a:r>
-              <a:rPr sz="2800" lang="en-IN">
-                <a:solidFill>
-                  <a:srgbClr val="000000"/>
-                </a:solidFill>
-              </a:rPr>
-              <a:t>Browse, search, purchase products/services.
-2. *Administrators</a:t>
-            </a:r>
-            <a:r>
-              <a:rPr altLang="en-IN" sz="2800" lang="en-US">
-                <a:solidFill>
-                  <a:srgbClr val="000000"/>
-                </a:solidFill>
-              </a:rPr>
-              <a:t>:</a:t>
-            </a:r>
-            <a:r>
-              <a:rPr sz="2800" lang="en-IN">
-                <a:solidFill>
-                  <a:srgbClr val="000000"/>
-                </a:solidFill>
-              </a:rPr>
-              <a:t> Manage website content, users, orders.
-3. *Content Creators: Authors, bloggers posting content.
-Other Users
-1. *Employers/ Businesses*: Post jobs, manage applications (job portals).
-2. *Job Seekers</a:t>
-            </a:r>
-            <a:r>
-              <a:rPr altLang="en-IN" sz="2800" lang="en-US">
-                <a:solidFill>
-                  <a:srgbClr val="000000"/>
-                </a:solidFill>
-              </a:rPr>
-              <a:t>:</a:t>
-            </a:r>
-            <a:r>
-              <a:rPr sz="2800" lang="en-IN">
-                <a:solidFill>
-                  <a:srgbClr val="000000"/>
-                </a:solidFill>
-              </a:rPr>
-              <a:t> Search and apply for jobs.
-3. *Subscribers: Receive newsletters, updates.</a:t>
-            </a:r>
-            <a:endParaRPr sz="2800" lang="en-IN">
-              <a:solidFill>
-                <a:srgbClr val="000000"/>
-              </a:solidFill>
-            </a:endParaRPr>
+            <a:endParaRPr spc="10" dirty="0"/>
           </a:p>
         </p:txBody>
       </p:sp>
@@ -6311,7 +6593,358 @@
   <p:cSld>
     <p:spTree>
       <p:nvGrpSpPr>
-        <p:cNvPr id="24" name=""/>
+        <p:cNvPr id="1" name=""/>
+        <p:cNvGrpSpPr/>
+        <p:nvPr/>
+      </p:nvGrpSpPr>
+      <p:grpSpPr>
+        <a:xfrm>
+          <a:off x="0" y="0"/>
+          <a:ext cx="0" cy="0"/>
+          <a:chOff x="0" y="0"/>
+          <a:chExt cx="0" cy="0"/>
+        </a:xfrm>
+      </p:grpSpPr>
+      <p:sp>
+        <p:nvSpPr>
+          <p:cNvPr id="2" name="object 2"/>
+          <p:cNvSpPr/>
+          <p:nvPr/>
+        </p:nvSpPr>
+        <p:spPr>
+          <a:xfrm>
+            <a:off x="9353550" y="5362575"/>
+            <a:ext cx="457200" cy="457200"/>
+          </a:xfrm>
+          <a:custGeom>
+            <a:avLst/>
+            <a:gdLst/>
+            <a:ahLst/>
+            <a:cxnLst/>
+            <a:rect l="l" t="t" r="r" b="b"/>
+            <a:pathLst>
+              <a:path w="457200" h="457200">
+                <a:moveTo>
+                  <a:pt x="457200" y="0"/>
+                </a:moveTo>
+                <a:lnTo>
+                  <a:pt x="0" y="0"/>
+                </a:lnTo>
+                <a:lnTo>
+                  <a:pt x="0" y="457200"/>
+                </a:lnTo>
+                <a:lnTo>
+                  <a:pt x="457200" y="457200"/>
+                </a:lnTo>
+                <a:lnTo>
+                  <a:pt x="457200" y="0"/>
+                </a:lnTo>
+                <a:close/>
+              </a:path>
+            </a:pathLst>
+          </a:custGeom>
+          <a:solidFill>
+            <a:srgbClr val="42AF51"/>
+          </a:solidFill>
+        </p:spPr>
+        <p:txBody>
+          <a:bodyPr wrap="square" lIns="0" tIns="0" rIns="0" bIns="0" rtlCol="0"/>
+          <a:lstStyle/>
+          <a:p>
+            <a:endParaRPr/>
+          </a:p>
+        </p:txBody>
+      </p:sp>
+      <p:sp>
+        <p:nvSpPr>
+          <p:cNvPr id="3" name="object 3"/>
+          <p:cNvSpPr/>
+          <p:nvPr/>
+        </p:nvSpPr>
+        <p:spPr>
+          <a:xfrm>
+            <a:off x="6696075" y="1695450"/>
+            <a:ext cx="314325" cy="323850"/>
+          </a:xfrm>
+          <a:custGeom>
+            <a:avLst/>
+            <a:gdLst/>
+            <a:ahLst/>
+            <a:cxnLst/>
+            <a:rect l="l" t="t" r="r" b="b"/>
+            <a:pathLst>
+              <a:path w="314325" h="323850">
+                <a:moveTo>
+                  <a:pt x="314325" y="0"/>
+                </a:moveTo>
+                <a:lnTo>
+                  <a:pt x="0" y="0"/>
+                </a:lnTo>
+                <a:lnTo>
+                  <a:pt x="0" y="323850"/>
+                </a:lnTo>
+                <a:lnTo>
+                  <a:pt x="314325" y="323850"/>
+                </a:lnTo>
+                <a:lnTo>
+                  <a:pt x="314325" y="0"/>
+                </a:lnTo>
+                <a:close/>
+              </a:path>
+            </a:pathLst>
+          </a:custGeom>
+          <a:solidFill>
+            <a:srgbClr val="2D83C3"/>
+          </a:solidFill>
+        </p:spPr>
+        <p:txBody>
+          <a:bodyPr wrap="square" lIns="0" tIns="0" rIns="0" bIns="0" rtlCol="0"/>
+          <a:lstStyle/>
+          <a:p>
+            <a:endParaRPr/>
+          </a:p>
+        </p:txBody>
+      </p:sp>
+      <p:sp>
+        <p:nvSpPr>
+          <p:cNvPr id="4" name="object 4"/>
+          <p:cNvSpPr/>
+          <p:nvPr/>
+        </p:nvSpPr>
+        <p:spPr>
+          <a:xfrm>
+            <a:off x="9353550" y="5895975"/>
+            <a:ext cx="180975" cy="180975"/>
+          </a:xfrm>
+          <a:custGeom>
+            <a:avLst/>
+            <a:gdLst/>
+            <a:ahLst/>
+            <a:cxnLst/>
+            <a:rect l="l" t="t" r="r" b="b"/>
+            <a:pathLst>
+              <a:path w="180975" h="180975">
+                <a:moveTo>
+                  <a:pt x="180975" y="0"/>
+                </a:moveTo>
+                <a:lnTo>
+                  <a:pt x="0" y="0"/>
+                </a:lnTo>
+                <a:lnTo>
+                  <a:pt x="0" y="180975"/>
+                </a:lnTo>
+                <a:lnTo>
+                  <a:pt x="180975" y="180975"/>
+                </a:lnTo>
+                <a:lnTo>
+                  <a:pt x="180975" y="0"/>
+                </a:lnTo>
+                <a:close/>
+              </a:path>
+            </a:pathLst>
+          </a:custGeom>
+          <a:solidFill>
+            <a:srgbClr val="2D936B"/>
+          </a:solidFill>
+        </p:spPr>
+        <p:txBody>
+          <a:bodyPr wrap="square" lIns="0" tIns="0" rIns="0" bIns="0" rtlCol="0"/>
+          <a:lstStyle/>
+          <a:p>
+            <a:endParaRPr/>
+          </a:p>
+        </p:txBody>
+      </p:sp>
+      <p:sp>
+        <p:nvSpPr>
+          <p:cNvPr id="5" name="object 5"/>
+          <p:cNvSpPr txBox="1">
+            <a:spLocks noGrp="1"/>
+          </p:cNvSpPr>
+          <p:nvPr>
+            <p:ph type="title"/>
+          </p:nvPr>
+        </p:nvSpPr>
+        <p:spPr>
+          <a:xfrm>
+            <a:off x="699452" y="891793"/>
+            <a:ext cx="5014595" cy="518159"/>
+          </a:xfrm>
+          <a:prstGeom prst="rect">
+            <a:avLst/>
+          </a:prstGeom>
+        </p:spPr>
+        <p:txBody>
+          <a:bodyPr vert="horz" wrap="square" lIns="0" tIns="16510" rIns="0" bIns="0" rtlCol="0">
+            <a:spAutoFit/>
+          </a:bodyPr>
+          <a:lstStyle/>
+          <a:p>
+            <a:pPr marL="12700">
+              <a:lnSpc>
+                <a:spcPct val="100000"/>
+              </a:lnSpc>
+              <a:spcBef>
+                <a:spcPts val="130"/>
+              </a:spcBef>
+            </a:pPr>
+            <a:r>
+              <a:rPr sz="3200" spc="25" dirty="0"/>
+              <a:t>W</a:t>
+            </a:r>
+            <a:r>
+              <a:rPr sz="3200" spc="-20" dirty="0"/>
+              <a:t>H</a:t>
+            </a:r>
+            <a:r>
+              <a:rPr sz="3200" spc="20" dirty="0"/>
+              <a:t>O</a:t>
+            </a:r>
+            <a:r>
+              <a:rPr sz="3200" spc="-235" dirty="0"/>
+              <a:t> </a:t>
+            </a:r>
+            <a:r>
+              <a:rPr sz="3200" spc="-10" dirty="0"/>
+              <a:t>AR</a:t>
+            </a:r>
+            <a:r>
+              <a:rPr sz="3200" spc="15" dirty="0"/>
+              <a:t>E</a:t>
+            </a:r>
+            <a:r>
+              <a:rPr sz="3200" spc="-35" dirty="0"/>
+              <a:t> </a:t>
+            </a:r>
+            <a:r>
+              <a:rPr sz="3200" spc="-10" dirty="0"/>
+              <a:t>T</a:t>
+            </a:r>
+            <a:r>
+              <a:rPr sz="3200" spc="-15" dirty="0"/>
+              <a:t>H</a:t>
+            </a:r>
+            <a:r>
+              <a:rPr sz="3200" spc="15" dirty="0"/>
+              <a:t>E</a:t>
+            </a:r>
+            <a:r>
+              <a:rPr sz="3200" spc="-35" dirty="0"/>
+              <a:t> </a:t>
+            </a:r>
+            <a:r>
+              <a:rPr sz="3200" spc="-20" dirty="0"/>
+              <a:t>E</a:t>
+            </a:r>
+            <a:r>
+              <a:rPr sz="3200" spc="30" dirty="0"/>
+              <a:t>N</a:t>
+            </a:r>
+            <a:r>
+              <a:rPr sz="3200" spc="15" dirty="0"/>
+              <a:t>D</a:t>
+            </a:r>
+            <a:r>
+              <a:rPr sz="3200" spc="-45" dirty="0"/>
+              <a:t> </a:t>
+            </a:r>
+            <a:r>
+              <a:rPr sz="3200" dirty="0"/>
+              <a:t>U</a:t>
+            </a:r>
+            <a:r>
+              <a:rPr sz="3200" spc="10" dirty="0"/>
+              <a:t>S</a:t>
+            </a:r>
+            <a:r>
+              <a:rPr sz="3200" spc="-25" dirty="0"/>
+              <a:t>E</a:t>
+            </a:r>
+            <a:r>
+              <a:rPr sz="3200" spc="-10" dirty="0"/>
+              <a:t>R</a:t>
+            </a:r>
+            <a:r>
+              <a:rPr sz="3200" spc="5" dirty="0"/>
+              <a:t>S?</a:t>
+            </a:r>
+            <a:endParaRPr sz="3200"/>
+          </a:p>
+        </p:txBody>
+      </p:sp>
+      <p:pic>
+        <p:nvPicPr>
+          <p:cNvPr id="6" name="object 6"/>
+          <p:cNvPicPr/>
+          <p:nvPr/>
+        </p:nvPicPr>
+        <p:blipFill>
+          <a:blip r:embed="rId2" cstate="print"/>
+          <a:stretch>
+            <a:fillRect/>
+          </a:stretch>
+        </p:blipFill>
+        <p:spPr>
+          <a:xfrm>
+            <a:off x="723900" y="6172200"/>
+            <a:ext cx="2181225" cy="485775"/>
+          </a:xfrm>
+          <a:prstGeom prst="rect">
+            <a:avLst/>
+          </a:prstGeom>
+        </p:spPr>
+      </p:pic>
+      <p:sp>
+        <p:nvSpPr>
+          <p:cNvPr id="8" name="object 8"/>
+          <p:cNvSpPr txBox="1">
+            <a:spLocks noGrp="1"/>
+          </p:cNvSpPr>
+          <p:nvPr>
+            <p:ph type="sldNum" sz="quarter" idx="7"/>
+          </p:nvPr>
+        </p:nvSpPr>
+        <p:spPr>
+          <a:prstGeom prst="rect">
+            <a:avLst/>
+          </a:prstGeom>
+        </p:spPr>
+        <p:txBody>
+          <a:bodyPr vert="horz" wrap="square" lIns="0" tIns="6985" rIns="0" bIns="0" rtlCol="0">
+            <a:spAutoFit/>
+          </a:bodyPr>
+          <a:lstStyle/>
+          <a:p>
+            <a:pPr marL="38100">
+              <a:lnSpc>
+                <a:spcPct val="100000"/>
+              </a:lnSpc>
+              <a:spcBef>
+                <a:spcPts val="55"/>
+              </a:spcBef>
+            </a:pPr>
+            <a:fld id="{81D60167-4931-47E6-BA6A-407CBD079E47}" type="slidenum">
+              <a:rPr spc="10" dirty="0"/>
+              <a:t>6</a:t>
+            </a:fld>
+            <a:endParaRPr spc="10" dirty="0"/>
+          </a:p>
+        </p:txBody>
+      </p:sp>
+    </p:spTree>
+  </p:cSld>
+  <p:clrMapOvr>
+    <a:masterClrMapping/>
+  </p:clrMapOvr>
+</p:sld>
+</file>
+
+<file path=ppt/slides/slide7.xml><?xml version="1.0" encoding="utf-8"?>
+<p:sld xmlns:a="http://schemas.openxmlformats.org/drawingml/2006/main" xmlns:r="http://schemas.openxmlformats.org/officeDocument/2006/relationships" xmlns:p="http://schemas.openxmlformats.org/presentationml/2006/main">
+  <p:cSld>
+    <p:spTree>
+      <p:nvGrpSpPr>
+        <p:cNvPr id="1" name=""/>
         <p:cNvGrpSpPr/>
         <p:nvPr/>
       </p:nvGrpSpPr>
@@ -6325,14 +6958,12 @@
       </p:grpSpPr>
       <p:pic>
         <p:nvPicPr>
-          <p:cNvPr id="2097155" name="object 2"/>
-          <p:cNvPicPr>
-            <a:picLocks/>
-          </p:cNvPicPr>
+          <p:cNvPr id="2" name="object 2"/>
+          <p:cNvPicPr/>
           <p:nvPr/>
         </p:nvPicPr>
         <p:blipFill>
-          <a:blip xmlns:r="http://schemas.openxmlformats.org/officeDocument/2006/relationships" r:embed="rId1" cstate="print"/>
+          <a:blip r:embed="rId2" cstate="print"/>
           <a:stretch>
             <a:fillRect/>
           </a:stretch>
@@ -6342,12 +6973,14 @@
             <a:off x="0" y="1476375"/>
             <a:ext cx="2695574" cy="3248025"/>
           </a:xfrm>
-          <a:prstGeom prst="rect"/>
+          <a:prstGeom prst="rect">
+            <a:avLst/>
+          </a:prstGeom>
         </p:spPr>
       </p:pic>
       <p:sp>
         <p:nvSpPr>
-          <p:cNvPr id="1048626" name="object 3"/>
+          <p:cNvPr id="3" name="object 3"/>
           <p:cNvSpPr/>
           <p:nvPr/>
         </p:nvSpPr>
@@ -6358,7 +6991,9 @@
           </a:xfrm>
           <a:custGeom>
             <a:avLst/>
+            <a:gdLst/>
             <a:ahLst/>
+            <a:cxnLst/>
             <a:rect l="l" t="t" r="r" b="b"/>
             <a:pathLst>
               <a:path w="457200" h="457200">
@@ -6386,13 +7021,16 @@
           </a:solidFill>
         </p:spPr>
         <p:txBody>
-          <a:bodyPr bIns="0" lIns="0" rIns="0" rtlCol="0" tIns="0" wrap="square"/>
-          <a:p/>
-        </p:txBody>
-      </p:sp>
-      <p:sp>
-        <p:nvSpPr>
-          <p:cNvPr id="1048627" name="object 4"/>
+          <a:bodyPr wrap="square" lIns="0" tIns="0" rIns="0" bIns="0" rtlCol="0"/>
+          <a:lstStyle/>
+          <a:p>
+            <a:endParaRPr/>
+          </a:p>
+        </p:txBody>
+      </p:sp>
+      <p:sp>
+        <p:nvSpPr>
+          <p:cNvPr id="4" name="object 4"/>
           <p:cNvSpPr/>
           <p:nvPr/>
         </p:nvSpPr>
@@ -6403,7 +7041,9 @@
           </a:xfrm>
           <a:custGeom>
             <a:avLst/>
+            <a:gdLst/>
             <a:ahLst/>
+            <a:cxnLst/>
             <a:rect l="l" t="t" r="r" b="b"/>
             <a:pathLst>
               <a:path w="314325" h="323850">
@@ -6431,13 +7071,16 @@
           </a:solidFill>
         </p:spPr>
         <p:txBody>
-          <a:bodyPr bIns="0" lIns="0" rIns="0" rtlCol="0" tIns="0" wrap="square"/>
-          <a:p/>
-        </p:txBody>
-      </p:sp>
-      <p:sp>
-        <p:nvSpPr>
-          <p:cNvPr id="1048628" name="object 5"/>
+          <a:bodyPr wrap="square" lIns="0" tIns="0" rIns="0" bIns="0" rtlCol="0"/>
+          <a:lstStyle/>
+          <a:p>
+            <a:endParaRPr/>
+          </a:p>
+        </p:txBody>
+      </p:sp>
+      <p:sp>
+        <p:nvSpPr>
+          <p:cNvPr id="5" name="object 5"/>
           <p:cNvSpPr/>
           <p:nvPr/>
         </p:nvSpPr>
@@ -6448,7 +7091,9 @@
           </a:xfrm>
           <a:custGeom>
             <a:avLst/>
+            <a:gdLst/>
             <a:ahLst/>
+            <a:cxnLst/>
             <a:rect l="l" t="t" r="r" b="b"/>
             <a:pathLst>
               <a:path w="180975" h="180975">
@@ -6476,13 +7121,16 @@
           </a:solidFill>
         </p:spPr>
         <p:txBody>
-          <a:bodyPr bIns="0" lIns="0" rIns="0" rtlCol="0" tIns="0" wrap="square"/>
-          <a:p/>
-        </p:txBody>
-      </p:sp>
-      <p:sp>
-        <p:nvSpPr>
-          <p:cNvPr id="1048629" name="object 6"/>
+          <a:bodyPr wrap="square" lIns="0" tIns="0" rIns="0" bIns="0" rtlCol="0"/>
+          <a:lstStyle/>
+          <a:p>
+            <a:endParaRPr/>
+          </a:p>
+        </p:txBody>
+      </p:sp>
+      <p:sp>
+        <p:nvSpPr>
+          <p:cNvPr id="6" name="object 6"/>
           <p:cNvSpPr txBox="1">
             <a:spLocks noGrp="1"/>
           </p:cNvSpPr>
@@ -6493,14 +7141,17 @@
         <p:spPr>
           <a:xfrm>
             <a:off x="558165" y="857885"/>
-            <a:ext cx="9763125" cy="521336"/>
-          </a:xfrm>
-          <a:prstGeom prst="rect"/>
-        </p:spPr>
-        <p:txBody>
-          <a:bodyPr bIns="0" lIns="0" rIns="0" rtlCol="0" tIns="13335" vert="horz" wrap="square">
+            <a:ext cx="9763125" cy="575310"/>
+          </a:xfrm>
+          <a:prstGeom prst="rect">
+            <a:avLst/>
+          </a:prstGeom>
+        </p:spPr>
+        <p:txBody>
+          <a:bodyPr vert="horz" wrap="square" lIns="0" tIns="13335" rIns="0" bIns="0" rtlCol="0">
             <a:spAutoFit/>
           </a:bodyPr>
+          <a:lstStyle/>
           <a:p>
             <a:pPr marL="12700">
               <a:lnSpc>
@@ -6511,23 +7162,21 @@
               </a:spcBef>
             </a:pPr>
             <a:r>
-              <a:rPr dirty="0" sz="3600" lang="en-IN" spc="10"/>
+              <a:rPr lang="en-IN" sz="3600" spc="10" dirty="0"/>
               <a:t>TOOLS AND TECHNIQUES</a:t>
             </a:r>
-            <a:endParaRPr dirty="0" sz="3600"/>
+            <a:endParaRPr sz="3600" dirty="0"/>
           </a:p>
         </p:txBody>
       </p:sp>
       <p:pic>
         <p:nvPicPr>
-          <p:cNvPr id="2097156" name="object 7"/>
-          <p:cNvPicPr>
-            <a:picLocks/>
-          </p:cNvPicPr>
+          <p:cNvPr id="7" name="object 7"/>
+          <p:cNvPicPr/>
           <p:nvPr/>
         </p:nvPicPr>
         <p:blipFill>
-          <a:blip xmlns:r="http://schemas.openxmlformats.org/officeDocument/2006/relationships" r:embed="rId2" cstate="print"/>
+          <a:blip r:embed="rId3" cstate="print"/>
           <a:stretch>
             <a:fillRect/>
           </a:stretch>
@@ -6537,12 +7186,14 @@
             <a:off x="676275" y="6467475"/>
             <a:ext cx="2143125" cy="200025"/>
           </a:xfrm>
-          <a:prstGeom prst="rect"/>
+          <a:prstGeom prst="rect">
+            <a:avLst/>
+          </a:prstGeom>
         </p:spPr>
       </p:pic>
       <p:sp>
         <p:nvSpPr>
-          <p:cNvPr id="1048630" name="object 9"/>
+          <p:cNvPr id="9" name="object 9"/>
           <p:cNvSpPr txBox="1">
             <a:spLocks noGrp="1"/>
           </p:cNvSpPr>
@@ -6551,16 +7202,15 @@
           </p:nvPr>
         </p:nvSpPr>
         <p:spPr>
-          <a:xfrm>
-            <a:off x="11353418" y="6473337"/>
-            <a:ext cx="151129" cy="159385"/>
-          </a:xfrm>
-          <a:prstGeom prst="rect"/>
-        </p:spPr>
-        <p:txBody>
-          <a:bodyPr bIns="0" lIns="0" rIns="0" rtlCol="0" tIns="6985" vert="horz" wrap="square">
+          <a:prstGeom prst="rect">
+            <a:avLst/>
+          </a:prstGeom>
+        </p:spPr>
+        <p:txBody>
+          <a:bodyPr vert="horz" wrap="square" lIns="0" tIns="6985" rIns="0" bIns="0" rtlCol="0">
             <a:spAutoFit/>
           </a:bodyPr>
+          <a:lstStyle/>
           <a:p>
             <a:pPr marL="38100">
               <a:lnSpc>
@@ -6571,1181 +7221,10 @@
               </a:spcBef>
             </a:pPr>
             <a:fld id="{81D60167-4931-47E6-BA6A-407CBD079E47}" type="slidenum">
-              <a:rPr dirty="0" spc="10"/>
-              <a:t>6</a:t>
-            </a:fld>
-            <a:endParaRPr dirty="0" spc="10"/>
-          </a:p>
-        </p:txBody>
-      </p:sp>
-      <p:sp>
-        <p:nvSpPr>
-          <p:cNvPr id="1048631" name="TextBox 8"/>
-          <p:cNvSpPr txBox="1"/>
-          <p:nvPr/>
-        </p:nvSpPr>
-        <p:spPr>
-          <a:xfrm>
-            <a:off x="1347787" y="7750398"/>
-            <a:ext cx="10485575" cy="10149840"/>
-          </a:xfrm>
-          <a:prstGeom prst="rect"/>
-          <a:noFill/>
-        </p:spPr>
-        <p:txBody>
-          <a:bodyPr rtlCol="0" wrap="square">
-            <a:spAutoFit/>
-          </a:bodyPr>
-          <a:lstStyle>
-            <a:defPPr>
-              <a:defRPr lang="en-US"/>
-            </a:defPPr>
-            <a:lvl1pPr algn="l" defTabSz="914400" eaLnBrk="1" hangingPunct="1" latinLnBrk="0" marL="0" rtl="0">
-              <a:defRPr sz="1800" kern="1200">
-                <a:solidFill>
-                  <a:srgbClr val="000000"/>
-                </a:solidFill>
-                <a:latin typeface="+mn-lt"/>
-                <a:ea typeface="+mn-ea"/>
-                <a:cs typeface="+mn-cs"/>
-              </a:defRPr>
-            </a:lvl1pPr>
-            <a:lvl2pPr algn="l" defTabSz="914400" eaLnBrk="1" hangingPunct="1" latinLnBrk="0" marL="457200" rtl="0">
-              <a:defRPr sz="1800" kern="1200">
-                <a:solidFill>
-                  <a:srgbClr val="000000"/>
-                </a:solidFill>
-                <a:latin typeface="+mn-lt"/>
-                <a:ea typeface="+mn-ea"/>
-                <a:cs typeface="+mn-cs"/>
-              </a:defRPr>
-            </a:lvl2pPr>
-            <a:lvl3pPr algn="l" defTabSz="914400" eaLnBrk="1" hangingPunct="1" latinLnBrk="0" marL="914400" rtl="0">
-              <a:defRPr sz="1800" kern="1200">
-                <a:solidFill>
-                  <a:srgbClr val="000000"/>
-                </a:solidFill>
-                <a:latin typeface="+mn-lt"/>
-                <a:ea typeface="+mn-ea"/>
-                <a:cs typeface="+mn-cs"/>
-              </a:defRPr>
-            </a:lvl3pPr>
-            <a:lvl4pPr algn="l" defTabSz="914400" eaLnBrk="1" hangingPunct="1" latinLnBrk="0" marL="1371600" rtl="0">
-              <a:defRPr sz="1800" kern="1200">
-                <a:solidFill>
-                  <a:srgbClr val="000000"/>
-                </a:solidFill>
-                <a:latin typeface="+mn-lt"/>
-                <a:ea typeface="+mn-ea"/>
-                <a:cs typeface="+mn-cs"/>
-              </a:defRPr>
-            </a:lvl4pPr>
-            <a:lvl5pPr algn="l" defTabSz="914400" eaLnBrk="1" hangingPunct="1" latinLnBrk="0" marL="1828800" rtl="0">
-              <a:defRPr sz="1800" kern="1200">
-                <a:solidFill>
-                  <a:srgbClr val="000000"/>
-                </a:solidFill>
-                <a:latin typeface="+mn-lt"/>
-                <a:ea typeface="+mn-ea"/>
-                <a:cs typeface="+mn-cs"/>
-              </a:defRPr>
-            </a:lvl5pPr>
-            <a:lvl6pPr algn="l" defTabSz="914400" eaLnBrk="1" hangingPunct="1" latinLnBrk="0" marL="2286000" rtl="0">
-              <a:defRPr sz="1800" kern="1200">
-                <a:solidFill>
-                  <a:srgbClr val="000000"/>
-                </a:solidFill>
-                <a:latin typeface="+mn-lt"/>
-                <a:ea typeface="+mn-ea"/>
-                <a:cs typeface="+mn-cs"/>
-              </a:defRPr>
-            </a:lvl6pPr>
-            <a:lvl7pPr algn="l" defTabSz="914400" eaLnBrk="1" hangingPunct="1" latinLnBrk="0" marL="2743200" rtl="0">
-              <a:defRPr sz="1800" kern="1200">
-                <a:solidFill>
-                  <a:srgbClr val="000000"/>
-                </a:solidFill>
-                <a:latin typeface="+mn-lt"/>
-                <a:ea typeface="+mn-ea"/>
-                <a:cs typeface="+mn-cs"/>
-              </a:defRPr>
-            </a:lvl7pPr>
-            <a:lvl8pPr algn="l" defTabSz="914400" eaLnBrk="1" hangingPunct="1" latinLnBrk="0" marL="3200400" rtl="0">
-              <a:defRPr sz="1800" kern="1200">
-                <a:solidFill>
-                  <a:srgbClr val="000000"/>
-                </a:solidFill>
-                <a:latin typeface="+mn-lt"/>
-                <a:ea typeface="+mn-ea"/>
-                <a:cs typeface="+mn-cs"/>
-              </a:defRPr>
-            </a:lvl8pPr>
-            <a:lvl9pPr algn="l" defTabSz="914400" eaLnBrk="1" hangingPunct="1" latinLnBrk="0" marL="3657600" rtl="0">
-              <a:defRPr sz="1800" kern="1200">
-                <a:solidFill>
-                  <a:srgbClr val="000000"/>
-                </a:solidFill>
-                <a:latin typeface="+mn-lt"/>
-                <a:ea typeface="+mn-ea"/>
-                <a:cs typeface="+mn-cs"/>
-              </a:defRPr>
-            </a:lvl9pPr>
-          </a:lstStyle>
-          <a:p>
-            <a:pPr algn="l">
-              <a:buFont typeface="Arial" panose="020B0604020202020204" pitchFamily="34" charset="0"/>
-              <a:buChar char="•"/>
-            </a:pPr>
-            <a:endParaRPr b="0" dirty="0" sz="2800" i="0" lang="en-US">
-              <a:solidFill>
-                <a:srgbClr val="0D0D0D"/>
-              </a:solidFill>
-              <a:effectLst/>
-              <a:latin typeface="Times New Roman" panose="02020603050405020304" pitchFamily="18" charset="0"/>
-              <a:cs typeface="Times New Roman" panose="02020603050405020304" pitchFamily="18" charset="0"/>
-            </a:endParaRPr>
-          </a:p>
-          <a:p>
-            <a:r>
-              <a:rPr altLang="en-IN" dirty="0" sz="2800" lang="en-US">
-                <a:latin typeface="Times New Roman" panose="02020603050405020304" pitchFamily="18" charset="0"/>
-                <a:cs typeface="Times New Roman" panose="02020603050405020304" pitchFamily="18" charset="0"/>
-              </a:rPr>
-              <a:t>Web Development Results &amp; Screens</a:t>
-            </a:r>
-            <a:endParaRPr dirty="0" sz="2800" lang="en-IN">
-              <a:latin typeface="Times New Roman" panose="02020603050405020304" pitchFamily="18" charset="0"/>
-              <a:cs typeface="Times New Roman" panose="02020603050405020304" pitchFamily="18" charset="0"/>
-            </a:endParaRPr>
-          </a:p>
-          <a:p>
-            <a:r>
-              <a:rPr altLang="en-IN" dirty="0" sz="2800" lang="en-US">
-                <a:latin typeface="Times New Roman" panose="02020603050405020304" pitchFamily="18" charset="0"/>
-                <a:cs typeface="Times New Roman" panose="02020603050405020304" pitchFamily="18" charset="0"/>
-              </a:rPr>
-              <a:t>Common Screens</a:t>
-            </a:r>
-            <a:endParaRPr dirty="0" sz="2800" lang="en-IN">
-              <a:latin typeface="Times New Roman" panose="02020603050405020304" pitchFamily="18" charset="0"/>
-              <a:cs typeface="Times New Roman" panose="02020603050405020304" pitchFamily="18" charset="0"/>
-            </a:endParaRPr>
-          </a:p>
-          <a:p>
-            <a:r>
-              <a:rPr altLang="en-IN" dirty="0" sz="2800" lang="en-US">
-                <a:latin typeface="Times New Roman" panose="02020603050405020304" pitchFamily="18" charset="0"/>
-                <a:cs typeface="Times New Roman" panose="02020603050405020304" pitchFamily="18" charset="0"/>
-              </a:rPr>
-              <a:t>1. *Homepage*: Entry point, often showcases key content/products.</a:t>
-            </a:r>
-            <a:endParaRPr dirty="0" sz="2800" lang="en-IN">
-              <a:latin typeface="Times New Roman" panose="02020603050405020304" pitchFamily="18" charset="0"/>
-              <a:cs typeface="Times New Roman" panose="02020603050405020304" pitchFamily="18" charset="0"/>
-            </a:endParaRPr>
-          </a:p>
-          <a:p>
-            <a:r>
-              <a:rPr altLang="en-IN" dirty="0" sz="2800" lang="en-US">
-                <a:latin typeface="Times New Roman" panose="02020603050405020304" pitchFamily="18" charset="0"/>
-                <a:cs typeface="Times New Roman" panose="02020603050405020304" pitchFamily="18" charset="0"/>
-              </a:rPr>
-              <a:t>2. *Product Page*: Details of a product (e-commerce).</a:t>
-            </a:r>
-            <a:endParaRPr dirty="0" sz="2800" lang="en-IN">
-              <a:latin typeface="Times New Roman" panose="02020603050405020304" pitchFamily="18" charset="0"/>
-              <a:cs typeface="Times New Roman" panose="02020603050405020304" pitchFamily="18" charset="0"/>
-            </a:endParaRPr>
-          </a:p>
-          <a:p>
-            <a:r>
-              <a:rPr altLang="en-IN" dirty="0" sz="2800" lang="en-US">
-                <a:latin typeface="Times New Roman" panose="02020603050405020304" pitchFamily="18" charset="0"/>
-                <a:cs typeface="Times New Roman" panose="02020603050405020304" pitchFamily="18" charset="0"/>
-              </a:rPr>
-              <a:t>3. *Login/Register*: User authentication screens.</a:t>
-            </a:r>
-            <a:endParaRPr dirty="0" sz="2800" lang="en-IN">
-              <a:latin typeface="Times New Roman" panose="02020603050405020304" pitchFamily="18" charset="0"/>
-              <a:cs typeface="Times New Roman" panose="02020603050405020304" pitchFamily="18" charset="0"/>
-            </a:endParaRPr>
-          </a:p>
-          <a:p>
-            <a:r>
-              <a:rPr altLang="en-IN" dirty="0" sz="2800" lang="en-US">
-                <a:latin typeface="Times New Roman" panose="02020603050405020304" pitchFamily="18" charset="0"/>
-                <a:cs typeface="Times New Roman" panose="02020603050405020304" pitchFamily="18" charset="0"/>
-              </a:rPr>
-              <a:t>4. *Dashboard*: User-specific area post-login.</a:t>
-            </a:r>
-            <a:endParaRPr dirty="0" sz="2800" lang="en-IN">
-              <a:latin typeface="Times New Roman" panose="02020603050405020304" pitchFamily="18" charset="0"/>
-              <a:cs typeface="Times New Roman" panose="02020603050405020304" pitchFamily="18" charset="0"/>
-            </a:endParaRPr>
-          </a:p>
-          <a:p>
-            <a:r>
-              <a:rPr altLang="en-IN" dirty="0" sz="2800" lang="en-US">
-                <a:latin typeface="Times New Roman" panose="02020603050405020304" pitchFamily="18" charset="0"/>
-                <a:cs typeface="Times New Roman" panose="02020603050405020304" pitchFamily="18" charset="0"/>
-              </a:rPr>
-              <a:t>5. *Contact/About*: Info about company/person.</a:t>
-            </a:r>
-            <a:endParaRPr dirty="0" sz="2800" lang="en-IN">
-              <a:latin typeface="Times New Roman" panose="02020603050405020304" pitchFamily="18" charset="0"/>
-              <a:cs typeface="Times New Roman" panose="02020603050405020304" pitchFamily="18" charset="0"/>
-            </a:endParaRPr>
-          </a:p>
-          <a:p>
-            <a:r>
-              <a:rPr altLang="en-IN" dirty="0" sz="2800" lang="en-US">
-                <a:latin typeface="Times New Roman" panose="02020603050405020304" pitchFamily="18" charset="0"/>
-                <a:cs typeface="Times New Roman" panose="02020603050405020304" pitchFamily="18" charset="0"/>
-              </a:rPr>
-              <a:t>Key Results</a:t>
-            </a:r>
-            <a:endParaRPr dirty="0" sz="2800" lang="en-IN">
-              <a:latin typeface="Times New Roman" panose="02020603050405020304" pitchFamily="18" charset="0"/>
-              <a:cs typeface="Times New Roman" panose="02020603050405020304" pitchFamily="18" charset="0"/>
-            </a:endParaRPr>
-          </a:p>
-          <a:p>
-            <a:r>
-              <a:rPr altLang="en-IN" dirty="0" sz="2800" lang="en-US">
-                <a:latin typeface="Times New Roman" panose="02020603050405020304" pitchFamily="18" charset="0"/>
-                <a:cs typeface="Times New Roman" panose="02020603050405020304" pitchFamily="18" charset="0"/>
-              </a:rPr>
-              <a:t>1. *Responsive Layouts*: Adapt to various screen sizes.</a:t>
-            </a:r>
-            <a:endParaRPr dirty="0" sz="2800" lang="en-IN">
-              <a:latin typeface="Times New Roman" panose="02020603050405020304" pitchFamily="18" charset="0"/>
-              <a:cs typeface="Times New Roman" panose="02020603050405020304" pitchFamily="18" charset="0"/>
-            </a:endParaRPr>
-          </a:p>
-          <a:p>
-            <a:r>
-              <a:rPr altLang="en-IN" dirty="0" sz="2800" lang="en-US">
-                <a:latin typeface="Times New Roman" panose="02020603050405020304" pitchFamily="18" charset="0"/>
-                <a:cs typeface="Times New Roman" panose="02020603050405020304" pitchFamily="18" charset="0"/>
-              </a:rPr>
-              <a:t>2. *Interactive Elements*: Buttons, forms reacting to user actions.</a:t>
-            </a:r>
-            <a:endParaRPr dirty="0" sz="2800" lang="en-IN">
-              <a:latin typeface="Times New Roman" panose="02020603050405020304" pitchFamily="18" charset="0"/>
-              <a:cs typeface="Times New Roman" panose="02020603050405020304" pitchFamily="18" charset="0"/>
-            </a:endParaRPr>
-          </a:p>
-          <a:p>
-            <a:r>
-              <a:rPr altLang="en-IN" dirty="0" sz="2800" lang="en-US">
-                <a:latin typeface="Times New Roman" panose="02020603050405020304" pitchFamily="18" charset="0"/>
-                <a:cs typeface="Times New Roman" panose="02020603050405020304" pitchFamily="18" charset="0"/>
-              </a:rPr>
-              <a:t>3. *Dynamic Content*: Updates without full page reload (AJAX, APIs).</a:t>
-            </a:r>
-            <a:endParaRPr dirty="0" sz="2800" lang="en-IN">
-              <a:latin typeface="Times New Roman" panose="02020603050405020304" pitchFamily="18" charset="0"/>
-              <a:cs typeface="Times New Roman" panose="02020603050405020304" pitchFamily="18" charset="0"/>
-            </a:endParaRPr>
-          </a:p>
-          <a:p>
-            <a:r>
-              <a:rPr altLang="en-IN" dirty="0" sz="2800" lang="en-US">
-                <a:latin typeface="Times New Roman" panose="02020603050405020304" pitchFamily="18" charset="0"/>
-                <a:cs typeface="Times New Roman" panose="02020603050405020304" pitchFamily="18" charset="0"/>
-              </a:rPr>
-              <a:t>4. *User Feedback*: Notifications, success/error messages.</a:t>
-            </a:r>
-            <a:endParaRPr dirty="0" sz="2800" lang="en-IN">
-              <a:latin typeface="Times New Roman" panose="02020603050405020304" pitchFamily="18" charset="0"/>
-              <a:cs typeface="Times New Roman" panose="02020603050405020304" pitchFamily="18" charset="0"/>
-            </a:endParaRPr>
-          </a:p>
-          <a:p>
-            <a:r>
-              <a:rPr altLang="en-IN" dirty="0" sz="2800" lang="en-US">
-                <a:latin typeface="Times New Roman" panose="02020603050405020304" pitchFamily="18" charset="0"/>
-                <a:cs typeface="Times New Roman" panose="02020603050405020304" pitchFamily="18" charset="0"/>
-              </a:rPr>
-              <a:t>5. *SEO Optimization*: Pages optimized for search engines.</a:t>
-            </a:r>
-            <a:endParaRPr dirty="0" sz="2800" lang="en-IN">
-              <a:latin typeface="Times New Roman" panose="02020603050405020304" pitchFamily="18" charset="0"/>
-              <a:cs typeface="Times New Roman" panose="02020603050405020304" pitchFamily="18" charset="0"/>
-            </a:endParaRPr>
-          </a:p>
-          <a:p>
-            <a:r>
-              <a:rPr altLang="en-IN" dirty="0" sz="2800" lang="en-US">
-                <a:latin typeface="Times New Roman" panose="02020603050405020304" pitchFamily="18" charset="0"/>
-                <a:cs typeface="Times New Roman" panose="02020603050405020304" pitchFamily="18" charset="0"/>
-              </a:rPr>
-              <a:t>Example Screens</a:t>
-            </a:r>
-            <a:endParaRPr dirty="0" sz="2800" lang="en-IN">
-              <a:latin typeface="Times New Roman" panose="02020603050405020304" pitchFamily="18" charset="0"/>
-              <a:cs typeface="Times New Roman" panose="02020603050405020304" pitchFamily="18" charset="0"/>
-            </a:endParaRPr>
-          </a:p>
-          <a:p>
-            <a:r>
-              <a:rPr altLang="en-IN" dirty="0" sz="2800" lang="en-US">
-                <a:latin typeface="Times New Roman" panose="02020603050405020304" pitchFamily="18" charset="0"/>
-                <a:cs typeface="Times New Roman" panose="02020603050405020304" pitchFamily="18" charset="0"/>
-              </a:rPr>
-              <a:t>1. *Login Screen*: Username/password fields, submit button.</a:t>
-            </a:r>
-            <a:endParaRPr dirty="0" sz="2800" lang="en-IN">
-              <a:latin typeface="Times New Roman" panose="02020603050405020304" pitchFamily="18" charset="0"/>
-              <a:cs typeface="Times New Roman" panose="02020603050405020304" pitchFamily="18" charset="0"/>
-            </a:endParaRPr>
-          </a:p>
-          <a:p>
-            <a:r>
-              <a:rPr altLang="en-IN" dirty="0" sz="2800" lang="en-US">
-                <a:latin typeface="Times New Roman" panose="02020603050405020304" pitchFamily="18" charset="0"/>
-                <a:cs typeface="Times New Roman" panose="02020603050405020304" pitchFamily="18" charset="0"/>
-              </a:rPr>
-              <a:t>2. *Product Listing*: Grid/list of products with images, prices.</a:t>
-            </a:r>
-            <a:endParaRPr dirty="0" sz="2800" lang="en-IN">
-              <a:latin typeface="Times New Roman" panose="02020603050405020304" pitchFamily="18" charset="0"/>
-              <a:cs typeface="Times New Roman" panose="02020603050405020304" pitchFamily="18" charset="0"/>
-            </a:endParaRPr>
-          </a:p>
-          <a:p>
-            <a:r>
-              <a:rPr altLang="en-IN" dirty="0" sz="2800" lang="en-US">
-                <a:latin typeface="Times New Roman" panose="02020603050405020304" pitchFamily="18" charset="0"/>
-                <a:cs typeface="Times New Roman" panose="02020603050405020304" pitchFamily="18" charset="0"/>
-              </a:rPr>
-              <a:t>3. *Checkout Screen*: Payment details, order summary (e-commerce).</a:t>
-            </a:r>
-            <a:endParaRPr dirty="0" sz="2800" lang="en-IN">
-              <a:latin typeface="Times New Roman" panose="02020603050405020304" pitchFamily="18" charset="0"/>
-              <a:cs typeface="Times New Roman" panose="02020603050405020304" pitchFamily="18" charset="0"/>
-            </a:endParaRPr>
-          </a:p>
-          <a:p>
-            <a:r>
-              <a:rPr altLang="en-IN" dirty="0" sz="2800" lang="en-US">
-                <a:latin typeface="Times New Roman" panose="02020603050405020304" pitchFamily="18" charset="0"/>
-                <a:cs typeface="Times New Roman" panose="02020603050405020304" pitchFamily="18" charset="0"/>
-              </a:rPr>
-              <a:t>4. *404 Error Page*: Handles page not found scenarios.</a:t>
-            </a:r>
-            <a:endParaRPr dirty="0" sz="2800" lang="en-IN">
-              <a:latin typeface="Times New Roman" panose="02020603050405020304" pitchFamily="18" charset="0"/>
-              <a:cs typeface="Times New Roman" panose="02020603050405020304" pitchFamily="18" charset="0"/>
-            </a:endParaRPr>
-          </a:p>
-          <a:p>
-            <a:r>
-              <a:rPr altLang="en-IN" dirty="0" sz="2800" lang="en-US">
-                <a:latin typeface="Times New Roman" panose="02020603050405020304" pitchFamily="18" charset="0"/>
-                <a:cs typeface="Times New Roman" panose="02020603050405020304" pitchFamily="18" charset="0"/>
-              </a:rPr>
-              <a:t>Would you like wireframes or examples of specific screens for a web application?</a:t>
-            </a:r>
-            <a:endParaRPr dirty="0" sz="2800" lang="en-IN">
-              <a:latin typeface="Times New Roman" panose="02020603050405020304" pitchFamily="18" charset="0"/>
-              <a:cs typeface="Times New Roman" panose="02020603050405020304" pitchFamily="18" charset="0"/>
-            </a:endParaRPr>
-          </a:p>
-        </p:txBody>
-      </p:sp>
-      <p:sp>
-        <p:nvSpPr>
-          <p:cNvPr id="1048632" name=""/>
-          <p:cNvSpPr txBox="1"/>
-          <p:nvPr/>
-        </p:nvSpPr>
-        <p:spPr>
-          <a:xfrm>
-            <a:off x="2819399" y="1476375"/>
-            <a:ext cx="9126681" cy="5958840"/>
-          </a:xfrm>
-          <a:prstGeom prst="rect"/>
-        </p:spPr>
-        <p:txBody>
-          <a:bodyPr rtlCol="0" wrap="square">
-            <a:spAutoFit/>
-          </a:bodyPr>
-          <a:p>
-            <a:r>
-              <a:rPr altLang="en-IN" sz="2800" lang="en-US">
-                <a:solidFill>
-                  <a:srgbClr val="000000"/>
-                </a:solidFill>
-              </a:rPr>
-              <a:t>Frontend</a:t>
-            </a:r>
-            <a:endParaRPr sz="2800" lang="en-IN">
-              <a:solidFill>
-                <a:srgbClr val="000000"/>
-              </a:solidFill>
-            </a:endParaRPr>
-          </a:p>
-          <a:p>
-            <a:r>
-              <a:rPr altLang="en-IN" sz="2800" lang="en-US">
-                <a:solidFill>
-                  <a:srgbClr val="000000"/>
-                </a:solidFill>
-              </a:rPr>
-              <a:t>1. *Frameworks*: React.js, Angular, Vue.js</a:t>
-            </a:r>
-            <a:endParaRPr sz="2800" lang="en-IN">
-              <a:solidFill>
-                <a:srgbClr val="000000"/>
-              </a:solidFill>
-            </a:endParaRPr>
-          </a:p>
-          <a:p>
-            <a:r>
-              <a:rPr altLang="en-IN" sz="2800" lang="en-US">
-                <a:solidFill>
-                  <a:srgbClr val="000000"/>
-                </a:solidFill>
-              </a:rPr>
-              <a:t>2. *Libraries*: jQuery</a:t>
-            </a:r>
-            <a:endParaRPr sz="2800" lang="en-IN">
-              <a:solidFill>
-                <a:srgbClr val="000000"/>
-              </a:solidFill>
-            </a:endParaRPr>
-          </a:p>
-          <a:p>
-            <a:r>
-              <a:rPr altLang="en-IN" sz="2800" lang="en-US">
-                <a:solidFill>
-                  <a:srgbClr val="000000"/>
-                </a:solidFill>
-              </a:rPr>
-              <a:t>3. *Styling*: CSS3, Sass, Bootstrap, Tailwind CSS</a:t>
-            </a:r>
-            <a:endParaRPr sz="2800" lang="en-IN">
-              <a:solidFill>
-                <a:srgbClr val="000000"/>
-              </a:solidFill>
-            </a:endParaRPr>
-          </a:p>
-          <a:p>
-            <a:r>
-              <a:rPr altLang="en-IN" sz="2800" lang="en-US">
-                <a:solidFill>
-                  <a:srgbClr val="000000"/>
-                </a:solidFill>
-              </a:rPr>
-              <a:t>4. *Build Tools*: Webpack, Vite</a:t>
-            </a:r>
-            <a:endParaRPr sz="2800" lang="en-IN">
-              <a:solidFill>
-                <a:srgbClr val="000000"/>
-              </a:solidFill>
-            </a:endParaRPr>
-          </a:p>
-          <a:p>
-            <a:r>
-              <a:rPr altLang="en-IN" sz="2800" lang="en-US">
-                <a:solidFill>
-                  <a:srgbClr val="000000"/>
-                </a:solidFill>
-              </a:rPr>
-              <a:t>Backend</a:t>
-            </a:r>
-            <a:endParaRPr sz="2800" lang="en-IN">
-              <a:solidFill>
-                <a:srgbClr val="000000"/>
-              </a:solidFill>
-            </a:endParaRPr>
-          </a:p>
-          <a:p>
-            <a:r>
-              <a:rPr altLang="en-IN" sz="2800" lang="en-US">
-                <a:solidFill>
-                  <a:srgbClr val="000000"/>
-                </a:solidFill>
-              </a:rPr>
-              <a:t>1. *Languages*: Node.js (JavaScript), Python, Ruby, PHP</a:t>
-            </a:r>
-            <a:endParaRPr sz="2800" lang="en-IN">
-              <a:solidFill>
-                <a:srgbClr val="000000"/>
-              </a:solidFill>
-            </a:endParaRPr>
-          </a:p>
-          <a:p>
-            <a:r>
-              <a:rPr altLang="en-IN" sz="2800" lang="en-US">
-                <a:solidFill>
-                  <a:srgbClr val="000000"/>
-                </a:solidFill>
-              </a:rPr>
-              <a:t>2. *Frameworks*: Express.js (Node), Django (Python), Rails (Ruby)</a:t>
-            </a:r>
-            <a:endParaRPr sz="2800" lang="en-IN">
-              <a:solidFill>
-                <a:srgbClr val="000000"/>
-              </a:solidFill>
-            </a:endParaRPr>
-          </a:p>
-          <a:p>
-            <a:r>
-              <a:rPr altLang="en-IN" sz="2800" lang="en-US">
-                <a:solidFill>
-                  <a:srgbClr val="000000"/>
-                </a:solidFill>
-              </a:rPr>
-              <a:t>3. *Databases*: MySQL, PostgreSQL, MongoDB</a:t>
-            </a:r>
-            <a:endParaRPr sz="2800" lang="en-IN">
-              <a:solidFill>
-                <a:srgbClr val="000000"/>
-              </a:solidFill>
-            </a:endParaRPr>
-          </a:p>
-          <a:p>
-            <a:r>
-              <a:rPr altLang="en-IN" sz="2800" lang="en-US">
-                <a:solidFill>
-                  <a:srgbClr val="000000"/>
-                </a:solidFill>
-              </a:rPr>
-              <a:t>Tools</a:t>
-            </a:r>
-            <a:endParaRPr sz="2800" lang="en-IN">
-              <a:solidFill>
-                <a:srgbClr val="000000"/>
-              </a:solidFill>
-            </a:endParaRPr>
-          </a:p>
-          <a:p>
-            <a:r>
-              <a:rPr altLang="en-IN" sz="2800" lang="en-US">
-                <a:solidFill>
-                  <a:srgbClr val="000000"/>
-                </a:solidFill>
-              </a:rPr>
-              <a:t>1. *Version Control*: Git (GitHub, GitLab)</a:t>
-            </a:r>
-            <a:endParaRPr sz="2800" lang="en-IN">
-              <a:solidFill>
-                <a:srgbClr val="000000"/>
-              </a:solidFill>
-            </a:endParaRPr>
-          </a:p>
-          <a:p>
-            <a:r>
-              <a:rPr altLang="en-IN" sz="2800" lang="en-US">
-                <a:solidFill>
-                  <a:srgbClr val="000000"/>
-                </a:solidFill>
-              </a:rPr>
-              <a:t>2. *APIs*: REST, GraphQL</a:t>
-            </a:r>
-            <a:endParaRPr sz="2800" lang="en-IN">
-              <a:solidFill>
-                <a:srgbClr val="000000"/>
-              </a:solidFill>
-            </a:endParaRPr>
-          </a:p>
-          <a:p>
-            <a:endParaRPr sz="2800" lang="en-IN">
-              <a:solidFill>
-                <a:srgbClr val="000000"/>
-              </a:solidFill>
-            </a:endParaRPr>
-          </a:p>
-        </p:txBody>
-      </p:sp>
-    </p:spTree>
-  </p:cSld>
-  <p:clrMapOvr>
-    <a:masterClrMapping/>
-  </p:clrMapOvr>
-</p:sld>
-</file>
-
-<file path=ppt/slides/slide7.xml><?xml version="1.0" encoding="utf-8"?>
-<p:sld xmlns:a="http://schemas.openxmlformats.org/drawingml/2006/main" xmlns:r="http://schemas.openxmlformats.org/officeDocument/2006/relationships" xmlns:p="http://schemas.openxmlformats.org/presentationml/2006/main">
-  <p:cSld>
-    <p:spTree>
-      <p:nvGrpSpPr>
-        <p:cNvPr id="23" name=""/>
-        <p:cNvGrpSpPr/>
-        <p:nvPr/>
-      </p:nvGrpSpPr>
-      <p:grpSpPr>
-        <a:xfrm>
-          <a:off x="0" y="0"/>
-          <a:ext cx="0" cy="0"/>
-          <a:chOff x="0" y="0"/>
-          <a:chExt cx="0" cy="0"/>
-        </a:xfrm>
-      </p:grpSpPr>
-      <p:sp>
-        <p:nvSpPr>
-          <p:cNvPr id="1048621" name="object 5"/>
-          <p:cNvSpPr/>
-          <p:nvPr/>
-        </p:nvSpPr>
-        <p:spPr>
-          <a:xfrm>
-            <a:off x="9353550" y="5895975"/>
-            <a:ext cx="180975" cy="180975"/>
-          </a:xfrm>
-          <a:custGeom>
-            <a:avLst/>
-            <a:ahLst/>
-            <a:rect l="l" t="t" r="r" b="b"/>
-            <a:pathLst>
-              <a:path w="180975" h="180975">
-                <a:moveTo>
-                  <a:pt x="180975" y="0"/>
-                </a:moveTo>
-                <a:lnTo>
-                  <a:pt x="0" y="0"/>
-                </a:lnTo>
-                <a:lnTo>
-                  <a:pt x="0" y="180975"/>
-                </a:lnTo>
-                <a:lnTo>
-                  <a:pt x="180975" y="180975"/>
-                </a:lnTo>
-                <a:lnTo>
-                  <a:pt x="180975" y="0"/>
-                </a:lnTo>
-                <a:close/>
-              </a:path>
-            </a:pathLst>
-          </a:custGeom>
-          <a:solidFill>
-            <a:srgbClr val="2D936B"/>
-          </a:solidFill>
-        </p:spPr>
-        <p:txBody>
-          <a:bodyPr bIns="0" lIns="0" rIns="0" rtlCol="0" tIns="0" wrap="square"/>
-          <a:p/>
-        </p:txBody>
-      </p:sp>
-      <p:pic>
-        <p:nvPicPr>
-          <p:cNvPr id="2097154" name="object 6"/>
-          <p:cNvPicPr>
-            <a:picLocks/>
-          </p:cNvPicPr>
-          <p:nvPr/>
-        </p:nvPicPr>
-        <p:blipFill>
-          <a:blip xmlns:r="http://schemas.openxmlformats.org/officeDocument/2006/relationships" r:embed="rId1" cstate="print"/>
-          <a:stretch>
-            <a:fillRect/>
-          </a:stretch>
-        </p:blipFill>
-        <p:spPr>
-          <a:xfrm>
-            <a:off x="1666875" y="6467475"/>
-            <a:ext cx="76200" cy="177800"/>
-          </a:xfrm>
-          <a:prstGeom prst="rect"/>
-        </p:spPr>
-      </p:pic>
-      <p:sp>
-        <p:nvSpPr>
-          <p:cNvPr id="1048622" name="object 9"/>
-          <p:cNvSpPr txBox="1"/>
-          <p:nvPr/>
-        </p:nvSpPr>
-        <p:spPr>
-          <a:xfrm>
-            <a:off x="11277218" y="6473337"/>
-            <a:ext cx="228600" cy="159385"/>
-          </a:xfrm>
-          <a:prstGeom prst="rect"/>
-        </p:spPr>
-        <p:txBody>
-          <a:bodyPr bIns="0" lIns="0" rIns="0" rtlCol="0" tIns="6985" vert="horz" wrap="square">
-            <a:spAutoFit/>
-          </a:bodyPr>
-          <a:p>
-            <a:pPr marL="38100">
-              <a:lnSpc>
-                <a:spcPct val="100000"/>
-              </a:lnSpc>
-              <a:spcBef>
-                <a:spcPts val="55"/>
-              </a:spcBef>
-            </a:pPr>
-            <a:fld id="{81D60167-4931-47E6-BA6A-407CBD079E47}" type="slidenum">
-              <a:rPr dirty="0" sz="1100" spc="10">
-                <a:solidFill>
-                  <a:srgbClr val="2D936B"/>
-                </a:solidFill>
-                <a:latin typeface="Trebuchet MS"/>
-                <a:cs typeface="Trebuchet MS"/>
-              </a:rPr>
+              <a:rPr spc="10" dirty="0"/>
               <a:t>7</a:t>
             </a:fld>
-            <a:endParaRPr sz="1100">
-              <a:latin typeface="Trebuchet MS"/>
-              <a:cs typeface="Trebuchet MS"/>
-            </a:endParaRPr>
-          </a:p>
-        </p:txBody>
-      </p:sp>
-      <p:sp>
-        <p:nvSpPr>
-          <p:cNvPr id="1048623" name="object 8"/>
-          <p:cNvSpPr txBox="1"/>
-          <p:nvPr/>
-        </p:nvSpPr>
-        <p:spPr>
-          <a:xfrm>
-            <a:off x="739775" y="291147"/>
-            <a:ext cx="8794750" cy="584836"/>
-          </a:xfrm>
-          <a:prstGeom prst="rect"/>
-        </p:spPr>
-        <p:txBody>
-          <a:bodyPr bIns="0" lIns="0" rIns="0" rtlCol="0" tIns="13335" vert="horz" wrap="square">
-            <a:spAutoFit/>
-          </a:bodyPr>
-          <a:p>
-            <a:pPr marL="12700">
-              <a:lnSpc>
-                <a:spcPct val="100000"/>
-              </a:lnSpc>
-              <a:spcBef>
-                <a:spcPts val="105"/>
-              </a:spcBef>
-            </a:pPr>
-            <a:r>
-              <a:rPr b="1" dirty="0" sz="4000" lang="en-IN" spc="15">
-                <a:latin typeface="Trebuchet MS"/>
-                <a:cs typeface="Trebuchet MS"/>
-              </a:rPr>
-              <a:t>POTFOLIO DESIGN AND LAYOUT</a:t>
-            </a:r>
-            <a:endParaRPr dirty="0" sz="4000">
-              <a:latin typeface="Trebuchet MS"/>
-              <a:cs typeface="Trebuchet MS"/>
-            </a:endParaRPr>
-          </a:p>
-        </p:txBody>
-      </p:sp>
-      <p:sp>
-        <p:nvSpPr>
-          <p:cNvPr id="1048624" name="object 3"/>
-          <p:cNvSpPr/>
-          <p:nvPr/>
-        </p:nvSpPr>
-        <p:spPr>
-          <a:xfrm>
-            <a:off x="10058400" y="525141"/>
-            <a:ext cx="457200" cy="457200"/>
-          </a:xfrm>
-          <a:custGeom>
-            <a:avLst/>
-            <a:ahLst/>
-            <a:rect l="l" t="t" r="r" b="b"/>
-            <a:pathLst>
-              <a:path w="457200" h="457200">
-                <a:moveTo>
-                  <a:pt x="457200" y="0"/>
-                </a:moveTo>
-                <a:lnTo>
-                  <a:pt x="0" y="0"/>
-                </a:lnTo>
-                <a:lnTo>
-                  <a:pt x="0" y="457200"/>
-                </a:lnTo>
-                <a:lnTo>
-                  <a:pt x="457200" y="457200"/>
-                </a:lnTo>
-                <a:lnTo>
-                  <a:pt x="457200" y="0"/>
-                </a:lnTo>
-                <a:close/>
-              </a:path>
-            </a:pathLst>
-          </a:custGeom>
-          <a:solidFill>
-            <a:srgbClr val="42AF51"/>
-          </a:solidFill>
-        </p:spPr>
-        <p:txBody>
-          <a:bodyPr bIns="0" lIns="0" rIns="0" rtlCol="0" tIns="0" wrap="square"/>
-          <a:p/>
-        </p:txBody>
-      </p:sp>
-      <p:sp>
-        <p:nvSpPr>
-          <p:cNvPr id="1048625" name="TextBox 8"/>
-          <p:cNvSpPr txBox="1"/>
-          <p:nvPr/>
-        </p:nvSpPr>
-        <p:spPr>
-          <a:xfrm>
-            <a:off x="739774" y="1322705"/>
-            <a:ext cx="9988745" cy="5958840"/>
-          </a:xfrm>
-          <a:prstGeom prst="rect"/>
-          <a:noFill/>
-        </p:spPr>
-        <p:txBody>
-          <a:bodyPr rtlCol="0" wrap="square">
-            <a:spAutoFit/>
-          </a:bodyPr>
-          <a:lstStyle>
-            <a:defPPr>
-              <a:defRPr lang="en-US"/>
-            </a:defPPr>
-            <a:lvl1pPr algn="l" defTabSz="914400" eaLnBrk="1" hangingPunct="1" latinLnBrk="0" marL="0" rtl="0">
-              <a:defRPr sz="1800" kern="1200">
-                <a:solidFill>
-                  <a:srgbClr val="000000"/>
-                </a:solidFill>
-                <a:latin typeface="+mn-lt"/>
-                <a:ea typeface="+mn-ea"/>
-                <a:cs typeface="+mn-cs"/>
-              </a:defRPr>
-            </a:lvl1pPr>
-            <a:lvl2pPr algn="l" defTabSz="914400" eaLnBrk="1" hangingPunct="1" latinLnBrk="0" marL="457200" rtl="0">
-              <a:defRPr sz="1800" kern="1200">
-                <a:solidFill>
-                  <a:srgbClr val="000000"/>
-                </a:solidFill>
-                <a:latin typeface="+mn-lt"/>
-                <a:ea typeface="+mn-ea"/>
-                <a:cs typeface="+mn-cs"/>
-              </a:defRPr>
-            </a:lvl2pPr>
-            <a:lvl3pPr algn="l" defTabSz="914400" eaLnBrk="1" hangingPunct="1" latinLnBrk="0" marL="914400" rtl="0">
-              <a:defRPr sz="1800" kern="1200">
-                <a:solidFill>
-                  <a:srgbClr val="000000"/>
-                </a:solidFill>
-                <a:latin typeface="+mn-lt"/>
-                <a:ea typeface="+mn-ea"/>
-                <a:cs typeface="+mn-cs"/>
-              </a:defRPr>
-            </a:lvl3pPr>
-            <a:lvl4pPr algn="l" defTabSz="914400" eaLnBrk="1" hangingPunct="1" latinLnBrk="0" marL="1371600" rtl="0">
-              <a:defRPr sz="1800" kern="1200">
-                <a:solidFill>
-                  <a:srgbClr val="000000"/>
-                </a:solidFill>
-                <a:latin typeface="+mn-lt"/>
-                <a:ea typeface="+mn-ea"/>
-                <a:cs typeface="+mn-cs"/>
-              </a:defRPr>
-            </a:lvl4pPr>
-            <a:lvl5pPr algn="l" defTabSz="914400" eaLnBrk="1" hangingPunct="1" latinLnBrk="0" marL="1828800" rtl="0">
-              <a:defRPr sz="1800" kern="1200">
-                <a:solidFill>
-                  <a:srgbClr val="000000"/>
-                </a:solidFill>
-                <a:latin typeface="+mn-lt"/>
-                <a:ea typeface="+mn-ea"/>
-                <a:cs typeface="+mn-cs"/>
-              </a:defRPr>
-            </a:lvl5pPr>
-            <a:lvl6pPr algn="l" defTabSz="914400" eaLnBrk="1" hangingPunct="1" latinLnBrk="0" marL="2286000" rtl="0">
-              <a:defRPr sz="1800" kern="1200">
-                <a:solidFill>
-                  <a:srgbClr val="000000"/>
-                </a:solidFill>
-                <a:latin typeface="+mn-lt"/>
-                <a:ea typeface="+mn-ea"/>
-                <a:cs typeface="+mn-cs"/>
-              </a:defRPr>
-            </a:lvl6pPr>
-            <a:lvl7pPr algn="l" defTabSz="914400" eaLnBrk="1" hangingPunct="1" latinLnBrk="0" marL="2743200" rtl="0">
-              <a:defRPr sz="1800" kern="1200">
-                <a:solidFill>
-                  <a:srgbClr val="000000"/>
-                </a:solidFill>
-                <a:latin typeface="+mn-lt"/>
-                <a:ea typeface="+mn-ea"/>
-                <a:cs typeface="+mn-cs"/>
-              </a:defRPr>
-            </a:lvl7pPr>
-            <a:lvl8pPr algn="l" defTabSz="914400" eaLnBrk="1" hangingPunct="1" latinLnBrk="0" marL="3200400" rtl="0">
-              <a:defRPr sz="1800" kern="1200">
-                <a:solidFill>
-                  <a:srgbClr val="000000"/>
-                </a:solidFill>
-                <a:latin typeface="+mn-lt"/>
-                <a:ea typeface="+mn-ea"/>
-                <a:cs typeface="+mn-cs"/>
-              </a:defRPr>
-            </a:lvl8pPr>
-            <a:lvl9pPr algn="l" defTabSz="914400" eaLnBrk="1" hangingPunct="1" latinLnBrk="0" marL="3657600" rtl="0">
-              <a:defRPr sz="1800" kern="1200">
-                <a:solidFill>
-                  <a:srgbClr val="000000"/>
-                </a:solidFill>
-                <a:latin typeface="+mn-lt"/>
-                <a:ea typeface="+mn-ea"/>
-                <a:cs typeface="+mn-cs"/>
-              </a:defRPr>
-            </a:lvl9pPr>
-          </a:lstStyle>
-          <a:p>
-            <a:r>
-              <a:rPr altLang="en-IN" b="0" dirty="0" sz="2800" i="0" lang="en-US">
-                <a:solidFill>
-                  <a:srgbClr val="0D0D0D"/>
-                </a:solidFill>
-                <a:effectLst/>
-                <a:latin typeface="Times New Roman" panose="02020603050405020304" pitchFamily="18" charset="0"/>
-                <a:cs typeface="Times New Roman" panose="02020603050405020304" pitchFamily="18" charset="0"/>
-              </a:rPr>
-              <a:t>K</a:t>
-            </a:r>
-            <a:r>
-              <a:rPr altLang="en-IN" b="0" dirty="0" sz="2800" i="0" lang="en-US">
-                <a:solidFill>
-                  <a:srgbClr val="0D0D0D"/>
-                </a:solidFill>
-                <a:effectLst/>
-                <a:latin typeface="Times New Roman" panose="02020603050405020304" pitchFamily="18" charset="0"/>
-                <a:cs typeface="Times New Roman" panose="02020603050405020304" pitchFamily="18" charset="0"/>
-              </a:rPr>
-              <a:t>e</a:t>
-            </a:r>
-            <a:r>
-              <a:rPr altLang="en-IN" b="0" dirty="0" sz="2800" i="0" lang="en-US">
-                <a:solidFill>
-                  <a:srgbClr val="0D0D0D"/>
-                </a:solidFill>
-                <a:effectLst/>
-                <a:latin typeface="Times New Roman" panose="02020603050405020304" pitchFamily="18" charset="0"/>
-                <a:cs typeface="Times New Roman" panose="02020603050405020304" pitchFamily="18" charset="0"/>
-              </a:rPr>
-              <a:t>y</a:t>
-            </a:r>
-            <a:r>
-              <a:rPr altLang="en-IN" b="0" dirty="0" sz="2800" i="0" lang="en-US">
-                <a:solidFill>
-                  <a:srgbClr val="0D0D0D"/>
-                </a:solidFill>
-                <a:effectLst/>
-                <a:latin typeface="Times New Roman" panose="02020603050405020304" pitchFamily="18" charset="0"/>
-                <a:cs typeface="Times New Roman" panose="02020603050405020304" pitchFamily="18" charset="0"/>
-              </a:rPr>
-              <a:t>s</a:t>
-            </a:r>
-            <a:r>
-              <a:rPr altLang="en-IN" b="0" dirty="0" sz="2800" i="0" lang="en-US">
-                <a:solidFill>
-                  <a:srgbClr val="0D0D0D"/>
-                </a:solidFill>
-                <a:effectLst/>
-                <a:latin typeface="Times New Roman" panose="02020603050405020304" pitchFamily="18" charset="0"/>
-                <a:cs typeface="Times New Roman" panose="02020603050405020304" pitchFamily="18" charset="0"/>
-              </a:rPr>
-              <a:t>Elements</a:t>
-            </a:r>
-            <a:endParaRPr dirty="0" sz="2800" lang="en-IN">
-              <a:latin typeface="Times New Roman" panose="02020603050405020304" pitchFamily="18" charset="0"/>
-              <a:cs typeface="Times New Roman" panose="02020603050405020304" pitchFamily="18" charset="0"/>
-            </a:endParaRPr>
-          </a:p>
-          <a:p>
-            <a:r>
-              <a:rPr altLang="en-IN" b="0" dirty="0" sz="2800" i="0" lang="en-US">
-                <a:solidFill>
-                  <a:srgbClr val="0D0D0D"/>
-                </a:solidFill>
-                <a:effectLst/>
-                <a:latin typeface="Times New Roman" panose="02020603050405020304" pitchFamily="18" charset="0"/>
-                <a:cs typeface="Times New Roman" panose="02020603050405020304" pitchFamily="18" charset="0"/>
-              </a:rPr>
-              <a:t>1. *Homepage*: Brief intro, showcase projects.</a:t>
-            </a:r>
-            <a:endParaRPr dirty="0" sz="2800" lang="en-IN">
-              <a:latin typeface="Times New Roman" panose="02020603050405020304" pitchFamily="18" charset="0"/>
-              <a:cs typeface="Times New Roman" panose="02020603050405020304" pitchFamily="18" charset="0"/>
-            </a:endParaRPr>
-          </a:p>
-          <a:p>
-            <a:r>
-              <a:rPr altLang="en-IN" b="0" dirty="0" sz="2800" i="0" lang="en-US">
-                <a:solidFill>
-                  <a:srgbClr val="0D0D0D"/>
-                </a:solidFill>
-                <a:effectLst/>
-                <a:latin typeface="Times New Roman" panose="02020603050405020304" pitchFamily="18" charset="0"/>
-                <a:cs typeface="Times New Roman" panose="02020603050405020304" pitchFamily="18" charset="0"/>
-              </a:rPr>
-              <a:t>2. *Projects Section*: Grid/layout of projects with images, descriptions.</a:t>
-            </a:r>
-            <a:endParaRPr dirty="0" sz="2800" lang="en-IN">
-              <a:latin typeface="Times New Roman" panose="02020603050405020304" pitchFamily="18" charset="0"/>
-              <a:cs typeface="Times New Roman" panose="02020603050405020304" pitchFamily="18" charset="0"/>
-            </a:endParaRPr>
-          </a:p>
-          <a:p>
-            <a:r>
-              <a:rPr altLang="en-IN" b="0" dirty="0" sz="2800" i="0" lang="en-US">
-                <a:solidFill>
-                  <a:srgbClr val="0D0D0D"/>
-                </a:solidFill>
-                <a:effectLst/>
-                <a:latin typeface="Times New Roman" panose="02020603050405020304" pitchFamily="18" charset="0"/>
-                <a:cs typeface="Times New Roman" panose="02020603050405020304" pitchFamily="18" charset="0"/>
-              </a:rPr>
-              <a:t>3. *About Me*: Skills, experience, background.</a:t>
-            </a:r>
-            <a:endParaRPr dirty="0" sz="2800" lang="en-IN">
-              <a:latin typeface="Times New Roman" panose="02020603050405020304" pitchFamily="18" charset="0"/>
-              <a:cs typeface="Times New Roman" panose="02020603050405020304" pitchFamily="18" charset="0"/>
-            </a:endParaRPr>
-          </a:p>
-          <a:p>
-            <a:r>
-              <a:rPr altLang="en-IN" b="0" dirty="0" sz="2800" i="0" lang="en-US">
-                <a:solidFill>
-                  <a:srgbClr val="0D0D0D"/>
-                </a:solidFill>
-                <a:effectLst/>
-                <a:latin typeface="Times New Roman" panose="02020603050405020304" pitchFamily="18" charset="0"/>
-                <a:cs typeface="Times New Roman" panose="02020603050405020304" pitchFamily="18" charset="0"/>
-              </a:rPr>
-              <a:t>4. *Contact*: Email, social links, contact form.</a:t>
-            </a:r>
-            <a:endParaRPr dirty="0" sz="2800" lang="en-IN">
-              <a:latin typeface="Times New Roman" panose="02020603050405020304" pitchFamily="18" charset="0"/>
-              <a:cs typeface="Times New Roman" panose="02020603050405020304" pitchFamily="18" charset="0"/>
-            </a:endParaRPr>
-          </a:p>
-          <a:p>
-            <a:r>
-              <a:rPr altLang="en-IN" b="0" dirty="0" sz="2800" i="0" lang="en-US">
-                <a:solidFill>
-                  <a:srgbClr val="0D0D0D"/>
-                </a:solidFill>
-                <a:effectLst/>
-                <a:latin typeface="Times New Roman" panose="02020603050405020304" pitchFamily="18" charset="0"/>
-                <a:cs typeface="Times New Roman" panose="02020603050405020304" pitchFamily="18" charset="0"/>
-              </a:rPr>
-              <a:t>5. *Responsive Design*: Works on desktop, tablet, mobile.</a:t>
-            </a:r>
-            <a:endParaRPr dirty="0" sz="2800" lang="en-IN">
-              <a:latin typeface="Times New Roman" panose="02020603050405020304" pitchFamily="18" charset="0"/>
-              <a:cs typeface="Times New Roman" panose="02020603050405020304" pitchFamily="18" charset="0"/>
-            </a:endParaRPr>
-          </a:p>
-          <a:p>
-            <a:r>
-              <a:rPr altLang="en-IN" b="0" dirty="0" sz="2800" i="0" lang="en-US">
-                <a:solidFill>
-                  <a:srgbClr val="0D0D0D"/>
-                </a:solidFill>
-                <a:effectLst/>
-                <a:latin typeface="Times New Roman" panose="02020603050405020304" pitchFamily="18" charset="0"/>
-                <a:cs typeface="Times New Roman" panose="02020603050405020304" pitchFamily="18" charset="0"/>
-              </a:rPr>
-              <a:t>Design Considerations</a:t>
-            </a:r>
-            <a:endParaRPr dirty="0" sz="2800" lang="en-IN">
-              <a:latin typeface="Times New Roman" panose="02020603050405020304" pitchFamily="18" charset="0"/>
-              <a:cs typeface="Times New Roman" panose="02020603050405020304" pitchFamily="18" charset="0"/>
-            </a:endParaRPr>
-          </a:p>
-          <a:p>
-            <a:r>
-              <a:rPr altLang="en-IN" b="0" dirty="0" sz="2800" i="0" lang="en-US">
-                <a:solidFill>
-                  <a:srgbClr val="0D0D0D"/>
-                </a:solidFill>
-                <a:effectLst/>
-                <a:latin typeface="Times New Roman" panose="02020603050405020304" pitchFamily="18" charset="0"/>
-                <a:cs typeface="Times New Roman" panose="02020603050405020304" pitchFamily="18" charset="0"/>
-              </a:rPr>
-              <a:t>1. *Clean &amp; Minimal*: Focus on work showcase.</a:t>
-            </a:r>
-            <a:endParaRPr dirty="0" sz="2800" lang="en-IN">
-              <a:latin typeface="Times New Roman" panose="02020603050405020304" pitchFamily="18" charset="0"/>
-              <a:cs typeface="Times New Roman" panose="02020603050405020304" pitchFamily="18" charset="0"/>
-            </a:endParaRPr>
-          </a:p>
-          <a:p>
-            <a:r>
-              <a:rPr altLang="en-IN" b="0" dirty="0" sz="2800" i="0" lang="en-US">
-                <a:solidFill>
-                  <a:srgbClr val="0D0D0D"/>
-                </a:solidFill>
-                <a:effectLst/>
-                <a:latin typeface="Times New Roman" panose="02020603050405020304" pitchFamily="18" charset="0"/>
-                <a:cs typeface="Times New Roman" panose="02020603050405020304" pitchFamily="18" charset="0"/>
-              </a:rPr>
-              <a:t>2. *Typography*: Readable fonts.</a:t>
-            </a:r>
-            <a:endParaRPr dirty="0" sz="2800" lang="en-IN">
-              <a:latin typeface="Times New Roman" panose="02020603050405020304" pitchFamily="18" charset="0"/>
-              <a:cs typeface="Times New Roman" panose="02020603050405020304" pitchFamily="18" charset="0"/>
-            </a:endParaRPr>
-          </a:p>
-          <a:p>
-            <a:r>
-              <a:rPr altLang="en-IN" b="0" dirty="0" sz="2800" i="0" lang="en-US">
-                <a:solidFill>
-                  <a:srgbClr val="0D0D0D"/>
-                </a:solidFill>
-                <a:effectLst/>
-                <a:latin typeface="Times New Roman" panose="02020603050405020304" pitchFamily="18" charset="0"/>
-                <a:cs typeface="Times New Roman" panose="02020603050405020304" pitchFamily="18" charset="0"/>
-              </a:rPr>
-              <a:t>3. *Color Scheme*: Professional, brand-aligned colors.</a:t>
-            </a:r>
-            <a:endParaRPr dirty="0" sz="2800" lang="en-IN">
-              <a:latin typeface="Times New Roman" panose="02020603050405020304" pitchFamily="18" charset="0"/>
-              <a:cs typeface="Times New Roman" panose="02020603050405020304" pitchFamily="18" charset="0"/>
-            </a:endParaRPr>
-          </a:p>
-          <a:p>
-            <a:r>
-              <a:rPr altLang="en-IN" b="0" dirty="0" sz="2800" i="0" lang="en-US">
-                <a:solidFill>
-                  <a:srgbClr val="0D0D0D"/>
-                </a:solidFill>
-                <a:effectLst/>
-                <a:latin typeface="Times New Roman" panose="02020603050405020304" pitchFamily="18" charset="0"/>
-                <a:cs typeface="Times New Roman" panose="02020603050405020304" pitchFamily="18" charset="0"/>
-              </a:rPr>
-              <a:t>4. *Navigation*: Simple, intuitive menu.</a:t>
-            </a:r>
-            <a:endParaRPr dirty="0" sz="2800" lang="en-IN">
-              <a:latin typeface="Times New Roman" panose="02020603050405020304" pitchFamily="18" charset="0"/>
-              <a:cs typeface="Times New Roman" panose="02020603050405020304" pitchFamily="18" charset="0"/>
-            </a:endParaRPr>
-          </a:p>
-          <a:p>
-            <a:r>
-              <a:rPr altLang="en-IN" b="0" dirty="0" sz="2800" i="0" lang="en-US">
-                <a:solidFill>
-                  <a:srgbClr val="0D0D0D"/>
-                </a:solidFill>
-                <a:effectLst/>
-                <a:latin typeface="Times New Roman" panose="02020603050405020304" pitchFamily="18" charset="0"/>
-                <a:cs typeface="Times New Roman" panose="02020603050405020304" pitchFamily="18" charset="0"/>
-              </a:rPr>
-              <a:t>Common Layouts</a:t>
-            </a:r>
-            <a:endParaRPr dirty="0" sz="2800" lang="en-IN">
-              <a:latin typeface="Times New Roman" panose="02020603050405020304" pitchFamily="18" charset="0"/>
-              <a:cs typeface="Times New Roman" panose="02020603050405020304" pitchFamily="18" charset="0"/>
-            </a:endParaRPr>
-          </a:p>
-          <a:p>
-            <a:endParaRPr dirty="0" sz="2800" lang="en-IN">
-              <a:latin typeface="Times New Roman" panose="02020603050405020304" pitchFamily="18" charset="0"/>
-              <a:cs typeface="Times New Roman" panose="02020603050405020304" pitchFamily="18" charset="0"/>
-            </a:endParaRPr>
+            <a:endParaRPr spc="10" dirty="0"/>
           </a:p>
         </p:txBody>
       </p:sp>
@@ -7762,7 +7241,7 @@
   <p:cSld>
     <p:spTree>
       <p:nvGrpSpPr>
-        <p:cNvPr id="21" name=""/>
+        <p:cNvPr id="1" name=""/>
         <p:cNvGrpSpPr/>
         <p:nvPr/>
       </p:nvGrpSpPr>
@@ -7776,203 +7255,212 @@
       </p:grpSpPr>
       <p:sp>
         <p:nvSpPr>
-          <p:cNvPr id="1048611" name="Title 1"/>
-          <p:cNvSpPr>
-            <a:spLocks noGrp="1"/>
-          </p:cNvSpPr>
-          <p:nvPr>
-            <p:ph type="title"/>
-          </p:nvPr>
-        </p:nvSpPr>
-        <p:spPr>
-          <a:xfrm>
-            <a:off x="755332" y="385444"/>
-            <a:ext cx="10681335" cy="723900"/>
-          </a:xfrm>
-        </p:spPr>
-        <p:txBody>
-          <a:bodyPr/>
-          <a:p>
-            <a:r>
-              <a:rPr dirty="0" lang="en-IN"/>
-              <a:t>FEATURES AND FUNCTIONALITY</a:t>
-            </a:r>
-          </a:p>
-        </p:txBody>
-      </p:sp>
-      <p:sp>
-        <p:nvSpPr>
-          <p:cNvPr id="1048612" name=""/>
+          <p:cNvPr id="5" name="object 5"/>
+          <p:cNvSpPr/>
+          <p:nvPr/>
+        </p:nvSpPr>
+        <p:spPr>
+          <a:xfrm>
+            <a:off x="9353550" y="5895975"/>
+            <a:ext cx="180975" cy="180975"/>
+          </a:xfrm>
+          <a:custGeom>
+            <a:avLst/>
+            <a:gdLst/>
+            <a:ahLst/>
+            <a:cxnLst/>
+            <a:rect l="l" t="t" r="r" b="b"/>
+            <a:pathLst>
+              <a:path w="180975" h="180975">
+                <a:moveTo>
+                  <a:pt x="180975" y="0"/>
+                </a:moveTo>
+                <a:lnTo>
+                  <a:pt x="0" y="0"/>
+                </a:lnTo>
+                <a:lnTo>
+                  <a:pt x="0" y="180975"/>
+                </a:lnTo>
+                <a:lnTo>
+                  <a:pt x="180975" y="180975"/>
+                </a:lnTo>
+                <a:lnTo>
+                  <a:pt x="180975" y="0"/>
+                </a:lnTo>
+                <a:close/>
+              </a:path>
+            </a:pathLst>
+          </a:custGeom>
+          <a:solidFill>
+            <a:srgbClr val="2D936B"/>
+          </a:solidFill>
+        </p:spPr>
+        <p:txBody>
+          <a:bodyPr wrap="square" lIns="0" tIns="0" rIns="0" bIns="0" rtlCol="0"/>
+          <a:lstStyle/>
+          <a:p>
+            <a:endParaRPr/>
+          </a:p>
+        </p:txBody>
+      </p:sp>
+      <p:pic>
+        <p:nvPicPr>
+          <p:cNvPr id="6" name="object 6"/>
+          <p:cNvPicPr/>
+          <p:nvPr/>
+        </p:nvPicPr>
+        <p:blipFill>
+          <a:blip r:embed="rId2" cstate="print"/>
+          <a:stretch>
+            <a:fillRect/>
+          </a:stretch>
+        </p:blipFill>
+        <p:spPr>
+          <a:xfrm>
+            <a:off x="1666875" y="6467475"/>
+            <a:ext cx="76200" cy="177800"/>
+          </a:xfrm>
+          <a:prstGeom prst="rect">
+            <a:avLst/>
+          </a:prstGeom>
+        </p:spPr>
+      </p:pic>
+      <p:sp>
+        <p:nvSpPr>
+          <p:cNvPr id="9" name="object 9"/>
           <p:cNvSpPr txBox="1"/>
           <p:nvPr/>
         </p:nvSpPr>
         <p:spPr>
           <a:xfrm>
-            <a:off x="3810000" y="3251200"/>
-            <a:ext cx="4572000" cy="485140"/>
-          </a:xfrm>
-          <a:prstGeom prst="rect"/>
-        </p:spPr>
-        <p:txBody>
-          <a:bodyPr rtlCol="0" wrap="square">
+            <a:off x="11277218" y="6473337"/>
+            <a:ext cx="228600" cy="191770"/>
+          </a:xfrm>
+          <a:prstGeom prst="rect">
+            <a:avLst/>
+          </a:prstGeom>
+        </p:spPr>
+        <p:txBody>
+          <a:bodyPr vert="horz" wrap="square" lIns="0" tIns="6985" rIns="0" bIns="0" rtlCol="0">
             <a:spAutoFit/>
           </a:bodyPr>
-          <a:p>
-            <a:endParaRPr sz="2800" lang="en-IN">
-              <a:solidFill>
-                <a:srgbClr val="000000"/>
-              </a:solidFill>
+          <a:lstStyle/>
+          <a:p>
+            <a:pPr marL="38100">
+              <a:lnSpc>
+                <a:spcPct val="100000"/>
+              </a:lnSpc>
+              <a:spcBef>
+                <a:spcPts val="55"/>
+              </a:spcBef>
+            </a:pPr>
+            <a:fld id="{81D60167-4931-47E6-BA6A-407CBD079E47}" type="slidenum">
+              <a:rPr sz="1100" spc="10" dirty="0">
+                <a:solidFill>
+                  <a:srgbClr val="2D936B"/>
+                </a:solidFill>
+                <a:latin typeface="Trebuchet MS"/>
+                <a:cs typeface="Trebuchet MS"/>
+              </a:rPr>
+              <a:t>8</a:t>
+            </a:fld>
+            <a:endParaRPr sz="1100">
+              <a:latin typeface="Trebuchet MS"/>
+              <a:cs typeface="Trebuchet MS"/>
             </a:endParaRPr>
           </a:p>
         </p:txBody>
       </p:sp>
       <p:sp>
         <p:nvSpPr>
-          <p:cNvPr id="1048613" name=""/>
+          <p:cNvPr id="8" name="object 8"/>
           <p:cNvSpPr txBox="1"/>
           <p:nvPr/>
         </p:nvSpPr>
         <p:spPr>
           <a:xfrm>
-            <a:off x="3810000" y="3251200"/>
-            <a:ext cx="4572000" cy="485140"/>
-          </a:xfrm>
-          <a:prstGeom prst="rect"/>
-        </p:spPr>
-        <p:txBody>
-          <a:bodyPr rtlCol="0" wrap="square">
+            <a:off x="739775" y="291147"/>
+            <a:ext cx="8794750" cy="629018"/>
+          </a:xfrm>
+          <a:prstGeom prst="rect">
+            <a:avLst/>
+          </a:prstGeom>
+        </p:spPr>
+        <p:txBody>
+          <a:bodyPr vert="horz" wrap="square" lIns="0" tIns="13335" rIns="0" bIns="0" rtlCol="0">
             <a:spAutoFit/>
           </a:bodyPr>
-          <a:p>
-            <a:endParaRPr sz="2800" lang="en-IN">
-              <a:solidFill>
-                <a:srgbClr val="000000"/>
-              </a:solidFill>
+          <a:lstStyle/>
+          <a:p>
+            <a:pPr marL="12700">
+              <a:lnSpc>
+                <a:spcPct val="100000"/>
+              </a:lnSpc>
+              <a:spcBef>
+                <a:spcPts val="105"/>
+              </a:spcBef>
+            </a:pPr>
+            <a:r>
+              <a:rPr lang="en-IN" sz="4000" b="1" spc="15" dirty="0">
+                <a:latin typeface="Trebuchet MS"/>
+                <a:cs typeface="Trebuchet MS"/>
+              </a:rPr>
+              <a:t>POTFOLIO DESIGN AND LAYOUT</a:t>
+            </a:r>
+            <a:endParaRPr sz="4000" dirty="0">
+              <a:latin typeface="Trebuchet MS"/>
+              <a:cs typeface="Trebuchet MS"/>
             </a:endParaRPr>
           </a:p>
         </p:txBody>
       </p:sp>
       <p:sp>
         <p:nvSpPr>
-          <p:cNvPr id="1048614" name=""/>
-          <p:cNvSpPr txBox="1"/>
+          <p:cNvPr id="14" name="object 3"/>
+          <p:cNvSpPr/>
           <p:nvPr/>
         </p:nvSpPr>
         <p:spPr>
           <a:xfrm>
-            <a:off x="3810000" y="3251200"/>
-            <a:ext cx="4572000" cy="485140"/>
-          </a:xfrm>
-          <a:prstGeom prst="rect"/>
-        </p:spPr>
-        <p:txBody>
-          <a:bodyPr rtlCol="0" wrap="square">
-            <a:spAutoFit/>
-          </a:bodyPr>
-          <a:p>
-            <a:endParaRPr sz="2800" lang="en-IN">
-              <a:solidFill>
-                <a:srgbClr val="000000"/>
-              </a:solidFill>
-            </a:endParaRPr>
-          </a:p>
-        </p:txBody>
-      </p:sp>
-      <p:sp>
-        <p:nvSpPr>
-          <p:cNvPr id="1048615" name=""/>
-          <p:cNvSpPr txBox="1"/>
-          <p:nvPr/>
-        </p:nvSpPr>
-        <p:spPr>
-          <a:xfrm>
-            <a:off x="755332" y="1319070"/>
-            <a:ext cx="10287000" cy="7216140"/>
-          </a:xfrm>
-          <a:prstGeom prst="rect"/>
-        </p:spPr>
-        <p:txBody>
-          <a:bodyPr rtlCol="0" wrap="square">
-            <a:spAutoFit/>
-          </a:bodyPr>
-          <a:p>
-            <a:r>
-              <a:rPr altLang="en-IN" sz="2800" lang="en-US">
-                <a:solidFill>
-                  <a:srgbClr val="000000"/>
-                </a:solidFill>
-              </a:rPr>
-              <a:t>C</a:t>
-            </a:r>
-            <a:r>
-              <a:rPr altLang="en-IN" sz="2800" lang="en-US">
-                <a:solidFill>
-                  <a:srgbClr val="000000"/>
-                </a:solidFill>
-              </a:rPr>
-              <a:t>o</a:t>
-            </a:r>
-            <a:r>
-              <a:rPr altLang="en-IN" sz="2800" lang="en-US">
-                <a:solidFill>
-                  <a:srgbClr val="000000"/>
-                </a:solidFill>
-              </a:rPr>
-              <a:t>r</a:t>
-            </a:r>
-            <a:r>
-              <a:rPr sz="2800" lang="en-IN">
-                <a:solidFill>
-                  <a:srgbClr val="000000"/>
-                </a:solidFill>
-              </a:rPr>
-              <a:t>Features
-1. *Responsive Design*: Adapts to desktop, tablet, mobile screens.
-2. *User Authentication*: Login, registration, profile management.
-3. *Search Functionality*: Search products, content, users.
-4. *Forms &amp; Data Handling*: Contact forms, data submission, validation.</a:t>
-            </a:r>
-            <a:endParaRPr sz="2800" lang="en-IN">
-              <a:solidFill>
-                <a:srgbClr val="000000"/>
-              </a:solidFill>
-            </a:endParaRPr>
-          </a:p>
-          <a:p>
-            <a:r>
-              <a:rPr altLang="en-IN" sz="2800" lang="en-US">
-                <a:solidFill>
-                  <a:srgbClr val="000000"/>
-                </a:solidFill>
-              </a:rPr>
-              <a:t>5</a:t>
-            </a:r>
-            <a:r>
-              <a:rPr altLang="en-IN" sz="2800" lang="en-US">
-                <a:solidFill>
-                  <a:srgbClr val="000000"/>
-                </a:solidFill>
-              </a:rPr>
-              <a:t>.</a:t>
-            </a:r>
-            <a:r>
-              <a:rPr sz="2800" lang="en-IN">
-                <a:solidFill>
-                  <a:srgbClr val="000000"/>
-                </a:solidFill>
-              </a:rPr>
-              <a:t>*E-commerce Capabilities*: Product catalog, cart, checkout.
-Functionalities
-1. *Interactivity*: Dynamic elements via JavaScript.
-2. *API Integration*: Connect to external services (payment, maps).
-3. *Content Management*: CRUD (Create, Read, Update, Delete) operations.
-</a:t>
-            </a:r>
-            <a:endParaRPr sz="2800" lang="en-IN">
-              <a:solidFill>
-                <a:srgbClr val="000000"/>
-              </a:solidFill>
-            </a:endParaRPr>
+            <a:off x="10058400" y="525141"/>
+            <a:ext cx="457200" cy="457200"/>
+          </a:xfrm>
+          <a:custGeom>
+            <a:avLst/>
+            <a:gdLst/>
+            <a:ahLst/>
+            <a:cxnLst/>
+            <a:rect l="l" t="t" r="r" b="b"/>
+            <a:pathLst>
+              <a:path w="457200" h="457200">
+                <a:moveTo>
+                  <a:pt x="457200" y="0"/>
+                </a:moveTo>
+                <a:lnTo>
+                  <a:pt x="0" y="0"/>
+                </a:lnTo>
+                <a:lnTo>
+                  <a:pt x="0" y="457200"/>
+                </a:lnTo>
+                <a:lnTo>
+                  <a:pt x="457200" y="457200"/>
+                </a:lnTo>
+                <a:lnTo>
+                  <a:pt x="457200" y="0"/>
+                </a:lnTo>
+                <a:close/>
+              </a:path>
+            </a:pathLst>
+          </a:custGeom>
+          <a:solidFill>
+            <a:srgbClr val="42AF51"/>
+          </a:solidFill>
+        </p:spPr>
+        <p:txBody>
+          <a:bodyPr wrap="square" lIns="0" tIns="0" rIns="0" bIns="0" rtlCol="0"/>
+          <a:lstStyle/>
+          <a:p>
+            <a:endParaRPr/>
           </a:p>
         </p:txBody>
       </p:sp>
@@ -7989,7 +7477,7 @@
   <p:cSld>
     <p:spTree>
       <p:nvGrpSpPr>
-        <p:cNvPr id="19" name=""/>
+        <p:cNvPr id="1" name=""/>
         <p:cNvGrpSpPr/>
         <p:nvPr/>
       </p:nvGrpSpPr>
@@ -8003,731 +7491,38 @@
       </p:grpSpPr>
       <p:sp>
         <p:nvSpPr>
-          <p:cNvPr id="1048595" name="object 2"/>
-          <p:cNvSpPr txBox="1"/>
-          <p:nvPr/>
-        </p:nvSpPr>
-        <p:spPr>
-          <a:xfrm>
-            <a:off x="752475" y="6486037"/>
-            <a:ext cx="1773555" cy="166370"/>
-          </a:xfrm>
-          <a:prstGeom prst="rect"/>
-        </p:spPr>
-        <p:txBody>
-          <a:bodyPr bIns="0" lIns="0" rIns="0" rtlCol="0" tIns="0" vert="horz" wrap="square">
-            <a:spAutoFit/>
-          </a:bodyPr>
-          <a:p>
-            <a:pPr>
-              <a:lnSpc>
-                <a:spcPts val="1275"/>
-              </a:lnSpc>
-            </a:pPr>
-            <a:r>
-              <a:rPr dirty="0" sz="1100" spc="20">
-                <a:solidFill>
-                  <a:srgbClr val="2D83C3"/>
-                </a:solidFill>
-                <a:latin typeface="Trebuchet MS"/>
-                <a:cs typeface="Trebuchet MS"/>
-              </a:rPr>
-              <a:t>3/21/202</a:t>
-            </a:r>
-            <a:r>
-              <a:rPr dirty="0" sz="1100" spc="10">
-                <a:solidFill>
-                  <a:srgbClr val="2D83C3"/>
-                </a:solidFill>
-                <a:latin typeface="Trebuchet MS"/>
-                <a:cs typeface="Trebuchet MS"/>
-              </a:rPr>
-              <a:t>4</a:t>
-            </a:r>
-            <a:r>
-              <a:rPr dirty="0" sz="1100">
-                <a:solidFill>
-                  <a:srgbClr val="2D83C3"/>
-                </a:solidFill>
-                <a:latin typeface="Trebuchet MS"/>
-                <a:cs typeface="Trebuchet MS"/>
-              </a:rPr>
-              <a:t> </a:t>
-            </a:r>
-            <a:r>
-              <a:rPr dirty="0" sz="1100" spc="130">
-                <a:solidFill>
-                  <a:srgbClr val="2D83C3"/>
-                </a:solidFill>
-                <a:latin typeface="Trebuchet MS"/>
-                <a:cs typeface="Trebuchet MS"/>
-              </a:rPr>
-              <a:t> </a:t>
-            </a:r>
-            <a:r>
-              <a:rPr b="1" dirty="0" sz="1100" spc="50">
-                <a:solidFill>
-                  <a:srgbClr val="2D83C3"/>
-                </a:solidFill>
-                <a:latin typeface="Trebuchet MS"/>
-                <a:cs typeface="Trebuchet MS"/>
-              </a:rPr>
-              <a:t>A</a:t>
-            </a:r>
-            <a:r>
-              <a:rPr b="1" dirty="0" sz="1100" spc="15">
-                <a:solidFill>
-                  <a:srgbClr val="2D83C3"/>
-                </a:solidFill>
-                <a:latin typeface="Trebuchet MS"/>
-                <a:cs typeface="Trebuchet MS"/>
-              </a:rPr>
-              <a:t>nnu</a:t>
-            </a:r>
-            <a:r>
-              <a:rPr b="1" dirty="0" sz="1100" spc="10">
-                <a:solidFill>
-                  <a:srgbClr val="2D83C3"/>
-                </a:solidFill>
-                <a:latin typeface="Trebuchet MS"/>
-                <a:cs typeface="Trebuchet MS"/>
-              </a:rPr>
-              <a:t>al</a:t>
-            </a:r>
-            <a:r>
-              <a:rPr b="1" dirty="0" sz="1100" spc="-140">
-                <a:solidFill>
-                  <a:srgbClr val="2D83C3"/>
-                </a:solidFill>
-                <a:latin typeface="Trebuchet MS"/>
-                <a:cs typeface="Trebuchet MS"/>
-              </a:rPr>
-              <a:t> </a:t>
-            </a:r>
-            <a:r>
-              <a:rPr b="1" dirty="0" sz="1100">
-                <a:solidFill>
-                  <a:srgbClr val="2D83C3"/>
-                </a:solidFill>
-                <a:latin typeface="Trebuchet MS"/>
-                <a:cs typeface="Trebuchet MS"/>
-              </a:rPr>
-              <a:t>R</a:t>
-            </a:r>
-            <a:r>
-              <a:rPr b="1" dirty="0" sz="1100" spc="35">
-                <a:solidFill>
-                  <a:srgbClr val="2D83C3"/>
-                </a:solidFill>
-                <a:latin typeface="Trebuchet MS"/>
-                <a:cs typeface="Trebuchet MS"/>
-              </a:rPr>
-              <a:t>e</a:t>
-            </a:r>
-            <a:r>
-              <a:rPr b="1" dirty="0" sz="1100" spc="90">
-                <a:solidFill>
-                  <a:srgbClr val="2D83C3"/>
-                </a:solidFill>
-                <a:latin typeface="Trebuchet MS"/>
-                <a:cs typeface="Trebuchet MS"/>
-              </a:rPr>
-              <a:t>v</a:t>
-            </a:r>
-            <a:r>
-              <a:rPr b="1" dirty="0" sz="1100" spc="-35">
-                <a:solidFill>
-                  <a:srgbClr val="2D83C3"/>
-                </a:solidFill>
-                <a:latin typeface="Trebuchet MS"/>
-                <a:cs typeface="Trebuchet MS"/>
-              </a:rPr>
-              <a:t>i</a:t>
-            </a:r>
-            <a:r>
-              <a:rPr b="1" dirty="0" sz="1100" spc="35">
-                <a:solidFill>
-                  <a:srgbClr val="2D83C3"/>
-                </a:solidFill>
-                <a:latin typeface="Trebuchet MS"/>
-                <a:cs typeface="Trebuchet MS"/>
-              </a:rPr>
-              <a:t>e</a:t>
-            </a:r>
-            <a:r>
-              <a:rPr b="1" dirty="0" sz="1100" spc="15">
-                <a:solidFill>
-                  <a:srgbClr val="2D83C3"/>
-                </a:solidFill>
-                <a:latin typeface="Trebuchet MS"/>
-                <a:cs typeface="Trebuchet MS"/>
-              </a:rPr>
-              <a:t>w</a:t>
-            </a:r>
-            <a:endParaRPr sz="1100">
-              <a:latin typeface="Trebuchet MS"/>
-              <a:cs typeface="Trebuchet MS"/>
-            </a:endParaRPr>
-          </a:p>
-        </p:txBody>
-      </p:sp>
-      <p:sp>
-        <p:nvSpPr>
-          <p:cNvPr id="1048596" name="object 3"/>
-          <p:cNvSpPr/>
-          <p:nvPr/>
-        </p:nvSpPr>
-        <p:spPr>
-          <a:xfrm>
-            <a:off x="9353550" y="5362575"/>
-            <a:ext cx="457200" cy="457200"/>
-          </a:xfrm>
-          <a:custGeom>
-            <a:avLst/>
-            <a:ahLst/>
-            <a:rect l="l" t="t" r="r" b="b"/>
-            <a:pathLst>
-              <a:path w="457200" h="457200">
-                <a:moveTo>
-                  <a:pt x="457200" y="0"/>
-                </a:moveTo>
-                <a:lnTo>
-                  <a:pt x="0" y="0"/>
-                </a:lnTo>
-                <a:lnTo>
-                  <a:pt x="0" y="457200"/>
-                </a:lnTo>
-                <a:lnTo>
-                  <a:pt x="457200" y="457200"/>
-                </a:lnTo>
-                <a:lnTo>
-                  <a:pt x="457200" y="0"/>
-                </a:lnTo>
-                <a:close/>
-              </a:path>
-            </a:pathLst>
-          </a:custGeom>
-          <a:solidFill>
-            <a:srgbClr val="42AF51"/>
-          </a:solidFill>
-        </p:spPr>
-        <p:txBody>
-          <a:bodyPr bIns="0" lIns="0" rIns="0" rtlCol="0" tIns="0" wrap="square"/>
-          <a:p/>
-        </p:txBody>
-      </p:sp>
-      <p:sp>
-        <p:nvSpPr>
-          <p:cNvPr id="1048597" name="object 4"/>
-          <p:cNvSpPr/>
-          <p:nvPr/>
-        </p:nvSpPr>
-        <p:spPr>
-          <a:xfrm>
-            <a:off x="6696075" y="1695450"/>
-            <a:ext cx="314325" cy="323850"/>
-          </a:xfrm>
-          <a:custGeom>
-            <a:avLst/>
-            <a:ahLst/>
-            <a:rect l="l" t="t" r="r" b="b"/>
-            <a:pathLst>
-              <a:path w="314325" h="323850">
-                <a:moveTo>
-                  <a:pt x="314325" y="0"/>
-                </a:moveTo>
-                <a:lnTo>
-                  <a:pt x="0" y="0"/>
-                </a:lnTo>
-                <a:lnTo>
-                  <a:pt x="0" y="323850"/>
-                </a:lnTo>
-                <a:lnTo>
-                  <a:pt x="314325" y="323850"/>
-                </a:lnTo>
-                <a:lnTo>
-                  <a:pt x="314325" y="0"/>
-                </a:lnTo>
-                <a:close/>
-              </a:path>
-            </a:pathLst>
-          </a:custGeom>
-          <a:solidFill>
-            <a:srgbClr val="2D83C3"/>
-          </a:solidFill>
-        </p:spPr>
-        <p:txBody>
-          <a:bodyPr bIns="0" lIns="0" rIns="0" rtlCol="0" tIns="0" wrap="square"/>
-          <a:p/>
-        </p:txBody>
-      </p:sp>
-      <p:sp>
-        <p:nvSpPr>
-          <p:cNvPr id="1048598" name="object 5"/>
-          <p:cNvSpPr/>
-          <p:nvPr/>
-        </p:nvSpPr>
-        <p:spPr>
-          <a:xfrm>
-            <a:off x="9353550" y="5895975"/>
-            <a:ext cx="180975" cy="180975"/>
-          </a:xfrm>
-          <a:custGeom>
-            <a:avLst/>
-            <a:ahLst/>
-            <a:rect l="l" t="t" r="r" b="b"/>
-            <a:pathLst>
-              <a:path w="180975" h="180975">
-                <a:moveTo>
-                  <a:pt x="180975" y="0"/>
-                </a:moveTo>
-                <a:lnTo>
-                  <a:pt x="0" y="0"/>
-                </a:lnTo>
-                <a:lnTo>
-                  <a:pt x="0" y="180975"/>
-                </a:lnTo>
-                <a:lnTo>
-                  <a:pt x="180975" y="180975"/>
-                </a:lnTo>
-                <a:lnTo>
-                  <a:pt x="180975" y="0"/>
-                </a:lnTo>
-                <a:close/>
-              </a:path>
-            </a:pathLst>
-          </a:custGeom>
-          <a:solidFill>
-            <a:srgbClr val="2D936B"/>
-          </a:solidFill>
-        </p:spPr>
-        <p:txBody>
-          <a:bodyPr bIns="0" lIns="0" rIns="0" rtlCol="0" tIns="0" wrap="square"/>
-          <a:p/>
-        </p:txBody>
-      </p:sp>
-      <p:pic>
-        <p:nvPicPr>
-          <p:cNvPr id="2097152" name="object 6"/>
-          <p:cNvPicPr>
-            <a:picLocks/>
-          </p:cNvPicPr>
-          <p:nvPr/>
-        </p:nvPicPr>
-        <p:blipFill>
-          <a:blip xmlns:r="http://schemas.openxmlformats.org/officeDocument/2006/relationships" r:embed="rId1" cstate="print"/>
-          <a:stretch>
-            <a:fillRect/>
-          </a:stretch>
-        </p:blipFill>
-        <p:spPr>
-          <a:xfrm>
-            <a:off x="66675" y="3381373"/>
-            <a:ext cx="2466975" cy="3419475"/>
-          </a:xfrm>
-          <a:prstGeom prst="rect"/>
-        </p:spPr>
-      </p:pic>
-      <p:sp>
-        <p:nvSpPr>
-          <p:cNvPr id="1048599" name="object 7"/>
-          <p:cNvSpPr txBox="1">
+          <p:cNvPr id="2" name="Title 1">
+            <a:extLst>
+              <a:ext uri="{FF2B5EF4-FFF2-40B4-BE49-F238E27FC236}">
+                <a16:creationId xmlns:a16="http://schemas.microsoft.com/office/drawing/2014/main" id="{6E06195E-16D6-79D8-7A9F-F8EB1FE9E212}"/>
+              </a:ext>
+            </a:extLst>
+          </p:cNvPr>
+          <p:cNvSpPr>
             <a:spLocks noGrp="1"/>
           </p:cNvSpPr>
           <p:nvPr>
             <p:ph type="title"/>
           </p:nvPr>
         </p:nvSpPr>
-        <p:spPr>
-          <a:xfrm>
-            <a:off x="739775" y="654938"/>
-            <a:ext cx="8480425" cy="638810"/>
-          </a:xfrm>
-          <a:prstGeom prst="rect"/>
-        </p:spPr>
-        <p:txBody>
-          <a:bodyPr bIns="0" lIns="0" rIns="0" rtlCol="0" tIns="16510" vert="horz" wrap="square">
-            <a:spAutoFit/>
-          </a:bodyPr>
-          <a:p>
-            <a:pPr marL="12700">
-              <a:lnSpc>
-                <a:spcPct val="100000"/>
-              </a:lnSpc>
-              <a:spcBef>
-                <a:spcPts val="130"/>
-              </a:spcBef>
-            </a:pPr>
-            <a:r>
-              <a:rPr dirty="0" sz="4250" lang="en-IN" spc="15"/>
-              <a:t>RESULTS AND SCREENSHOTS</a:t>
-            </a:r>
-            <a:endParaRPr dirty="0" sz="4250"/>
-          </a:p>
-        </p:txBody>
-      </p:sp>
-      <p:sp>
-        <p:nvSpPr>
-          <p:cNvPr id="1048600" name="object 8"/>
-          <p:cNvSpPr txBox="1"/>
-          <p:nvPr/>
-        </p:nvSpPr>
-        <p:spPr>
-          <a:xfrm>
-            <a:off x="11277218" y="6473337"/>
-            <a:ext cx="228600" cy="159385"/>
-          </a:xfrm>
-          <a:prstGeom prst="rect"/>
-        </p:spPr>
-        <p:txBody>
-          <a:bodyPr bIns="0" lIns="0" rIns="0" rtlCol="0" tIns="6985" vert="horz" wrap="square">
-            <a:spAutoFit/>
-          </a:bodyPr>
-          <a:p>
-            <a:pPr marL="38100">
-              <a:lnSpc>
-                <a:spcPct val="100000"/>
-              </a:lnSpc>
-              <a:spcBef>
-                <a:spcPts val="55"/>
-              </a:spcBef>
-            </a:pPr>
-            <a:fld id="{81D60167-4931-47E6-BA6A-407CBD079E47}" type="slidenum">
-              <a:rPr dirty="0" sz="1100" spc="10">
-                <a:solidFill>
-                  <a:srgbClr val="2D936B"/>
-                </a:solidFill>
-                <a:latin typeface="Trebuchet MS"/>
-                <a:cs typeface="Trebuchet MS"/>
-              </a:rPr>
-              <a:t>9</a:t>
-            </a:fld>
-            <a:endParaRPr sz="1100">
-              <a:latin typeface="Trebuchet MS"/>
-              <a:cs typeface="Trebuchet MS"/>
-            </a:endParaRPr>
-          </a:p>
-        </p:txBody>
-      </p:sp>
-      <p:sp>
-        <p:nvSpPr>
-          <p:cNvPr id="1048601" name="TextBox 8"/>
-          <p:cNvSpPr txBox="1"/>
-          <p:nvPr/>
-        </p:nvSpPr>
-        <p:spPr>
-          <a:xfrm>
-            <a:off x="2743200" y="2354703"/>
-            <a:ext cx="8534018" cy="929640"/>
-          </a:xfrm>
-          <a:prstGeom prst="rect"/>
-          <a:noFill/>
-        </p:spPr>
-        <p:txBody>
-          <a:bodyPr rtlCol="0" wrap="square">
-            <a:spAutoFit/>
-          </a:bodyPr>
-          <a:p>
-            <a:pPr algn="l">
-              <a:buFont typeface="Arial" panose="020B0604020202020204" pitchFamily="34" charset="0"/>
-              <a:buChar char="•"/>
-            </a:pPr>
-            <a:endParaRPr b="0" dirty="0" sz="2800" i="0" lang="en-US">
-              <a:solidFill>
-                <a:srgbClr val="0D0D0D"/>
-              </a:solidFill>
-              <a:effectLst/>
-              <a:latin typeface="Times New Roman" panose="02020603050405020304" pitchFamily="18" charset="0"/>
-              <a:cs typeface="Times New Roman" panose="02020603050405020304" pitchFamily="18" charset="0"/>
-            </a:endParaRPr>
-          </a:p>
-          <a:p>
-            <a:endParaRPr dirty="0" sz="2800" lang="en-IN">
-              <a:latin typeface="Times New Roman" panose="02020603050405020304" pitchFamily="18" charset="0"/>
-              <a:cs typeface="Times New Roman" panose="02020603050405020304" pitchFamily="18" charset="0"/>
-            </a:endParaRPr>
-          </a:p>
-        </p:txBody>
-      </p:sp>
-      <p:sp>
-        <p:nvSpPr>
-          <p:cNvPr id="1048602" name="TextBox 8"/>
-          <p:cNvSpPr txBox="1"/>
-          <p:nvPr/>
-        </p:nvSpPr>
-        <p:spPr>
-          <a:xfrm>
-            <a:off x="2268090" y="1442866"/>
-            <a:ext cx="9923910" cy="510540"/>
-          </a:xfrm>
-          <a:prstGeom prst="rect"/>
-          <a:noFill/>
-        </p:spPr>
-        <p:txBody>
-          <a:bodyPr rtlCol="0" wrap="square">
-            <a:spAutoFit/>
-          </a:bodyPr>
-          <a:lstStyle>
-            <a:defPPr>
-              <a:defRPr lang="en-US"/>
-            </a:defPPr>
-            <a:lvl1pPr algn="l" defTabSz="914400" eaLnBrk="1" hangingPunct="1" latinLnBrk="0" marL="0" rtl="0">
-              <a:defRPr sz="1800" kern="1200">
-                <a:solidFill>
-                  <a:srgbClr val="000000"/>
-                </a:solidFill>
-                <a:latin typeface="+mn-lt"/>
-                <a:ea typeface="+mn-ea"/>
-                <a:cs typeface="+mn-cs"/>
-              </a:defRPr>
-            </a:lvl1pPr>
-            <a:lvl2pPr algn="l" defTabSz="914400" eaLnBrk="1" hangingPunct="1" latinLnBrk="0" marL="457200" rtl="0">
-              <a:defRPr sz="1800" kern="1200">
-                <a:solidFill>
-                  <a:srgbClr val="000000"/>
-                </a:solidFill>
-                <a:latin typeface="+mn-lt"/>
-                <a:ea typeface="+mn-ea"/>
-                <a:cs typeface="+mn-cs"/>
-              </a:defRPr>
-            </a:lvl2pPr>
-            <a:lvl3pPr algn="l" defTabSz="914400" eaLnBrk="1" hangingPunct="1" latinLnBrk="0" marL="914400" rtl="0">
-              <a:defRPr sz="1800" kern="1200">
-                <a:solidFill>
-                  <a:srgbClr val="000000"/>
-                </a:solidFill>
-                <a:latin typeface="+mn-lt"/>
-                <a:ea typeface="+mn-ea"/>
-                <a:cs typeface="+mn-cs"/>
-              </a:defRPr>
-            </a:lvl3pPr>
-            <a:lvl4pPr algn="l" defTabSz="914400" eaLnBrk="1" hangingPunct="1" latinLnBrk="0" marL="1371600" rtl="0">
-              <a:defRPr sz="1800" kern="1200">
-                <a:solidFill>
-                  <a:srgbClr val="000000"/>
-                </a:solidFill>
-                <a:latin typeface="+mn-lt"/>
-                <a:ea typeface="+mn-ea"/>
-                <a:cs typeface="+mn-cs"/>
-              </a:defRPr>
-            </a:lvl4pPr>
-            <a:lvl5pPr algn="l" defTabSz="914400" eaLnBrk="1" hangingPunct="1" latinLnBrk="0" marL="1828800" rtl="0">
-              <a:defRPr sz="1800" kern="1200">
-                <a:solidFill>
-                  <a:srgbClr val="000000"/>
-                </a:solidFill>
-                <a:latin typeface="+mn-lt"/>
-                <a:ea typeface="+mn-ea"/>
-                <a:cs typeface="+mn-cs"/>
-              </a:defRPr>
-            </a:lvl5pPr>
-            <a:lvl6pPr algn="l" defTabSz="914400" eaLnBrk="1" hangingPunct="1" latinLnBrk="0" marL="2286000" rtl="0">
-              <a:defRPr sz="1800" kern="1200">
-                <a:solidFill>
-                  <a:srgbClr val="000000"/>
-                </a:solidFill>
-                <a:latin typeface="+mn-lt"/>
-                <a:ea typeface="+mn-ea"/>
-                <a:cs typeface="+mn-cs"/>
-              </a:defRPr>
-            </a:lvl6pPr>
-            <a:lvl7pPr algn="l" defTabSz="914400" eaLnBrk="1" hangingPunct="1" latinLnBrk="0" marL="2743200" rtl="0">
-              <a:defRPr sz="1800" kern="1200">
-                <a:solidFill>
-                  <a:srgbClr val="000000"/>
-                </a:solidFill>
-                <a:latin typeface="+mn-lt"/>
-                <a:ea typeface="+mn-ea"/>
-                <a:cs typeface="+mn-cs"/>
-              </a:defRPr>
-            </a:lvl7pPr>
-            <a:lvl8pPr algn="l" defTabSz="914400" eaLnBrk="1" hangingPunct="1" latinLnBrk="0" marL="3200400" rtl="0">
-              <a:defRPr sz="1800" kern="1200">
-                <a:solidFill>
-                  <a:srgbClr val="000000"/>
-                </a:solidFill>
-                <a:latin typeface="+mn-lt"/>
-                <a:ea typeface="+mn-ea"/>
-                <a:cs typeface="+mn-cs"/>
-              </a:defRPr>
-            </a:lvl8pPr>
-            <a:lvl9pPr algn="l" defTabSz="914400" eaLnBrk="1" hangingPunct="1" latinLnBrk="0" marL="3657600" rtl="0">
-              <a:defRPr sz="1800" kern="1200">
-                <a:solidFill>
-                  <a:srgbClr val="000000"/>
-                </a:solidFill>
-                <a:latin typeface="+mn-lt"/>
-                <a:ea typeface="+mn-ea"/>
-                <a:cs typeface="+mn-cs"/>
-              </a:defRPr>
-            </a:lvl9pPr>
-          </a:lstStyle>
-          <a:p>
-            <a:endParaRPr dirty="0" sz="2800" lang="en-IN">
-              <a:latin typeface="Times New Roman" panose="02020603050405020304" pitchFamily="18" charset="0"/>
-              <a:cs typeface="Times New Roman" panose="02020603050405020304" pitchFamily="18" charset="0"/>
-            </a:endParaRPr>
-          </a:p>
-        </p:txBody>
-      </p:sp>
-      <p:sp>
-        <p:nvSpPr>
-          <p:cNvPr id="1048603" name="TextBox 8"/>
-          <p:cNvSpPr txBox="1"/>
-          <p:nvPr/>
-        </p:nvSpPr>
-        <p:spPr>
-          <a:xfrm>
-            <a:off x="3109430" y="3428999"/>
-            <a:ext cx="10555679" cy="929639"/>
-          </a:xfrm>
-          <a:prstGeom prst="rect"/>
-          <a:noFill/>
-        </p:spPr>
-        <p:txBody>
-          <a:bodyPr rtlCol="0" wrap="square">
-            <a:spAutoFit/>
-          </a:bodyPr>
-          <a:lstStyle>
-            <a:defPPr>
-              <a:defRPr lang="en-US"/>
-            </a:defPPr>
-            <a:lvl1pPr algn="l" defTabSz="914400" eaLnBrk="1" hangingPunct="1" latinLnBrk="0" marL="0" rtl="0">
-              <a:defRPr sz="1800" kern="1200">
-                <a:solidFill>
-                  <a:srgbClr val="000000"/>
-                </a:solidFill>
-                <a:latin typeface="+mn-lt"/>
-                <a:ea typeface="+mn-ea"/>
-                <a:cs typeface="+mn-cs"/>
-              </a:defRPr>
-            </a:lvl1pPr>
-            <a:lvl2pPr algn="l" defTabSz="914400" eaLnBrk="1" hangingPunct="1" latinLnBrk="0" marL="457200" rtl="0">
-              <a:defRPr sz="1800" kern="1200">
-                <a:solidFill>
-                  <a:srgbClr val="000000"/>
-                </a:solidFill>
-                <a:latin typeface="+mn-lt"/>
-                <a:ea typeface="+mn-ea"/>
-                <a:cs typeface="+mn-cs"/>
-              </a:defRPr>
-            </a:lvl2pPr>
-            <a:lvl3pPr algn="l" defTabSz="914400" eaLnBrk="1" hangingPunct="1" latinLnBrk="0" marL="914400" rtl="0">
-              <a:defRPr sz="1800" kern="1200">
-                <a:solidFill>
-                  <a:srgbClr val="000000"/>
-                </a:solidFill>
-                <a:latin typeface="+mn-lt"/>
-                <a:ea typeface="+mn-ea"/>
-                <a:cs typeface="+mn-cs"/>
-              </a:defRPr>
-            </a:lvl3pPr>
-            <a:lvl4pPr algn="l" defTabSz="914400" eaLnBrk="1" hangingPunct="1" latinLnBrk="0" marL="1371600" rtl="0">
-              <a:defRPr sz="1800" kern="1200">
-                <a:solidFill>
-                  <a:srgbClr val="000000"/>
-                </a:solidFill>
-                <a:latin typeface="+mn-lt"/>
-                <a:ea typeface="+mn-ea"/>
-                <a:cs typeface="+mn-cs"/>
-              </a:defRPr>
-            </a:lvl4pPr>
-            <a:lvl5pPr algn="l" defTabSz="914400" eaLnBrk="1" hangingPunct="1" latinLnBrk="0" marL="1828800" rtl="0">
-              <a:defRPr sz="1800" kern="1200">
-                <a:solidFill>
-                  <a:srgbClr val="000000"/>
-                </a:solidFill>
-                <a:latin typeface="+mn-lt"/>
-                <a:ea typeface="+mn-ea"/>
-                <a:cs typeface="+mn-cs"/>
-              </a:defRPr>
-            </a:lvl5pPr>
-            <a:lvl6pPr algn="l" defTabSz="914400" eaLnBrk="1" hangingPunct="1" latinLnBrk="0" marL="2286000" rtl="0">
-              <a:defRPr sz="1800" kern="1200">
-                <a:solidFill>
-                  <a:srgbClr val="000000"/>
-                </a:solidFill>
-                <a:latin typeface="+mn-lt"/>
-                <a:ea typeface="+mn-ea"/>
-                <a:cs typeface="+mn-cs"/>
-              </a:defRPr>
-            </a:lvl6pPr>
-            <a:lvl7pPr algn="l" defTabSz="914400" eaLnBrk="1" hangingPunct="1" latinLnBrk="0" marL="2743200" rtl="0">
-              <a:defRPr sz="1800" kern="1200">
-                <a:solidFill>
-                  <a:srgbClr val="000000"/>
-                </a:solidFill>
-                <a:latin typeface="+mn-lt"/>
-                <a:ea typeface="+mn-ea"/>
-                <a:cs typeface="+mn-cs"/>
-              </a:defRPr>
-            </a:lvl7pPr>
-            <a:lvl8pPr algn="l" defTabSz="914400" eaLnBrk="1" hangingPunct="1" latinLnBrk="0" marL="3200400" rtl="0">
-              <a:defRPr sz="1800" kern="1200">
-                <a:solidFill>
-                  <a:srgbClr val="000000"/>
-                </a:solidFill>
-                <a:latin typeface="+mn-lt"/>
-                <a:ea typeface="+mn-ea"/>
-                <a:cs typeface="+mn-cs"/>
-              </a:defRPr>
-            </a:lvl8pPr>
-            <a:lvl9pPr algn="l" defTabSz="914400" eaLnBrk="1" hangingPunct="1" latinLnBrk="0" marL="3657600" rtl="0">
-              <a:defRPr sz="1800" kern="1200">
-                <a:solidFill>
-                  <a:srgbClr val="000000"/>
-                </a:solidFill>
-                <a:latin typeface="+mn-lt"/>
-                <a:ea typeface="+mn-ea"/>
-                <a:cs typeface="+mn-cs"/>
-              </a:defRPr>
-            </a:lvl9pPr>
-          </a:lstStyle>
-          <a:p>
-            <a:pPr algn="l">
-              <a:buFont typeface="Arial" panose="020B0604020202020204" pitchFamily="34" charset="0"/>
-              <a:buChar char="•"/>
-            </a:pPr>
-            <a:endParaRPr b="0" dirty="0" sz="2800" i="0" lang="en-US">
-              <a:solidFill>
-                <a:srgbClr val="0D0D0D"/>
-              </a:solidFill>
-              <a:effectLst/>
-              <a:latin typeface="Times New Roman" panose="02020603050405020304" pitchFamily="18" charset="0"/>
-              <a:cs typeface="Times New Roman" panose="02020603050405020304" pitchFamily="18" charset="0"/>
-            </a:endParaRPr>
-          </a:p>
-          <a:p>
-            <a:endParaRPr dirty="0" sz="2800" lang="en-IN">
-              <a:latin typeface="Times New Roman" panose="02020603050405020304" pitchFamily="18" charset="0"/>
-              <a:cs typeface="Times New Roman" panose="02020603050405020304" pitchFamily="18" charset="0"/>
-            </a:endParaRPr>
-          </a:p>
-        </p:txBody>
-      </p:sp>
-      <p:pic>
-        <p:nvPicPr>
-          <p:cNvPr id="2097166" name=""/>
-          <p:cNvPicPr>
-            <a:picLocks/>
-          </p:cNvPicPr>
-          <p:nvPr/>
-        </p:nvPicPr>
-        <p:blipFill>
-          <a:blip xmlns:r="http://schemas.openxmlformats.org/officeDocument/2006/relationships" r:embed="rId2"/>
-          <a:stretch>
-            <a:fillRect/>
-          </a:stretch>
-        </p:blipFill>
-        <p:spPr>
-          <a:xfrm rot="0">
-            <a:off x="1158465" y="1210895"/>
-            <a:ext cx="8873012" cy="7342553"/>
-          </a:xfrm>
-          <a:prstGeom prst="rect"/>
-        </p:spPr>
-      </p:pic>
+        <p:spPr/>
+        <p:txBody>
+          <a:bodyPr/>
+          <a:lstStyle/>
+          <a:p>
+            <a:r>
+              <a:rPr lang="en-IN" dirty="0"/>
+              <a:t>FEATURES AND FUNCTIONALITY</a:t>
+            </a:r>
+          </a:p>
+        </p:txBody>
+      </p:sp>
     </p:spTree>
+    <p:extLst>
+      <p:ext uri="{BB962C8B-B14F-4D97-AF65-F5344CB8AC3E}">
+        <p14:creationId xmlns:p14="http://schemas.microsoft.com/office/powerpoint/2010/main" val="2720660618"/>
+      </p:ext>
+    </p:extLst>
   </p:cSld>
   <p:clrMapOvr>
     <a:masterClrMapping/>
@@ -8740,10 +7535,10 @@
   <a:themeElements>
     <a:clrScheme name="Office">
       <a:dk1>
-        <a:sysClr lastClr="000000" val="windowText"/>
+        <a:sysClr val="windowText" lastClr="000000"/>
       </a:dk1>
       <a:lt1>
-        <a:sysClr lastClr="FFFFFF" val="window"/>
+        <a:sysClr val="window" lastClr="FFFFFF"/>
       </a:lt1>
       <a:dk2>
         <a:srgbClr val="1F497D"/>
@@ -8924,7 +7719,7 @@
       <a:effectStyleLst>
         <a:effectStyle>
           <a:effectLst>
-            <a:outerShdw blurRad="40000" dir="5400000" dist="20000" rotWithShape="0">
+            <a:outerShdw blurRad="40000" dist="20000" dir="5400000" rotWithShape="0">
               <a:srgbClr val="000000">
                 <a:alpha val="38000"/>
               </a:srgbClr>
@@ -8933,7 +7728,7 @@
         </a:effectStyle>
         <a:effectStyle>
           <a:effectLst>
-            <a:outerShdw blurRad="40000" dir="5400000" dist="23000" rotWithShape="0">
+            <a:outerShdw blurRad="40000" dist="23000" dir="5400000" rotWithShape="0">
               <a:srgbClr val="000000">
                 <a:alpha val="35000"/>
               </a:srgbClr>
@@ -8942,7 +7737,7 @@
         </a:effectStyle>
         <a:effectStyle>
           <a:effectLst>
-            <a:outerShdw blurRad="40000" dir="5400000" dist="23000" rotWithShape="0">
+            <a:outerShdw blurRad="40000" dist="23000" dir="5400000" rotWithShape="0">
               <a:srgbClr val="000000">
                 <a:alpha val="35000"/>
               </a:srgbClr>
@@ -8952,7 +7747,7 @@
             <a:camera prst="orthographicFront">
               <a:rot lat="0" lon="0" rev="0"/>
             </a:camera>
-            <a:lightRig dir="t" rig="threePt">
+            <a:lightRig rig="threePt" dir="t">
               <a:rot lat="0" lon="0" rev="1200000"/>
             </a:lightRig>
           </a:scene3d>
@@ -9013,6 +7808,8 @@
       </a:bgFillStyleLst>
     </a:fmtScheme>
   </a:themeElements>
+  <a:objectDefaults/>
+  <a:extraClrSchemeLst/>
 </a:theme>
 </file>
 
@@ -9021,10 +7818,10 @@
   <a:themeElements>
     <a:clrScheme name="Office">
       <a:dk1>
-        <a:sysClr lastClr="000000" val="windowText"/>
+        <a:sysClr val="windowText" lastClr="000000"/>
       </a:dk1>
       <a:lt1>
-        <a:sysClr lastClr="FFFFFF" val="window"/>
+        <a:sysClr val="window" lastClr="FFFFFF"/>
       </a:lt1>
       <a:dk2>
         <a:srgbClr val="44546A"/>
@@ -9253,7 +8050,7 @@
         </a:effectStyle>
         <a:effectStyle>
           <a:effectLst>
-            <a:outerShdw algn="ctr" blurRad="57150" dir="5400000" dist="19050" rotWithShape="0">
+            <a:outerShdw blurRad="57150" dist="19050" dir="5400000" algn="ctr" rotWithShape="0">
               <a:srgbClr val="000000">
                 <a:alpha val="63000"/>
               </a:srgbClr>
@@ -9301,5 +8098,12 @@
       </a:bgFillStyleLst>
     </a:fmtScheme>
   </a:themeElements>
+  <a:objectDefaults/>
+  <a:extraClrSchemeLst/>
+  <a:extLst>
+    <a:ext uri="{05A4C25C-085E-4340-85A3-A5531E510DB2}">
+      <thm15:themeFamily xmlns:thm15="http://schemas.microsoft.com/office/thememl/2012/main" name="Office Theme" id="{62F939B6-93AF-4DB8-9C6B-D6C7DFDC589F}" vid="{4A3C46E8-61CC-4603-A589-7422A47A8E4A}"/>
+    </a:ext>
+  </a:extLst>
 </a:theme>
 </file>